--- a/黄子翚答辩.pptx
+++ b/黄子翚答辩.pptx
@@ -6,7 +6,7 @@
     <p:sldMasterId id="2147484095" r:id="rId2"/>
   </p:sldMasterIdLst>
   <p:notesMasterIdLst>
-    <p:notesMasterId r:id="rId36"/>
+    <p:notesMasterId r:id="rId37"/>
   </p:notesMasterIdLst>
   <p:sldIdLst>
     <p:sldId id="256" r:id="rId3"/>
@@ -15,8 +15,8 @@
     <p:sldId id="786" r:id="rId6"/>
     <p:sldId id="760" r:id="rId7"/>
     <p:sldId id="761" r:id="rId8"/>
-    <p:sldId id="791" r:id="rId9"/>
-    <p:sldId id="764" r:id="rId10"/>
+    <p:sldId id="764" r:id="rId9"/>
+    <p:sldId id="791" r:id="rId10"/>
     <p:sldId id="763" r:id="rId11"/>
     <p:sldId id="762" r:id="rId12"/>
     <p:sldId id="780" r:id="rId13"/>
@@ -28,20 +28,21 @@
     <p:sldId id="768" r:id="rId19"/>
     <p:sldId id="793" r:id="rId20"/>
     <p:sldId id="769" r:id="rId21"/>
-    <p:sldId id="770" r:id="rId22"/>
-    <p:sldId id="794" r:id="rId23"/>
-    <p:sldId id="785" r:id="rId24"/>
-    <p:sldId id="795" r:id="rId25"/>
-    <p:sldId id="772" r:id="rId26"/>
-    <p:sldId id="773" r:id="rId27"/>
-    <p:sldId id="774" r:id="rId28"/>
-    <p:sldId id="775" r:id="rId29"/>
-    <p:sldId id="783" r:id="rId30"/>
-    <p:sldId id="784" r:id="rId31"/>
-    <p:sldId id="776" r:id="rId32"/>
-    <p:sldId id="796" r:id="rId33"/>
-    <p:sldId id="778" r:id="rId34"/>
-    <p:sldId id="777" r:id="rId35"/>
+    <p:sldId id="797" r:id="rId22"/>
+    <p:sldId id="770" r:id="rId23"/>
+    <p:sldId id="794" r:id="rId24"/>
+    <p:sldId id="785" r:id="rId25"/>
+    <p:sldId id="795" r:id="rId26"/>
+    <p:sldId id="772" r:id="rId27"/>
+    <p:sldId id="773" r:id="rId28"/>
+    <p:sldId id="774" r:id="rId29"/>
+    <p:sldId id="775" r:id="rId30"/>
+    <p:sldId id="783" r:id="rId31"/>
+    <p:sldId id="784" r:id="rId32"/>
+    <p:sldId id="776" r:id="rId33"/>
+    <p:sldId id="796" r:id="rId34"/>
+    <p:sldId id="778" r:id="rId35"/>
+    <p:sldId id="777" r:id="rId36"/>
   </p:sldIdLst>
   <p:sldSz cx="9144000" cy="6858000" type="screen4x3"/>
   <p:notesSz cx="6858000" cy="9144000"/>
@@ -336,7 +337,7 @@
             <a:fld id="{2F51B9CC-7748-437E-9BBA-BB8F22C8F9BA}" type="datetime1">
               <a:rPr lang="zh-CN" altLang="en-US"/>
               <a:pPr/>
-              <a:t>2017/6/3</a:t>
+              <a:t>2017/6/5</a:t>
             </a:fld>
             <a:endParaRPr lang="zh-CN" altLang="en-US" sz="1200">
               <a:latin typeface="Verdana" panose="020B0604030504040204" pitchFamily="34" charset="0"/>
@@ -932,7 +933,7 @@
             <a:fld id="{2F51B9CC-7748-437E-9BBA-BB8F22C8F9BA}" type="datetime1">
               <a:rPr lang="zh-CN" altLang="en-US" smtClean="0"/>
               <a:pPr/>
-              <a:t>2017/6/3</a:t>
+              <a:t>2017/6/5</a:t>
             </a:fld>
             <a:endParaRPr lang="zh-CN" altLang="en-US" sz="1200">
               <a:latin typeface="Verdana" panose="020B0604030504040204" pitchFamily="34" charset="0"/>
@@ -1115,7 +1116,7 @@
             <a:fld id="{CC04B7A0-1C19-4915-922E-1A93E6613F93}" type="datetime1">
               <a:rPr lang="zh-CN" altLang="en-US"/>
               <a:pPr/>
-              <a:t>2017/6/3</a:t>
+              <a:t>2017/6/5</a:t>
             </a:fld>
             <a:endParaRPr lang="zh-CN" altLang="en-US" sz="1800">
               <a:latin typeface="Arial" panose="020B0604020202020204" pitchFamily="34" charset="0"/>
@@ -1312,7 +1313,7 @@
             <a:fld id="{CC04B7A0-1C19-4915-922E-1A93E6613F93}" type="datetime1">
               <a:rPr lang="zh-CN" altLang="en-US"/>
               <a:pPr/>
-              <a:t>2017/6/3</a:t>
+              <a:t>2017/6/5</a:t>
             </a:fld>
             <a:endParaRPr lang="zh-CN" altLang="en-US" sz="1800">
               <a:latin typeface="Arial" panose="020B0604020202020204" pitchFamily="34" charset="0"/>
@@ -1519,7 +1520,7 @@
             <a:fld id="{CC04B7A0-1C19-4915-922E-1A93E6613F93}" type="datetime1">
               <a:rPr lang="zh-CN" altLang="en-US"/>
               <a:pPr/>
-              <a:t>2017/6/3</a:t>
+              <a:t>2017/6/5</a:t>
             </a:fld>
             <a:endParaRPr lang="zh-CN" altLang="en-US" sz="1800">
               <a:latin typeface="Arial" panose="020B0604020202020204" pitchFamily="34" charset="0"/>
@@ -1738,7 +1739,7 @@
             <a:fld id="{05BB47F6-42F0-4CD8-AE47-7A1FD23F1227}" type="datetime1">
               <a:rPr lang="zh-CN" altLang="en-US"/>
               <a:pPr/>
-              <a:t>2017/6/3</a:t>
+              <a:t>2017/6/5</a:t>
             </a:fld>
             <a:endParaRPr lang="zh-CN" altLang="en-US" sz="1800">
               <a:latin typeface="Arial" panose="020B0604020202020204" pitchFamily="34" charset="0"/>
@@ -1935,7 +1936,7 @@
             <a:fld id="{05BB47F6-42F0-4CD8-AE47-7A1FD23F1227}" type="datetime1">
               <a:rPr lang="zh-CN" altLang="en-US"/>
               <a:pPr/>
-              <a:t>2017/6/3</a:t>
+              <a:t>2017/6/5</a:t>
             </a:fld>
             <a:endParaRPr lang="zh-CN" altLang="en-US" sz="1800">
               <a:latin typeface="Arial" panose="020B0604020202020204" pitchFamily="34" charset="0"/>
@@ -2154,7 +2155,7 @@
             <a:fld id="{05BB47F6-42F0-4CD8-AE47-7A1FD23F1227}" type="datetime1">
               <a:rPr lang="zh-CN" altLang="en-US"/>
               <a:pPr/>
-              <a:t>2017/6/3</a:t>
+              <a:t>2017/6/5</a:t>
             </a:fld>
             <a:endParaRPr lang="zh-CN" altLang="en-US" sz="1800">
               <a:latin typeface="Arial" panose="020B0604020202020204" pitchFamily="34" charset="0"/>
@@ -2413,7 +2414,7 @@
             <a:fld id="{05BB47F6-42F0-4CD8-AE47-7A1FD23F1227}" type="datetime1">
               <a:rPr lang="zh-CN" altLang="en-US"/>
               <a:pPr/>
-              <a:t>2017/6/3</a:t>
+              <a:t>2017/6/5</a:t>
             </a:fld>
             <a:endParaRPr lang="zh-CN" altLang="en-US" sz="1800">
               <a:latin typeface="Arial" panose="020B0604020202020204" pitchFamily="34" charset="0"/>
@@ -2807,7 +2808,7 @@
             <a:fld id="{05BB47F6-42F0-4CD8-AE47-7A1FD23F1227}" type="datetime1">
               <a:rPr lang="zh-CN" altLang="en-US"/>
               <a:pPr/>
-              <a:t>2017/6/3</a:t>
+              <a:t>2017/6/5</a:t>
             </a:fld>
             <a:endParaRPr lang="zh-CN" altLang="en-US" sz="1800">
               <a:latin typeface="Arial" panose="020B0604020202020204" pitchFamily="34" charset="0"/>
@@ -2952,7 +2953,7 @@
             <a:fld id="{05BB47F6-42F0-4CD8-AE47-7A1FD23F1227}" type="datetime1">
               <a:rPr lang="zh-CN" altLang="en-US"/>
               <a:pPr/>
-              <a:t>2017/6/3</a:t>
+              <a:t>2017/6/5</a:t>
             </a:fld>
             <a:endParaRPr lang="zh-CN" altLang="en-US" sz="1800">
               <a:latin typeface="Arial" panose="020B0604020202020204" pitchFamily="34" charset="0"/>
@@ -3074,7 +3075,7 @@
             <a:fld id="{05BB47F6-42F0-4CD8-AE47-7A1FD23F1227}" type="datetime1">
               <a:rPr lang="zh-CN" altLang="en-US"/>
               <a:pPr/>
-              <a:t>2017/6/3</a:t>
+              <a:t>2017/6/5</a:t>
             </a:fld>
             <a:endParaRPr lang="zh-CN" altLang="en-US" sz="1800">
               <a:latin typeface="Arial" panose="020B0604020202020204" pitchFamily="34" charset="0"/>
@@ -3378,7 +3379,7 @@
             <a:fld id="{05BB47F6-42F0-4CD8-AE47-7A1FD23F1227}" type="datetime1">
               <a:rPr lang="zh-CN" altLang="en-US"/>
               <a:pPr/>
-              <a:t>2017/6/3</a:t>
+              <a:t>2017/6/5</a:t>
             </a:fld>
             <a:endParaRPr lang="zh-CN" altLang="en-US" sz="1800">
               <a:latin typeface="Arial" panose="020B0604020202020204" pitchFamily="34" charset="0"/>
@@ -3575,7 +3576,7 @@
             <a:fld id="{CC04B7A0-1C19-4915-922E-1A93E6613F93}" type="datetime1">
               <a:rPr lang="zh-CN" altLang="en-US"/>
               <a:pPr/>
-              <a:t>2017/6/3</a:t>
+              <a:t>2017/6/5</a:t>
             </a:fld>
             <a:endParaRPr lang="zh-CN" altLang="en-US" sz="1800">
               <a:latin typeface="Arial" panose="020B0604020202020204" pitchFamily="34" charset="0"/>
@@ -3855,7 +3856,7 @@
             <a:fld id="{05BB47F6-42F0-4CD8-AE47-7A1FD23F1227}" type="datetime1">
               <a:rPr lang="zh-CN" altLang="en-US"/>
               <a:pPr/>
-              <a:t>2017/6/3</a:t>
+              <a:t>2017/6/5</a:t>
             </a:fld>
             <a:endParaRPr lang="zh-CN" altLang="en-US" sz="1800">
               <a:latin typeface="Arial" panose="020B0604020202020204" pitchFamily="34" charset="0"/>
@@ -4052,7 +4053,7 @@
             <a:fld id="{05BB47F6-42F0-4CD8-AE47-7A1FD23F1227}" type="datetime1">
               <a:rPr lang="zh-CN" altLang="en-US"/>
               <a:pPr/>
-              <a:t>2017/6/3</a:t>
+              <a:t>2017/6/5</a:t>
             </a:fld>
             <a:endParaRPr lang="zh-CN" altLang="en-US" sz="1800">
               <a:latin typeface="Arial" panose="020B0604020202020204" pitchFamily="34" charset="0"/>
@@ -4259,7 +4260,7 @@
             <a:fld id="{05BB47F6-42F0-4CD8-AE47-7A1FD23F1227}" type="datetime1">
               <a:rPr lang="zh-CN" altLang="en-US"/>
               <a:pPr/>
-              <a:t>2017/6/3</a:t>
+              <a:t>2017/6/5</a:t>
             </a:fld>
             <a:endParaRPr lang="zh-CN" altLang="en-US" sz="1800">
               <a:latin typeface="Arial" panose="020B0604020202020204" pitchFamily="34" charset="0"/>
@@ -4478,7 +4479,7 @@
             <a:fld id="{CC04B7A0-1C19-4915-922E-1A93E6613F93}" type="datetime1">
               <a:rPr lang="zh-CN" altLang="en-US"/>
               <a:pPr/>
-              <a:t>2017/6/3</a:t>
+              <a:t>2017/6/5</a:t>
             </a:fld>
             <a:endParaRPr lang="zh-CN" altLang="en-US" sz="1800">
               <a:latin typeface="Arial" panose="020B0604020202020204" pitchFamily="34" charset="0"/>
@@ -4737,7 +4738,7 @@
             <a:fld id="{CC04B7A0-1C19-4915-922E-1A93E6613F93}" type="datetime1">
               <a:rPr lang="zh-CN" altLang="en-US"/>
               <a:pPr/>
-              <a:t>2017/6/3</a:t>
+              <a:t>2017/6/5</a:t>
             </a:fld>
             <a:endParaRPr lang="zh-CN" altLang="en-US" sz="1800">
               <a:latin typeface="Arial" panose="020B0604020202020204" pitchFamily="34" charset="0"/>
@@ -5131,7 +5132,7 @@
             <a:fld id="{CC04B7A0-1C19-4915-922E-1A93E6613F93}" type="datetime1">
               <a:rPr lang="zh-CN" altLang="en-US"/>
               <a:pPr/>
-              <a:t>2017/6/3</a:t>
+              <a:t>2017/6/5</a:t>
             </a:fld>
             <a:endParaRPr lang="zh-CN" altLang="en-US" sz="1800">
               <a:latin typeface="Arial" panose="020B0604020202020204" pitchFamily="34" charset="0"/>
@@ -5276,7 +5277,7 @@
             <a:fld id="{CC04B7A0-1C19-4915-922E-1A93E6613F93}" type="datetime1">
               <a:rPr lang="zh-CN" altLang="en-US"/>
               <a:pPr/>
-              <a:t>2017/6/3</a:t>
+              <a:t>2017/6/5</a:t>
             </a:fld>
             <a:endParaRPr lang="zh-CN" altLang="en-US" sz="1800">
               <a:latin typeface="Arial" panose="020B0604020202020204" pitchFamily="34" charset="0"/>
@@ -5398,7 +5399,7 @@
             <a:fld id="{CC04B7A0-1C19-4915-922E-1A93E6613F93}" type="datetime1">
               <a:rPr lang="zh-CN" altLang="en-US"/>
               <a:pPr/>
-              <a:t>2017/6/3</a:t>
+              <a:t>2017/6/5</a:t>
             </a:fld>
             <a:endParaRPr lang="zh-CN" altLang="en-US" sz="1800">
               <a:latin typeface="Arial" panose="020B0604020202020204" pitchFamily="34" charset="0"/>
@@ -5702,7 +5703,7 @@
             <a:fld id="{CC04B7A0-1C19-4915-922E-1A93E6613F93}" type="datetime1">
               <a:rPr lang="zh-CN" altLang="en-US"/>
               <a:pPr/>
-              <a:t>2017/6/3</a:t>
+              <a:t>2017/6/5</a:t>
             </a:fld>
             <a:endParaRPr lang="zh-CN" altLang="en-US" sz="1800">
               <a:latin typeface="Arial" panose="020B0604020202020204" pitchFamily="34" charset="0"/>
@@ -5982,7 +5983,7 @@
             <a:fld id="{CC04B7A0-1C19-4915-922E-1A93E6613F93}" type="datetime1">
               <a:rPr lang="zh-CN" altLang="en-US"/>
               <a:pPr/>
-              <a:t>2017/6/3</a:t>
+              <a:t>2017/6/5</a:t>
             </a:fld>
             <a:endParaRPr lang="zh-CN" altLang="en-US" sz="1800">
               <a:latin typeface="Arial" panose="020B0604020202020204" pitchFamily="34" charset="0"/>
@@ -6492,7 +6493,7 @@
             <a:fld id="{CC04B7A0-1C19-4915-922E-1A93E6613F93}" type="datetime1">
               <a:rPr lang="zh-CN" altLang="en-US"/>
               <a:pPr/>
-              <a:t>2017/6/3</a:t>
+              <a:t>2017/6/5</a:t>
             </a:fld>
             <a:endParaRPr lang="zh-CN" altLang="en-US" sz="1800">
               <a:latin typeface="Arial" panose="020B0604020202020204" pitchFamily="34" charset="0"/>
@@ -7497,7 +7498,7 @@
             <a:fld id="{05BB47F6-42F0-4CD8-AE47-7A1FD23F1227}" type="datetime1">
               <a:rPr lang="zh-CN" altLang="en-US"/>
               <a:pPr/>
-              <a:t>2017/6/3</a:t>
+              <a:t>2017/6/5</a:t>
             </a:fld>
             <a:endParaRPr lang="zh-CN" altLang="en-US" sz="1800">
               <a:latin typeface="Arial" panose="020B0604020202020204" pitchFamily="34" charset="0"/>
@@ -8578,7 +8579,7 @@
             <a:fld id="{05BB47F6-42F0-4CD8-AE47-7A1FD23F1227}" type="datetime1">
               <a:rPr lang="zh-CN" altLang="en-US" smtClean="0"/>
               <a:pPr/>
-              <a:t>2017/6/3</a:t>
+              <a:t>2017/6/5</a:t>
             </a:fld>
             <a:endParaRPr lang="zh-CN" altLang="en-US" sz="1800">
               <a:latin typeface="Arial" panose="020B0604020202020204" pitchFamily="34" charset="0"/>
@@ -8733,7 +8734,7 @@
             <a:fld id="{05BB47F6-42F0-4CD8-AE47-7A1FD23F1227}" type="datetime1">
               <a:rPr lang="zh-CN" altLang="en-US" smtClean="0"/>
               <a:pPr/>
-              <a:t>2017/6/3</a:t>
+              <a:t>2017/6/5</a:t>
             </a:fld>
             <a:endParaRPr lang="zh-CN" altLang="en-US" sz="1800">
               <a:latin typeface="Arial" panose="020B0604020202020204" pitchFamily="34" charset="0"/>
@@ -8841,7 +8842,6 @@
               <a:rPr lang="zh-CN" altLang="en-US" dirty="0"/>
               <a:t>大纲</a:t>
             </a:r>
-            <a:endParaRPr lang="zh-CN" altLang="en-US" dirty="0"/>
           </a:p>
         </p:txBody>
       </p:sp>
@@ -8903,8 +8903,8 @@
           <a:p>
             <a:pPr lvl="1"/>
             <a:r>
-              <a:rPr lang="zh-CN" altLang="en-US" dirty="0" smtClean="0"/>
-              <a:t>策略</a:t>
+              <a:rPr lang="zh-CN" altLang="en-US" dirty="0"/>
+              <a:t>决策</a:t>
             </a:r>
             <a:endParaRPr lang="en-US" altLang="zh-CN" dirty="0" smtClean="0"/>
           </a:p>
@@ -8950,7 +8950,7 @@
             <a:fld id="{05BB47F6-42F0-4CD8-AE47-7A1FD23F1227}" type="datetime1">
               <a:rPr lang="zh-CN" altLang="en-US" smtClean="0"/>
               <a:pPr/>
-              <a:t>2017/6/3</a:t>
+              <a:t>2017/6/5</a:t>
             </a:fld>
             <a:endParaRPr lang="zh-CN" altLang="en-US" sz="1800">
               <a:latin typeface="Arial" panose="020B0604020202020204" pitchFamily="34" charset="0"/>
@@ -9038,7 +9038,6 @@
               <a:rPr lang="zh-CN" altLang="en-US" dirty="0"/>
               <a:t>模块</a:t>
             </a:r>
-            <a:endParaRPr lang="zh-CN" altLang="en-US" dirty="0"/>
           </a:p>
         </p:txBody>
       </p:sp>
@@ -9059,7 +9058,15 @@
           <a:p>
             <a:r>
               <a:rPr lang="zh-CN" altLang="en-US" dirty="0"/>
-              <a:t>问题：给定任意</a:t>
+              <a:t>功能</a:t>
+            </a:r>
+            <a:r>
+              <a:rPr lang="zh-CN" altLang="en-US" dirty="0" smtClean="0"/>
+              <a:t>：</a:t>
+            </a:r>
+            <a:r>
+              <a:rPr lang="zh-CN" altLang="en-US" dirty="0"/>
+              <a:t>给定任意</a:t>
             </a:r>
             <a:r>
               <a:rPr lang="en-US" altLang="zh-CN" dirty="0"/>
@@ -9073,7 +9080,6 @@
               <a:rPr lang="en-US" altLang="zh-CN" dirty="0" smtClean="0"/>
               <a:t>IPC</a:t>
             </a:r>
-            <a:endParaRPr lang="en-US" altLang="zh-CN" dirty="0" smtClean="0"/>
           </a:p>
           <a:p>
             <a:r>
@@ -9096,15 +9102,7 @@
           <a:p>
             <a:r>
               <a:rPr lang="zh-CN" altLang="en-US" dirty="0" smtClean="0"/>
-              <a:t>难点：</a:t>
-            </a:r>
-            <a:r>
-              <a:rPr lang="zh-CN" altLang="en-US" dirty="0" smtClean="0"/>
-              <a:t>弄清每个“部分共享”片段</a:t>
-            </a:r>
-            <a:r>
-              <a:rPr lang="zh-CN" altLang="en-US" dirty="0" smtClean="0"/>
-              <a:t>的竞争结果</a:t>
+              <a:t>难点：弄清每个“部分共享”片段的竞争结果</a:t>
             </a:r>
             <a:endParaRPr lang="zh-CN" altLang="en-US" dirty="0"/>
           </a:p>
@@ -9128,7 +9126,7 @@
             <a:fld id="{05BB47F6-42F0-4CD8-AE47-7A1FD23F1227}" type="datetime1">
               <a:rPr lang="zh-CN" altLang="en-US" smtClean="0"/>
               <a:pPr/>
-              <a:t>2017/6/3</a:t>
+              <a:t>2017/6/5</a:t>
             </a:fld>
             <a:endParaRPr lang="zh-CN" altLang="en-US" sz="1800">
               <a:latin typeface="Arial" panose="020B0604020202020204" pitchFamily="34" charset="0"/>
@@ -9240,7 +9238,11 @@
           <a:p>
             <a:r>
               <a:rPr lang="zh-CN" altLang="en-US" dirty="0" smtClean="0"/>
-              <a:t>预测问题的基本思路</a:t>
+              <a:t>解决预测</a:t>
+            </a:r>
+            <a:r>
+              <a:rPr lang="zh-CN" altLang="en-US" dirty="0" smtClean="0"/>
+              <a:t>问题的基本思路</a:t>
             </a:r>
             <a:endParaRPr lang="zh-CN" altLang="en-US" dirty="0"/>
           </a:p>
@@ -9373,7 +9375,7 @@
             <a:fld id="{05BB47F6-42F0-4CD8-AE47-7A1FD23F1227}" type="datetime1">
               <a:rPr lang="zh-CN" altLang="en-US" smtClean="0"/>
               <a:pPr/>
-              <a:t>2017/6/3</a:t>
+              <a:t>2017/6/5</a:t>
             </a:fld>
             <a:endParaRPr lang="zh-CN" altLang="en-US" sz="1800">
               <a:latin typeface="Arial" panose="020B0604020202020204" pitchFamily="34" charset="0"/>
@@ -9478,7 +9480,15 @@
           <a:p>
             <a:r>
               <a:rPr lang="zh-CN" altLang="en-US" dirty="0" smtClean="0"/>
-              <a:t>给定初始每个程序的缓存占用值</a:t>
+              <a:t>对每段平均分配</a:t>
+            </a:r>
+            <a:r>
+              <a:rPr lang="zh-CN" altLang="en-US" dirty="0"/>
+              <a:t>各个</a:t>
+            </a:r>
+            <a:r>
+              <a:rPr lang="zh-CN" altLang="en-US" dirty="0" smtClean="0"/>
+              <a:t>程序的初始</a:t>
             </a:r>
             <a:r>
               <a:rPr lang="en-US" altLang="zh-CN" dirty="0" smtClean="0"/>
@@ -9489,11 +9499,7 @@
           <a:p>
             <a:r>
               <a:rPr lang="zh-CN" altLang="en-US" dirty="0" smtClean="0"/>
-              <a:t>重复下述步骤，直到</a:t>
-            </a:r>
-            <a:r>
-              <a:rPr lang="zh-CN" altLang="en-US" dirty="0" smtClean="0"/>
-              <a:t>收敛（</a:t>
+              <a:t>重复下述步骤，直到收敛（</a:t>
             </a:r>
             <a:r>
               <a:rPr lang="en-US" altLang="zh-CN" dirty="0" smtClean="0"/>
@@ -9517,34 +9523,26 @@
             </a:r>
             <a:r>
               <a:rPr lang="en-US" altLang="zh-CN" dirty="0" smtClean="0"/>
+              <a:t>Miss-rate, IPC</a:t>
+            </a:r>
+          </a:p>
+          <a:p>
+            <a:pPr lvl="1"/>
+            <a:r>
+              <a:rPr lang="en-US" altLang="zh-CN" dirty="0"/>
               <a:t>Miss-rate, </a:t>
             </a:r>
             <a:r>
               <a:rPr lang="en-US" altLang="zh-CN" dirty="0" smtClean="0"/>
               <a:t>IPC</a:t>
             </a:r>
-          </a:p>
-          <a:p>
-            <a:pPr lvl="1"/>
-            <a:r>
-              <a:rPr lang="en-US" altLang="zh-CN" dirty="0"/>
-              <a:t>Miss-rate, </a:t>
-            </a:r>
-            <a:r>
-              <a:rPr lang="en-US" altLang="zh-CN" dirty="0" smtClean="0"/>
-              <a:t>IPC</a:t>
-            </a:r>
             <a:r>
               <a:rPr lang="zh-CN" altLang="en-US" dirty="0"/>
               <a:t> </a:t>
             </a:r>
             <a:r>
               <a:rPr lang="zh-CN" altLang="en-US" dirty="0" smtClean="0"/>
-              <a:t>→ 每段的失效数 </a:t>
-            </a:r>
-            <a:r>
-              <a:rPr lang="zh-CN" altLang="en-US" dirty="0" smtClean="0"/>
-              <a:t>→ </a:t>
+              <a:t>→ 每段的失效数 → </a:t>
             </a:r>
             <a:r>
               <a:rPr lang="en-US" altLang="zh-CN" dirty="0" smtClean="0"/>
@@ -9582,7 +9580,7 @@
             <a:fld id="{05BB47F6-42F0-4CD8-AE47-7A1FD23F1227}" type="datetime1">
               <a:rPr lang="zh-CN" altLang="en-US" smtClean="0"/>
               <a:pPr/>
-              <a:t>2017/6/3</a:t>
+              <a:t>2017/6/5</a:t>
             </a:fld>
             <a:endParaRPr lang="zh-CN" altLang="en-US" sz="1800">
               <a:latin typeface="Arial" panose="020B0604020202020204" pitchFamily="34" charset="0"/>
@@ -9725,7 +9723,6 @@
               <a:rPr lang="en-US" altLang="zh-CN" dirty="0" smtClean="0"/>
               <a:t>Miss-rate</a:t>
             </a:r>
-            <a:endParaRPr lang="en-US" altLang="zh-CN" dirty="0" smtClean="0"/>
           </a:p>
           <a:p>
             <a:r>
@@ -9740,7 +9737,6 @@
               <a:rPr lang="en-US" altLang="zh-CN" dirty="0" smtClean="0"/>
               <a:t>IPC</a:t>
             </a:r>
-            <a:endParaRPr lang="en-US" altLang="zh-CN" dirty="0" smtClean="0"/>
           </a:p>
           <a:p>
             <a:pPr lvl="1"/>
@@ -9776,7 +9772,7 @@
             <a:fld id="{05BB47F6-42F0-4CD8-AE47-7A1FD23F1227}" type="datetime1">
               <a:rPr lang="zh-CN" altLang="en-US" smtClean="0"/>
               <a:pPr/>
-              <a:t>2017/6/3</a:t>
+              <a:t>2017/6/5</a:t>
             </a:fld>
             <a:endParaRPr lang="zh-CN" altLang="en-US" sz="1800">
               <a:latin typeface="Arial" panose="020B0604020202020204" pitchFamily="34" charset="0"/>
@@ -9913,11 +9909,7 @@
           <a:p>
             <a:r>
               <a:rPr lang="zh-CN" altLang="en-US" dirty="0" smtClean="0"/>
-              <a:t>计算总失效</a:t>
-            </a:r>
-            <a:r>
-              <a:rPr lang="zh-CN" altLang="en-US" dirty="0" smtClean="0"/>
-              <a:t>数</a:t>
+              <a:t>计算总失效数</a:t>
             </a:r>
             <a:endParaRPr lang="en-US" altLang="zh-CN" dirty="0" smtClean="0"/>
           </a:p>
@@ -9940,7 +9932,6 @@
               <a:rPr lang="en-US" altLang="zh-CN" dirty="0" smtClean="0"/>
               <a:t>Occupancy</a:t>
             </a:r>
-            <a:endParaRPr lang="en-US" altLang="zh-CN" dirty="0" smtClean="0"/>
           </a:p>
           <a:p>
             <a:pPr lvl="1"/>
@@ -9972,7 +9963,7 @@
             <a:fld id="{05BB47F6-42F0-4CD8-AE47-7A1FD23F1227}" type="datetime1">
               <a:rPr lang="zh-CN" altLang="en-US" smtClean="0"/>
               <a:pPr/>
-              <a:t>2017/6/3</a:t>
+              <a:t>2017/6/5</a:t>
             </a:fld>
             <a:endParaRPr lang="zh-CN" altLang="en-US" sz="1800">
               <a:latin typeface="Arial" panose="020B0604020202020204" pitchFamily="34" charset="0"/>
@@ -10104,7 +10095,6 @@
               <a:rPr lang="zh-CN" altLang="en-US" dirty="0"/>
               <a:t>大纲</a:t>
             </a:r>
-            <a:endParaRPr lang="zh-CN" altLang="en-US" dirty="0"/>
           </a:p>
         </p:txBody>
       </p:sp>
@@ -10158,12 +10148,12 @@
           <a:p>
             <a:pPr lvl="1"/>
             <a:r>
-              <a:rPr lang="zh-CN" altLang="en-US" dirty="0" smtClean="0">
+              <a:rPr lang="zh-CN" altLang="en-US" dirty="0">
                 <a:solidFill>
                   <a:srgbClr val="FF0000"/>
                 </a:solidFill>
               </a:rPr>
-              <a:t>策略</a:t>
+              <a:t>决策</a:t>
             </a:r>
             <a:endParaRPr lang="en-US" altLang="zh-CN" dirty="0" smtClean="0">
               <a:solidFill>
@@ -10213,7 +10203,7 @@
             <a:fld id="{05BB47F6-42F0-4CD8-AE47-7A1FD23F1227}" type="datetime1">
               <a:rPr lang="zh-CN" altLang="en-US" smtClean="0"/>
               <a:pPr/>
-              <a:t>2017/6/3</a:t>
+              <a:t>2017/6/5</a:t>
             </a:fld>
             <a:endParaRPr lang="zh-CN" altLang="en-US" sz="1800">
               <a:latin typeface="Arial" panose="020B0604020202020204" pitchFamily="34" charset="0"/>
@@ -10403,7 +10393,7 @@
             <a:fld id="{05BB47F6-42F0-4CD8-AE47-7A1FD23F1227}" type="datetime1">
               <a:rPr lang="zh-CN" altLang="en-US" smtClean="0"/>
               <a:pPr/>
-              <a:t>2017/6/3</a:t>
+              <a:t>2017/6/5</a:t>
             </a:fld>
             <a:endParaRPr lang="zh-CN" altLang="en-US" sz="1800">
               <a:latin typeface="Arial" panose="020B0604020202020204" pitchFamily="34" charset="0"/>
@@ -10607,7 +10597,6 @@
               <a:rPr lang="zh-CN" altLang="en-US" dirty="0"/>
               <a:t>大纲</a:t>
             </a:r>
-            <a:endParaRPr lang="zh-CN" altLang="en-US" dirty="0"/>
           </a:p>
         </p:txBody>
       </p:sp>
@@ -10670,7 +10659,7 @@
             <a:pPr lvl="1"/>
             <a:r>
               <a:rPr lang="zh-CN" altLang="en-US" dirty="0" smtClean="0"/>
-              <a:t>策略</a:t>
+              <a:t>决策</a:t>
             </a:r>
             <a:endParaRPr lang="en-US" altLang="zh-CN" dirty="0" smtClean="0"/>
           </a:p>
@@ -10709,7 +10698,7 @@
             <a:fld id="{05BB47F6-42F0-4CD8-AE47-7A1FD23F1227}" type="datetime1">
               <a:rPr lang="zh-CN" altLang="en-US" smtClean="0"/>
               <a:pPr/>
-              <a:t>2017/6/3</a:t>
+              <a:t>2017/6/5</a:t>
             </a:fld>
             <a:endParaRPr lang="zh-CN" altLang="en-US" sz="1800">
               <a:latin typeface="Arial" panose="020B0604020202020204" pitchFamily="34" charset="0"/>
@@ -10797,64 +10786,186 @@
           </a:p>
         </p:txBody>
       </p:sp>
-      <p:sp>
-        <p:nvSpPr>
-          <p:cNvPr id="3" name="内容占位符 2"/>
-          <p:cNvSpPr>
-            <a:spLocks noGrp="1"/>
-          </p:cNvSpPr>
-          <p:nvPr>
-            <p:ph idx="1"/>
-          </p:nvPr>
-        </p:nvSpPr>
-        <p:spPr/>
-        <p:txBody>
-          <a:bodyPr/>
-          <a:lstStyle/>
-          <a:p>
-            <a:r>
-              <a:rPr lang="zh-CN" altLang="en-US" sz="2400" dirty="0" smtClean="0"/>
-              <a:t>基于</a:t>
-            </a:r>
-            <a:r>
-              <a:rPr lang="zh-CN" altLang="en-US" sz="2400" dirty="0" smtClean="0"/>
-              <a:t>“模拟退火</a:t>
-            </a:r>
-            <a:r>
-              <a:rPr lang="zh-CN" altLang="en-US" sz="2400" dirty="0" smtClean="0"/>
-              <a:t>”算法：</a:t>
-            </a:r>
-            <a:r>
-              <a:rPr lang="zh-CN" altLang="en-US" sz="2400" dirty="0" smtClean="0"/>
-              <a:t>搜索空间</a:t>
-            </a:r>
-            <a:r>
-              <a:rPr lang="zh-CN" altLang="en-US" sz="2400" dirty="0" smtClean="0"/>
-              <a:t>极</a:t>
-            </a:r>
-            <a:r>
-              <a:rPr lang="zh-CN" altLang="en-US" sz="2400" dirty="0" smtClean="0"/>
-              <a:t>大；短</a:t>
-            </a:r>
-            <a:r>
-              <a:rPr lang="zh-CN" altLang="en-US" sz="2400" dirty="0" smtClean="0"/>
-              <a:t>时间内找到一个较优解意义更</a:t>
-            </a:r>
-            <a:r>
-              <a:rPr lang="zh-CN" altLang="en-US" sz="2400" dirty="0" smtClean="0"/>
-              <a:t>大</a:t>
-            </a:r>
-            <a:endParaRPr lang="en-US" altLang="zh-CN" sz="2400" dirty="0" smtClean="0"/>
-          </a:p>
-          <a:p>
-            <a:pPr lvl="1"/>
-            <a:endParaRPr lang="en-US" altLang="zh-CN" sz="2000" dirty="0"/>
-          </a:p>
-          <a:p>
-            <a:endParaRPr lang="en-US" altLang="zh-CN" sz="2400" dirty="0"/>
-          </a:p>
-        </p:txBody>
-      </p:sp>
+      <mc:AlternateContent xmlns:mc="http://schemas.openxmlformats.org/markup-compatibility/2006">
+        <mc:Choice xmlns:a14="http://schemas.microsoft.com/office/drawing/2010/main" Requires="a14">
+          <p:sp>
+            <p:nvSpPr>
+              <p:cNvPr id="3" name="内容占位符 2"/>
+              <p:cNvSpPr>
+                <a:spLocks noGrp="1"/>
+              </p:cNvSpPr>
+              <p:nvPr>
+                <p:ph idx="1"/>
+              </p:nvPr>
+            </p:nvSpPr>
+            <p:spPr/>
+            <p:txBody>
+              <a:bodyPr/>
+              <a:lstStyle/>
+              <a:p>
+                <a:r>
+                  <a:rPr lang="zh-CN" altLang="en-US" dirty="0" smtClean="0"/>
+                  <a:t>问题：给定一个优化指标，找到一个分配方案将该指标最大化</a:t>
+                </a:r>
+                <a:r>
+                  <a:rPr lang="en-US" altLang="zh-CN" dirty="0" smtClean="0"/>
+                  <a:t>/</a:t>
+                </a:r>
+                <a:r>
+                  <a:rPr lang="zh-CN" altLang="en-US" dirty="0" smtClean="0"/>
+                  <a:t>最小化</a:t>
+                </a:r>
+                <a:endParaRPr lang="en-US" altLang="zh-CN" dirty="0" smtClean="0"/>
+              </a:p>
+              <a:p>
+                <a:r>
+                  <a:rPr lang="zh-CN" altLang="en-US" dirty="0" smtClean="0"/>
+                  <a:t>解空间巨大</a:t>
+                </a:r>
+                <a:endParaRPr lang="en-US" altLang="zh-CN" dirty="0" smtClean="0"/>
+              </a:p>
+              <a:p>
+                <a:pPr lvl="1"/>
+                <a:r>
+                  <a:rPr lang="zh-CN" altLang="en-US" dirty="0" smtClean="0"/>
+                  <a:t>对于</a:t>
+                </a:r>
+                <a:r>
+                  <a:rPr lang="en-US" altLang="zh-CN" dirty="0" smtClean="0"/>
+                  <a:t>20-Way</a:t>
+                </a:r>
+                <a:r>
+                  <a:rPr lang="zh-CN" altLang="en-US" dirty="0"/>
+                  <a:t> </a:t>
+                </a:r>
+                <a:r>
+                  <a:rPr lang="en-US" altLang="zh-CN" dirty="0" smtClean="0"/>
+                  <a:t>Cache</a:t>
+                </a:r>
+                <a:r>
+                  <a:rPr lang="zh-CN" altLang="en-US" dirty="0" smtClean="0"/>
+                  <a:t>，单个程序分配有</a:t>
+                </a:r>
+                <a:r>
+                  <a:rPr lang="en-US" altLang="zh-CN" dirty="0" smtClean="0"/>
+                  <a:t>210</a:t>
+                </a:r>
+                <a:r>
+                  <a:rPr lang="zh-CN" altLang="en-US" dirty="0" smtClean="0"/>
+                  <a:t>种，</a:t>
+                </a:r>
+                <a:r>
+                  <a:rPr lang="en-US" altLang="zh-CN" dirty="0" smtClean="0"/>
+                  <a:t>N</a:t>
+                </a:r>
+                <a:r>
+                  <a:rPr lang="zh-CN" altLang="en-US" dirty="0" smtClean="0"/>
+                  <a:t>个程序的分配方案数是</a:t>
+                </a:r>
+                <a14:m>
+                  <m:oMath xmlns:m="http://schemas.openxmlformats.org/officeDocument/2006/math">
+                    <m:sSup>
+                      <m:sSupPr>
+                        <m:ctrlPr>
+                          <a:rPr lang="en-US" altLang="zh-CN" b="0" i="1" smtClean="0">
+                            <a:latin typeface="Cambria Math" panose="02040503050406030204" pitchFamily="18" charset="0"/>
+                          </a:rPr>
+                        </m:ctrlPr>
+                      </m:sSupPr>
+                      <m:e>
+                        <m:r>
+                          <a:rPr lang="en-US" altLang="zh-CN" b="0" i="1" smtClean="0">
+                            <a:latin typeface="Cambria Math" panose="02040503050406030204" pitchFamily="18" charset="0"/>
+                          </a:rPr>
+                          <m:t>210</m:t>
+                        </m:r>
+                      </m:e>
+                      <m:sup>
+                        <m:r>
+                          <a:rPr lang="en-US" altLang="zh-CN" b="0" i="1" smtClean="0">
+                            <a:latin typeface="Cambria Math" panose="02040503050406030204" pitchFamily="18" charset="0"/>
+                          </a:rPr>
+                          <m:t>𝑁</m:t>
+                        </m:r>
+                      </m:sup>
+                    </m:sSup>
+                  </m:oMath>
+                </a14:m>
+                <a:endParaRPr lang="en-US" altLang="zh-CN" dirty="0" smtClean="0"/>
+              </a:p>
+              <a:p>
+                <a:r>
+                  <a:rPr lang="zh-CN" altLang="en-US" dirty="0" smtClean="0"/>
+                  <a:t>短时间</a:t>
+                </a:r>
+                <a:r>
+                  <a:rPr lang="zh-CN" altLang="en-US" dirty="0"/>
+                  <a:t>内找到一个较优解意义更</a:t>
+                </a:r>
+                <a:r>
+                  <a:rPr lang="zh-CN" altLang="en-US" dirty="0" smtClean="0"/>
+                  <a:t>大</a:t>
+                </a:r>
+                <a:endParaRPr lang="en-US" altLang="zh-CN" dirty="0" smtClean="0"/>
+              </a:p>
+              <a:p>
+                <a:pPr lvl="1"/>
+                <a:r>
+                  <a:rPr lang="zh-CN" altLang="en-US" dirty="0" smtClean="0"/>
+                  <a:t>预测不是绝对准确，全局最优解并没太大意义</a:t>
+                </a:r>
+                <a:endParaRPr lang="en-US" altLang="zh-CN" dirty="0" smtClean="0"/>
+              </a:p>
+              <a:p>
+                <a:endParaRPr lang="en-US" altLang="zh-CN" dirty="0"/>
+              </a:p>
+              <a:p>
+                <a:r>
+                  <a:rPr lang="zh-CN" altLang="en-US" dirty="0" smtClean="0"/>
+                  <a:t>“模拟退火算法”适合解决这类问题</a:t>
+                </a:r>
+                <a:endParaRPr lang="en-US" altLang="zh-CN" dirty="0"/>
+              </a:p>
+              <a:p>
+                <a:endParaRPr lang="zh-CN" altLang="en-US" dirty="0"/>
+              </a:p>
+            </p:txBody>
+          </p:sp>
+        </mc:Choice>
+        <mc:Fallback>
+          <p:sp>
+            <p:nvSpPr>
+              <p:cNvPr id="3" name="内容占位符 2"/>
+              <p:cNvSpPr>
+                <a:spLocks noGrp="1" noRot="1" noChangeAspect="1" noMove="1" noResize="1" noEditPoints="1" noAdjustHandles="1" noChangeArrowheads="1" noChangeShapeType="1" noTextEdit="1"/>
+              </p:cNvSpPr>
+              <p:nvPr>
+                <p:ph idx="1"/>
+              </p:nvPr>
+            </p:nvSpPr>
+            <p:spPr>
+              <a:blipFill>
+                <a:blip r:embed="rId2"/>
+                <a:stretch>
+                  <a:fillRect l="-1372" t="-1398"/>
+                </a:stretch>
+              </a:blipFill>
+            </p:spPr>
+            <p:txBody>
+              <a:bodyPr/>
+              <a:lstStyle/>
+              <a:p>
+                <a:r>
+                  <a:rPr lang="zh-CN" altLang="en-US">
+                    <a:noFill/>
+                  </a:rPr>
+                  <a:t> </a:t>
+                </a:r>
+              </a:p>
+            </p:txBody>
+          </p:sp>
+        </mc:Fallback>
+      </mc:AlternateContent>
       <p:sp>
         <p:nvSpPr>
           <p:cNvPr id="4" name="日期占位符 3"/>
@@ -10873,7 +10984,7 @@
             <a:fld id="{05BB47F6-42F0-4CD8-AE47-7A1FD23F1227}" type="datetime1">
               <a:rPr lang="zh-CN" altLang="en-US" smtClean="0"/>
               <a:pPr/>
-              <a:t>2017/6/3</a:t>
+              <a:t>2017/6/5</a:t>
             </a:fld>
             <a:endParaRPr lang="zh-CN" altLang="en-US" sz="1800">
               <a:latin typeface="Arial" panose="020B0604020202020204" pitchFamily="34" charset="0"/>
@@ -10908,34 +11019,10 @@
           </a:p>
         </p:txBody>
       </p:sp>
-      <p:pic>
-        <p:nvPicPr>
-          <p:cNvPr id="8" name="图片 7"/>
-          <p:cNvPicPr>
-            <a:picLocks noChangeAspect="1"/>
-          </p:cNvPicPr>
-          <p:nvPr/>
-        </p:nvPicPr>
-        <p:blipFill>
-          <a:blip r:embed="rId2"/>
-          <a:stretch>
-            <a:fillRect/>
-          </a:stretch>
-        </p:blipFill>
-        <p:spPr>
-          <a:xfrm>
-            <a:off x="1600200" y="2132910"/>
-            <a:ext cx="6175749" cy="4444555"/>
-          </a:xfrm>
-          <a:prstGeom prst="rect">
-            <a:avLst/>
-          </a:prstGeom>
-        </p:spPr>
-      </p:pic>
     </p:spTree>
     <p:extLst>
       <p:ext uri="{BB962C8B-B14F-4D97-AF65-F5344CB8AC3E}">
-        <p14:creationId xmlns:p14="http://schemas.microsoft.com/office/powerpoint/2010/main" val="1301475945"/>
+        <p14:creationId xmlns:p14="http://schemas.microsoft.com/office/powerpoint/2010/main" val="2538707619"/>
       </p:ext>
     </p:extLst>
   </p:cSld>
@@ -10978,8 +11065,8 @@
           <a:lstStyle/>
           <a:p>
             <a:r>
-              <a:rPr lang="zh-CN" altLang="en-US" dirty="0"/>
-              <a:t>大纲</a:t>
+              <a:rPr lang="zh-CN" altLang="en-US" dirty="0" smtClean="0"/>
+              <a:t>决策算法</a:t>
             </a:r>
             <a:endParaRPr lang="zh-CN" altLang="en-US" dirty="0"/>
           </a:p>
@@ -11000,75 +11087,11 @@
           <a:bodyPr/>
           <a:lstStyle/>
           <a:p>
-            <a:r>
-              <a:rPr lang="zh-CN" altLang="en-US" dirty="0" smtClean="0"/>
-              <a:t>研究问题</a:t>
-            </a:r>
-            <a:endParaRPr lang="en-US" altLang="zh-CN" dirty="0" smtClean="0"/>
-          </a:p>
-          <a:p>
-            <a:r>
-              <a:rPr lang="zh-CN" altLang="en-US" dirty="0" smtClean="0"/>
-              <a:t>相关研究</a:t>
-            </a:r>
-            <a:endParaRPr lang="en-US" altLang="zh-CN" dirty="0" smtClean="0"/>
-          </a:p>
-          <a:p>
-            <a:r>
-              <a:rPr lang="en-US" altLang="zh-CN" dirty="0" smtClean="0"/>
-              <a:t>CAPS</a:t>
-            </a:r>
-            <a:r>
-              <a:rPr lang="zh-CN" altLang="en-US" dirty="0" smtClean="0"/>
-              <a:t>解决方案</a:t>
-            </a:r>
-            <a:endParaRPr lang="en-US" altLang="zh-CN" dirty="0" smtClean="0"/>
-          </a:p>
-          <a:p>
             <a:pPr lvl="1"/>
-            <a:r>
-              <a:rPr lang="zh-CN" altLang="en-US" dirty="0" smtClean="0"/>
-              <a:t>预测</a:t>
-            </a:r>
-            <a:endParaRPr lang="en-US" altLang="zh-CN" dirty="0" smtClean="0"/>
-          </a:p>
-          <a:p>
-            <a:pPr lvl="1"/>
-            <a:r>
-              <a:rPr lang="zh-CN" altLang="en-US" dirty="0" smtClean="0"/>
-              <a:t>策略</a:t>
-            </a:r>
-            <a:endParaRPr lang="en-US" altLang="zh-CN" dirty="0" smtClean="0"/>
-          </a:p>
-          <a:p>
-            <a:pPr lvl="1"/>
-            <a:r>
-              <a:rPr lang="zh-CN" altLang="en-US" dirty="0" smtClean="0">
-                <a:solidFill>
-                  <a:srgbClr val="FF0000"/>
-                </a:solidFill>
-              </a:rPr>
-              <a:t>执行</a:t>
-            </a:r>
-            <a:endParaRPr lang="en-US" altLang="zh-CN" dirty="0" smtClean="0">
-              <a:solidFill>
-                <a:srgbClr val="FF0000"/>
-              </a:solidFill>
-            </a:endParaRPr>
-          </a:p>
-          <a:p>
-            <a:r>
-              <a:rPr lang="zh-CN" altLang="en-US" dirty="0" smtClean="0"/>
-              <a:t>实验评估</a:t>
-            </a:r>
-            <a:endParaRPr lang="en-US" altLang="zh-CN" dirty="0" smtClean="0"/>
-          </a:p>
-          <a:p>
-            <a:r>
-              <a:rPr lang="zh-CN" altLang="en-US" dirty="0" smtClean="0"/>
-              <a:t>总结与展望</a:t>
-            </a:r>
-            <a:endParaRPr lang="zh-CN" altLang="en-US" dirty="0"/>
+            <a:endParaRPr lang="en-US" altLang="zh-CN" sz="2000" dirty="0"/>
+          </a:p>
+          <a:p>
+            <a:endParaRPr lang="en-US" altLang="zh-CN" sz="2400" dirty="0"/>
           </a:p>
         </p:txBody>
       </p:sp>
@@ -11090,7 +11113,7 @@
             <a:fld id="{05BB47F6-42F0-4CD8-AE47-7A1FD23F1227}" type="datetime1">
               <a:rPr lang="zh-CN" altLang="en-US" smtClean="0"/>
               <a:pPr/>
-              <a:t>2017/6/3</a:t>
+              <a:t>2017/6/5</a:t>
             </a:fld>
             <a:endParaRPr lang="zh-CN" altLang="en-US" sz="1800">
               <a:latin typeface="Arial" panose="020B0604020202020204" pitchFamily="34" charset="0"/>
@@ -11125,10 +11148,34 @@
           </a:p>
         </p:txBody>
       </p:sp>
+      <p:pic>
+        <p:nvPicPr>
+          <p:cNvPr id="8" name="图片 7"/>
+          <p:cNvPicPr>
+            <a:picLocks noChangeAspect="1"/>
+          </p:cNvPicPr>
+          <p:nvPr/>
+        </p:nvPicPr>
+        <p:blipFill>
+          <a:blip r:embed="rId2"/>
+          <a:stretch>
+            <a:fillRect/>
+          </a:stretch>
+        </p:blipFill>
+        <p:spPr>
+          <a:xfrm>
+            <a:off x="1623841" y="1438548"/>
+            <a:ext cx="6428040" cy="4626123"/>
+          </a:xfrm>
+          <a:prstGeom prst="rect">
+            <a:avLst/>
+          </a:prstGeom>
+        </p:spPr>
+      </p:pic>
     </p:spTree>
     <p:extLst>
       <p:ext uri="{BB962C8B-B14F-4D97-AF65-F5344CB8AC3E}">
-        <p14:creationId xmlns:p14="http://schemas.microsoft.com/office/powerpoint/2010/main" val="1289340655"/>
+        <p14:creationId xmlns:p14="http://schemas.microsoft.com/office/powerpoint/2010/main" val="1301475945"/>
       </p:ext>
     </p:extLst>
   </p:cSld>
@@ -11171,98 +11218,96 @@
           <a:lstStyle/>
           <a:p>
             <a:r>
-              <a:rPr lang="zh-CN" altLang="en-US" dirty="0" smtClean="0"/>
-              <a:t>执行模块</a:t>
+              <a:rPr lang="zh-CN" altLang="en-US" dirty="0"/>
+              <a:t>大纲</a:t>
+            </a:r>
+          </a:p>
+        </p:txBody>
+      </p:sp>
+      <p:sp>
+        <p:nvSpPr>
+          <p:cNvPr id="3" name="内容占位符 2"/>
+          <p:cNvSpPr>
+            <a:spLocks noGrp="1"/>
+          </p:cNvSpPr>
+          <p:nvPr>
+            <p:ph idx="1"/>
+          </p:nvPr>
+        </p:nvSpPr>
+        <p:spPr/>
+        <p:txBody>
+          <a:bodyPr/>
+          <a:lstStyle/>
+          <a:p>
+            <a:r>
+              <a:rPr lang="zh-CN" altLang="en-US" dirty="0" smtClean="0"/>
+              <a:t>研究问题</a:t>
+            </a:r>
+            <a:endParaRPr lang="en-US" altLang="zh-CN" dirty="0" smtClean="0"/>
+          </a:p>
+          <a:p>
+            <a:r>
+              <a:rPr lang="zh-CN" altLang="en-US" dirty="0" smtClean="0"/>
+              <a:t>相关研究</a:t>
+            </a:r>
+            <a:endParaRPr lang="en-US" altLang="zh-CN" dirty="0" smtClean="0"/>
+          </a:p>
+          <a:p>
+            <a:r>
+              <a:rPr lang="en-US" altLang="zh-CN" dirty="0" smtClean="0"/>
+              <a:t>CAPS</a:t>
+            </a:r>
+            <a:r>
+              <a:rPr lang="zh-CN" altLang="en-US" dirty="0" smtClean="0"/>
+              <a:t>解决方案</a:t>
+            </a:r>
+            <a:endParaRPr lang="en-US" altLang="zh-CN" dirty="0" smtClean="0"/>
+          </a:p>
+          <a:p>
+            <a:pPr lvl="1"/>
+            <a:r>
+              <a:rPr lang="zh-CN" altLang="en-US" dirty="0" smtClean="0"/>
+              <a:t>预测</a:t>
+            </a:r>
+            <a:endParaRPr lang="en-US" altLang="zh-CN" dirty="0" smtClean="0"/>
+          </a:p>
+          <a:p>
+            <a:pPr lvl="1"/>
+            <a:r>
+              <a:rPr lang="zh-CN" altLang="en-US" dirty="0"/>
+              <a:t>决策</a:t>
+            </a:r>
+            <a:endParaRPr lang="en-US" altLang="zh-CN" dirty="0" smtClean="0"/>
+          </a:p>
+          <a:p>
+            <a:pPr lvl="1"/>
+            <a:r>
+              <a:rPr lang="zh-CN" altLang="en-US" dirty="0" smtClean="0">
+                <a:solidFill>
+                  <a:srgbClr val="FF0000"/>
+                </a:solidFill>
+              </a:rPr>
+              <a:t>执行</a:t>
+            </a:r>
+            <a:endParaRPr lang="en-US" altLang="zh-CN" dirty="0" smtClean="0">
+              <a:solidFill>
+                <a:srgbClr val="FF0000"/>
+              </a:solidFill>
+            </a:endParaRPr>
+          </a:p>
+          <a:p>
+            <a:r>
+              <a:rPr lang="zh-CN" altLang="en-US" dirty="0" smtClean="0"/>
+              <a:t>实验评估</a:t>
+            </a:r>
+            <a:endParaRPr lang="en-US" altLang="zh-CN" dirty="0" smtClean="0"/>
+          </a:p>
+          <a:p>
+            <a:r>
+              <a:rPr lang="zh-CN" altLang="en-US" dirty="0" smtClean="0"/>
+              <a:t>总结与展望</a:t>
             </a:r>
             <a:endParaRPr lang="zh-CN" altLang="en-US" dirty="0"/>
-          </a:p>
-        </p:txBody>
-      </p:sp>
-      <p:sp>
-        <p:nvSpPr>
-          <p:cNvPr id="3" name="内容占位符 2"/>
-          <p:cNvSpPr>
-            <a:spLocks noGrp="1"/>
-          </p:cNvSpPr>
-          <p:nvPr>
-            <p:ph idx="1"/>
-          </p:nvPr>
-        </p:nvSpPr>
-        <p:spPr/>
-        <p:txBody>
-          <a:bodyPr/>
-          <a:lstStyle/>
-          <a:p>
-            <a:r>
-              <a:rPr lang="zh-CN" altLang="en-US" sz="2400" dirty="0" smtClean="0"/>
-              <a:t>利用英特尔开源工具</a:t>
-            </a:r>
-            <a:r>
-              <a:rPr lang="en-US" altLang="zh-CN" sz="2400" dirty="0" err="1" smtClean="0"/>
-              <a:t>Pqos</a:t>
-            </a:r>
-            <a:r>
-              <a:rPr lang="zh-CN" altLang="en-US" sz="2400" dirty="0" smtClean="0"/>
-              <a:t>来实施</a:t>
-            </a:r>
-            <a:r>
-              <a:rPr lang="en-US" altLang="zh-CN" sz="2400" dirty="0" smtClean="0"/>
-              <a:t>CAT</a:t>
-            </a:r>
-            <a:r>
-              <a:rPr lang="zh-CN" altLang="en-US" sz="2400" dirty="0" smtClean="0"/>
-              <a:t>分配方案</a:t>
-            </a:r>
-            <a:endParaRPr lang="en-US" altLang="zh-CN" sz="2400" dirty="0" smtClean="0"/>
-          </a:p>
-          <a:p>
-            <a:r>
-              <a:rPr lang="zh-CN" altLang="en-US" sz="2400" dirty="0" smtClean="0"/>
-              <a:t>目前</a:t>
-            </a:r>
-            <a:r>
-              <a:rPr lang="en-US" altLang="zh-CN" sz="2400" dirty="0" smtClean="0"/>
-              <a:t>CAT</a:t>
-            </a:r>
-            <a:r>
-              <a:rPr lang="zh-CN" altLang="en-US" sz="2400" dirty="0" smtClean="0"/>
-              <a:t>技术只做到核这个级别，线程级的</a:t>
-            </a:r>
-            <a:r>
-              <a:rPr lang="en-US" altLang="zh-CN" sz="2400" dirty="0" smtClean="0"/>
-              <a:t>CAT</a:t>
-            </a:r>
-            <a:r>
-              <a:rPr lang="zh-CN" altLang="en-US" sz="2400" dirty="0" smtClean="0"/>
-              <a:t>需要操作系统支持，并且还在开发中</a:t>
-            </a:r>
-            <a:endParaRPr lang="en-US" altLang="zh-CN" sz="2400" dirty="0" smtClean="0"/>
-          </a:p>
-          <a:p>
-            <a:r>
-              <a:rPr lang="zh-CN" altLang="en-US" sz="2400" dirty="0" smtClean="0"/>
-              <a:t>我们的实验是通过</a:t>
-            </a:r>
-            <a:r>
-              <a:rPr lang="en-US" altLang="zh-CN" sz="2400" dirty="0" smtClean="0"/>
-              <a:t>Docker</a:t>
-            </a:r>
-            <a:r>
-              <a:rPr lang="zh-CN" altLang="en-US" sz="2400" dirty="0" smtClean="0"/>
-              <a:t>将程序绑定到核，再在核上施加一个</a:t>
-            </a:r>
-            <a:r>
-              <a:rPr lang="en-US" altLang="zh-CN" sz="2400" dirty="0" smtClean="0"/>
-              <a:t>CAT</a:t>
-            </a:r>
-            <a:r>
-              <a:rPr lang="zh-CN" altLang="en-US" sz="2400" dirty="0" smtClean="0"/>
-              <a:t>分配方案</a:t>
-            </a:r>
-            <a:endParaRPr lang="en-US" altLang="zh-CN" sz="2000" dirty="0"/>
-          </a:p>
-          <a:p>
-            <a:endParaRPr lang="en-US" altLang="zh-CN" sz="2400" dirty="0"/>
           </a:p>
         </p:txBody>
       </p:sp>
@@ -11284,7 +11329,7 @@
             <a:fld id="{05BB47F6-42F0-4CD8-AE47-7A1FD23F1227}" type="datetime1">
               <a:rPr lang="zh-CN" altLang="en-US" smtClean="0"/>
               <a:pPr/>
-              <a:t>2017/6/3</a:t>
+              <a:t>2017/6/5</a:t>
             </a:fld>
             <a:endParaRPr lang="zh-CN" altLang="en-US" sz="1800">
               <a:latin typeface="Arial" panose="020B0604020202020204" pitchFamily="34" charset="0"/>
@@ -11322,7 +11367,7 @@
     </p:spTree>
     <p:extLst>
       <p:ext uri="{BB962C8B-B14F-4D97-AF65-F5344CB8AC3E}">
-        <p14:creationId xmlns:p14="http://schemas.microsoft.com/office/powerpoint/2010/main" val="2897756852"/>
+        <p14:creationId xmlns:p14="http://schemas.microsoft.com/office/powerpoint/2010/main" val="1289340655"/>
       </p:ext>
     </p:extLst>
   </p:cSld>
@@ -11365,8 +11410,8 @@
           <a:lstStyle/>
           <a:p>
             <a:r>
-              <a:rPr lang="zh-CN" altLang="en-US" dirty="0"/>
-              <a:t>大纲</a:t>
+              <a:rPr lang="zh-CN" altLang="en-US" dirty="0" smtClean="0"/>
+              <a:t>执行模块</a:t>
             </a:r>
             <a:endParaRPr lang="zh-CN" altLang="en-US" dirty="0"/>
           </a:p>
@@ -11388,74 +11433,75 @@
           <a:lstStyle/>
           <a:p>
             <a:r>
-              <a:rPr lang="zh-CN" altLang="en-US" dirty="0" smtClean="0"/>
-              <a:t>研究问题</a:t>
-            </a:r>
-            <a:endParaRPr lang="en-US" altLang="zh-CN" dirty="0" smtClean="0"/>
-          </a:p>
-          <a:p>
-            <a:r>
-              <a:rPr lang="zh-CN" altLang="en-US" dirty="0" smtClean="0"/>
-              <a:t>相关研究</a:t>
-            </a:r>
-            <a:endParaRPr lang="en-US" altLang="zh-CN" dirty="0" smtClean="0"/>
-          </a:p>
-          <a:p>
-            <a:r>
-              <a:rPr lang="en-US" altLang="zh-CN" dirty="0" smtClean="0"/>
-              <a:t>CAPS</a:t>
-            </a:r>
-            <a:r>
-              <a:rPr lang="zh-CN" altLang="en-US" dirty="0" smtClean="0"/>
-              <a:t>解决方案</a:t>
-            </a:r>
-            <a:endParaRPr lang="en-US" altLang="zh-CN" dirty="0" smtClean="0"/>
-          </a:p>
-          <a:p>
-            <a:pPr lvl="1"/>
-            <a:r>
-              <a:rPr lang="zh-CN" altLang="en-US" dirty="0" smtClean="0"/>
-              <a:t>预测</a:t>
-            </a:r>
-            <a:endParaRPr lang="en-US" altLang="zh-CN" dirty="0" smtClean="0"/>
-          </a:p>
-          <a:p>
-            <a:pPr lvl="1"/>
-            <a:r>
-              <a:rPr lang="zh-CN" altLang="en-US" dirty="0" smtClean="0"/>
-              <a:t>策略</a:t>
-            </a:r>
-            <a:endParaRPr lang="en-US" altLang="zh-CN" dirty="0" smtClean="0"/>
-          </a:p>
-          <a:p>
-            <a:pPr lvl="1"/>
-            <a:r>
-              <a:rPr lang="zh-CN" altLang="en-US" dirty="0" smtClean="0"/>
-              <a:t>执行</a:t>
-            </a:r>
-            <a:endParaRPr lang="en-US" altLang="zh-CN" dirty="0" smtClean="0"/>
-          </a:p>
-          <a:p>
-            <a:r>
-              <a:rPr lang="zh-CN" altLang="en-US" dirty="0" smtClean="0">
-                <a:solidFill>
-                  <a:srgbClr val="FF0000"/>
-                </a:solidFill>
-              </a:rPr>
-              <a:t>实验评估</a:t>
-            </a:r>
-            <a:endParaRPr lang="en-US" altLang="zh-CN" dirty="0" smtClean="0">
-              <a:solidFill>
-                <a:srgbClr val="FF0000"/>
-              </a:solidFill>
-            </a:endParaRPr>
-          </a:p>
-          <a:p>
-            <a:r>
-              <a:rPr lang="zh-CN" altLang="en-US" dirty="0" smtClean="0"/>
-              <a:t>总结与展望</a:t>
-            </a:r>
-            <a:endParaRPr lang="zh-CN" altLang="en-US" dirty="0"/>
+              <a:rPr lang="zh-CN" altLang="en-US" sz="2400" dirty="0" smtClean="0"/>
+              <a:t>利用英特尔开源工具</a:t>
+            </a:r>
+            <a:r>
+              <a:rPr lang="en-US" altLang="zh-CN" sz="2400" dirty="0" err="1" smtClean="0"/>
+              <a:t>Pqos</a:t>
+            </a:r>
+            <a:r>
+              <a:rPr lang="zh-CN" altLang="en-US" sz="2400" dirty="0" smtClean="0"/>
+              <a:t>来实施</a:t>
+            </a:r>
+            <a:r>
+              <a:rPr lang="en-US" altLang="zh-CN" sz="2400" dirty="0" smtClean="0"/>
+              <a:t>CAT</a:t>
+            </a:r>
+            <a:r>
+              <a:rPr lang="zh-CN" altLang="en-US" sz="2400" dirty="0" smtClean="0"/>
+              <a:t>分配方案</a:t>
+            </a:r>
+            <a:endParaRPr lang="en-US" altLang="zh-CN" sz="2400" dirty="0" smtClean="0"/>
+          </a:p>
+          <a:p>
+            <a:r>
+              <a:rPr lang="zh-CN" altLang="en-US" sz="2400" dirty="0" smtClean="0"/>
+              <a:t>目前</a:t>
+            </a:r>
+            <a:r>
+              <a:rPr lang="en-US" altLang="zh-CN" sz="2400" dirty="0" smtClean="0"/>
+              <a:t>CAT</a:t>
+            </a:r>
+            <a:r>
+              <a:rPr lang="zh-CN" altLang="en-US" sz="2400" dirty="0" smtClean="0"/>
+              <a:t>技术只做到核这个级别，线程级的</a:t>
+            </a:r>
+            <a:r>
+              <a:rPr lang="en-US" altLang="zh-CN" sz="2400" dirty="0" smtClean="0"/>
+              <a:t>CAT</a:t>
+            </a:r>
+            <a:r>
+              <a:rPr lang="zh-CN" altLang="en-US" sz="2400" dirty="0" smtClean="0"/>
+              <a:t>需要操作系统支持，并且还在开发中</a:t>
+            </a:r>
+            <a:endParaRPr lang="en-US" altLang="zh-CN" sz="2400" dirty="0" smtClean="0"/>
+          </a:p>
+          <a:p>
+            <a:r>
+              <a:rPr lang="zh-CN" altLang="en-US" sz="2400" dirty="0" smtClean="0"/>
+              <a:t>我们的实验是通过</a:t>
+            </a:r>
+            <a:r>
+              <a:rPr lang="en-US" altLang="zh-CN" sz="2400" dirty="0" smtClean="0"/>
+              <a:t>Docker</a:t>
+            </a:r>
+            <a:r>
+              <a:rPr lang="zh-CN" altLang="en-US" sz="2400" dirty="0" smtClean="0"/>
+              <a:t>将程序绑定到核，再在核上施加一个</a:t>
+            </a:r>
+            <a:r>
+              <a:rPr lang="en-US" altLang="zh-CN" sz="2400" dirty="0" smtClean="0"/>
+              <a:t>CAT</a:t>
+            </a:r>
+            <a:r>
+              <a:rPr lang="zh-CN" altLang="en-US" sz="2400" dirty="0" smtClean="0"/>
+              <a:t>分配方案</a:t>
+            </a:r>
+            <a:endParaRPr lang="en-US" altLang="zh-CN" sz="2000" dirty="0"/>
+          </a:p>
+          <a:p>
+            <a:endParaRPr lang="en-US" altLang="zh-CN" sz="2400" dirty="0"/>
           </a:p>
         </p:txBody>
       </p:sp>
@@ -11477,7 +11523,7 @@
             <a:fld id="{05BB47F6-42F0-4CD8-AE47-7A1FD23F1227}" type="datetime1">
               <a:rPr lang="zh-CN" altLang="en-US" smtClean="0"/>
               <a:pPr/>
-              <a:t>2017/6/3</a:t>
+              <a:t>2017/6/5</a:t>
             </a:fld>
             <a:endParaRPr lang="zh-CN" altLang="en-US" sz="1800">
               <a:latin typeface="Arial" panose="020B0604020202020204" pitchFamily="34" charset="0"/>
@@ -11515,7 +11561,7 @@
     </p:spTree>
     <p:extLst>
       <p:ext uri="{BB962C8B-B14F-4D97-AF65-F5344CB8AC3E}">
-        <p14:creationId xmlns:p14="http://schemas.microsoft.com/office/powerpoint/2010/main" val="1410758029"/>
+        <p14:creationId xmlns:p14="http://schemas.microsoft.com/office/powerpoint/2010/main" val="2897756852"/>
       </p:ext>
     </p:extLst>
   </p:cSld>
@@ -11558,10 +11604,9 @@
           <a:lstStyle/>
           <a:p>
             <a:r>
-              <a:rPr lang="zh-CN" altLang="en-US" dirty="0" smtClean="0"/>
-              <a:t>实验环境</a:t>
-            </a:r>
-            <a:endParaRPr lang="zh-CN" altLang="en-US" dirty="0"/>
+              <a:rPr lang="zh-CN" altLang="en-US" dirty="0"/>
+              <a:t>大纲</a:t>
+            </a:r>
           </a:p>
         </p:txBody>
       </p:sp>
@@ -11581,96 +11626,74 @@
           <a:lstStyle/>
           <a:p>
             <a:r>
-              <a:rPr lang="en-US" altLang="zh-CN" dirty="0" smtClean="0"/>
-              <a:t>Xeon E5-2699 V4</a:t>
-            </a:r>
-            <a:r>
-              <a:rPr lang="zh-CN" altLang="en-US" dirty="0" smtClean="0"/>
-              <a:t>（</a:t>
-            </a:r>
-            <a:r>
-              <a:rPr lang="en-US" altLang="zh-CN" dirty="0" smtClean="0"/>
-              <a:t>20</a:t>
-            </a:r>
-            <a:r>
-              <a:rPr lang="zh-CN" altLang="en-US" dirty="0" smtClean="0"/>
-              <a:t>路，</a:t>
-            </a:r>
-            <a:r>
-              <a:rPr lang="en-US" altLang="zh-CN" dirty="0" smtClean="0"/>
-              <a:t>55MB </a:t>
-            </a:r>
-            <a:r>
-              <a:rPr lang="en-US" altLang="zh-CN" dirty="0" smtClean="0"/>
-              <a:t>LLC</a:t>
-            </a:r>
-            <a:r>
-              <a:rPr lang="zh-CN" altLang="en-US" dirty="0" smtClean="0"/>
-              <a:t>）</a:t>
+              <a:rPr lang="zh-CN" altLang="en-US" dirty="0" smtClean="0"/>
+              <a:t>研究问题</a:t>
             </a:r>
             <a:endParaRPr lang="en-US" altLang="zh-CN" dirty="0" smtClean="0"/>
           </a:p>
           <a:p>
             <a:r>
-              <a:rPr lang="en-US" altLang="zh-CN" dirty="0" smtClean="0"/>
-              <a:t>4</a:t>
-            </a:r>
-            <a:r>
-              <a:rPr lang="zh-CN" altLang="en-US" dirty="0" smtClean="0"/>
-              <a:t>到</a:t>
-            </a:r>
-            <a:r>
-              <a:rPr lang="en-US" altLang="zh-CN" dirty="0" smtClean="0"/>
-              <a:t>15</a:t>
-            </a:r>
-            <a:r>
-              <a:rPr lang="zh-CN" altLang="en-US" dirty="0" smtClean="0"/>
-              <a:t>个</a:t>
-            </a:r>
-            <a:r>
-              <a:rPr lang="en-US" altLang="zh-CN" dirty="0" smtClean="0"/>
-              <a:t>SPEC</a:t>
-            </a:r>
-            <a:r>
-              <a:rPr lang="zh-CN" altLang="en-US" dirty="0" smtClean="0"/>
-              <a:t>测试程序组成一个工作负载</a:t>
+              <a:rPr lang="zh-CN" altLang="en-US" dirty="0" smtClean="0"/>
+              <a:t>相关研究</a:t>
             </a:r>
             <a:endParaRPr lang="en-US" altLang="zh-CN" dirty="0" smtClean="0"/>
           </a:p>
           <a:p>
-            <a:r>
-              <a:rPr lang="zh-CN" altLang="en-US" dirty="0" smtClean="0"/>
-              <a:t>实际运行采集数据，对比以下三种方案</a:t>
-            </a:r>
-            <a:endParaRPr lang="en-US" altLang="zh-CN" dirty="0" smtClean="0"/>
-          </a:p>
-          <a:p>
-            <a:pPr lvl="1"/>
             <a:r>
               <a:rPr lang="en-US" altLang="zh-CN" dirty="0" smtClean="0"/>
               <a:t>CAPS</a:t>
             </a:r>
             <a:r>
               <a:rPr lang="zh-CN" altLang="en-US" dirty="0" smtClean="0"/>
-              <a:t>部分重叠方案</a:t>
-            </a:r>
-            <a:endParaRPr lang="en-US" altLang="zh-CN" dirty="0"/>
+              <a:t>解决方案</a:t>
+            </a:r>
+            <a:endParaRPr lang="en-US" altLang="zh-CN" dirty="0" smtClean="0"/>
           </a:p>
           <a:p>
             <a:pPr lvl="1"/>
             <a:r>
               <a:rPr lang="zh-CN" altLang="en-US" dirty="0" smtClean="0"/>
-              <a:t>无重叠分配方案</a:t>
+              <a:t>预测</a:t>
             </a:r>
             <a:endParaRPr lang="en-US" altLang="zh-CN" dirty="0" smtClean="0"/>
           </a:p>
           <a:p>
             <a:pPr lvl="1"/>
             <a:r>
-              <a:rPr lang="zh-CN" altLang="en-US" dirty="0" smtClean="0"/>
-              <a:t>自由竞争方案</a:t>
+              <a:rPr lang="zh-CN" altLang="en-US" dirty="0"/>
+              <a:t>决策</a:t>
             </a:r>
             <a:endParaRPr lang="en-US" altLang="zh-CN" dirty="0" smtClean="0"/>
+          </a:p>
+          <a:p>
+            <a:pPr lvl="1"/>
+            <a:r>
+              <a:rPr lang="zh-CN" altLang="en-US" dirty="0" smtClean="0"/>
+              <a:t>执行</a:t>
+            </a:r>
+            <a:endParaRPr lang="en-US" altLang="zh-CN" dirty="0" smtClean="0"/>
+          </a:p>
+          <a:p>
+            <a:r>
+              <a:rPr lang="zh-CN" altLang="en-US" dirty="0" smtClean="0">
+                <a:solidFill>
+                  <a:srgbClr val="FF0000"/>
+                </a:solidFill>
+              </a:rPr>
+              <a:t>实验评估</a:t>
+            </a:r>
+            <a:endParaRPr lang="en-US" altLang="zh-CN" dirty="0" smtClean="0">
+              <a:solidFill>
+                <a:srgbClr val="FF0000"/>
+              </a:solidFill>
+            </a:endParaRPr>
+          </a:p>
+          <a:p>
+            <a:r>
+              <a:rPr lang="zh-CN" altLang="en-US" dirty="0" smtClean="0"/>
+              <a:t>总结与展望</a:t>
+            </a:r>
+            <a:endParaRPr lang="zh-CN" altLang="en-US" dirty="0"/>
           </a:p>
         </p:txBody>
       </p:sp>
@@ -11692,7 +11715,7 @@
             <a:fld id="{05BB47F6-42F0-4CD8-AE47-7A1FD23F1227}" type="datetime1">
               <a:rPr lang="zh-CN" altLang="en-US" smtClean="0"/>
               <a:pPr/>
-              <a:t>2017/6/3</a:t>
+              <a:t>2017/6/5</a:t>
             </a:fld>
             <a:endParaRPr lang="zh-CN" altLang="en-US" sz="1800">
               <a:latin typeface="Arial" panose="020B0604020202020204" pitchFamily="34" charset="0"/>
@@ -11730,7 +11753,7 @@
     </p:spTree>
     <p:extLst>
       <p:ext uri="{BB962C8B-B14F-4D97-AF65-F5344CB8AC3E}">
-        <p14:creationId xmlns:p14="http://schemas.microsoft.com/office/powerpoint/2010/main" val="3456149015"/>
+        <p14:creationId xmlns:p14="http://schemas.microsoft.com/office/powerpoint/2010/main" val="1410758029"/>
       </p:ext>
     </p:extLst>
   </p:cSld>
@@ -11774,6 +11797,217 @@
           <a:p>
             <a:r>
               <a:rPr lang="zh-CN" altLang="en-US" dirty="0" smtClean="0"/>
+              <a:t>实验环境</a:t>
+            </a:r>
+            <a:endParaRPr lang="zh-CN" altLang="en-US" dirty="0"/>
+          </a:p>
+        </p:txBody>
+      </p:sp>
+      <p:sp>
+        <p:nvSpPr>
+          <p:cNvPr id="3" name="内容占位符 2"/>
+          <p:cNvSpPr>
+            <a:spLocks noGrp="1"/>
+          </p:cNvSpPr>
+          <p:nvPr>
+            <p:ph idx="1"/>
+          </p:nvPr>
+        </p:nvSpPr>
+        <p:spPr/>
+        <p:txBody>
+          <a:bodyPr/>
+          <a:lstStyle/>
+          <a:p>
+            <a:r>
+              <a:rPr lang="en-US" altLang="zh-CN" dirty="0" smtClean="0"/>
+              <a:t>Xeon E5-2699 V4</a:t>
+            </a:r>
+            <a:r>
+              <a:rPr lang="zh-CN" altLang="en-US" dirty="0" smtClean="0"/>
+              <a:t>（</a:t>
+            </a:r>
+            <a:r>
+              <a:rPr lang="en-US" altLang="zh-CN" dirty="0" smtClean="0"/>
+              <a:t>20</a:t>
+            </a:r>
+            <a:r>
+              <a:rPr lang="zh-CN" altLang="en-US" dirty="0" smtClean="0"/>
+              <a:t>路，</a:t>
+            </a:r>
+            <a:r>
+              <a:rPr lang="en-US" altLang="zh-CN" dirty="0" smtClean="0"/>
+              <a:t>55MB LLC</a:t>
+            </a:r>
+            <a:r>
+              <a:rPr lang="zh-CN" altLang="en-US" dirty="0" smtClean="0"/>
+              <a:t>）</a:t>
+            </a:r>
+            <a:endParaRPr lang="en-US" altLang="zh-CN" dirty="0" smtClean="0"/>
+          </a:p>
+          <a:p>
+            <a:r>
+              <a:rPr lang="en-US" altLang="zh-CN" dirty="0" smtClean="0"/>
+              <a:t>4</a:t>
+            </a:r>
+            <a:r>
+              <a:rPr lang="zh-CN" altLang="en-US" dirty="0" smtClean="0"/>
+              <a:t>到</a:t>
+            </a:r>
+            <a:r>
+              <a:rPr lang="en-US" altLang="zh-CN" dirty="0" smtClean="0"/>
+              <a:t>15</a:t>
+            </a:r>
+            <a:r>
+              <a:rPr lang="zh-CN" altLang="en-US" dirty="0" smtClean="0"/>
+              <a:t>个</a:t>
+            </a:r>
+            <a:r>
+              <a:rPr lang="en-US" altLang="zh-CN" dirty="0" smtClean="0"/>
+              <a:t>SPEC</a:t>
+            </a:r>
+            <a:r>
+              <a:rPr lang="zh-CN" altLang="en-US" dirty="0" smtClean="0"/>
+              <a:t>测试程序组成一个工作负载</a:t>
+            </a:r>
+            <a:endParaRPr lang="en-US" altLang="zh-CN" dirty="0" smtClean="0"/>
+          </a:p>
+          <a:p>
+            <a:r>
+              <a:rPr lang="zh-CN" altLang="en-US" dirty="0" smtClean="0"/>
+              <a:t>实际运行采集数据，对比以下三种方案</a:t>
+            </a:r>
+            <a:endParaRPr lang="en-US" altLang="zh-CN" dirty="0" smtClean="0"/>
+          </a:p>
+          <a:p>
+            <a:pPr lvl="1"/>
+            <a:r>
+              <a:rPr lang="en-US" altLang="zh-CN" dirty="0" smtClean="0"/>
+              <a:t>CAPS</a:t>
+            </a:r>
+            <a:r>
+              <a:rPr lang="zh-CN" altLang="en-US" dirty="0" smtClean="0"/>
+              <a:t>部分重叠方案</a:t>
+            </a:r>
+            <a:endParaRPr lang="en-US" altLang="zh-CN" dirty="0"/>
+          </a:p>
+          <a:p>
+            <a:pPr lvl="1"/>
+            <a:r>
+              <a:rPr lang="zh-CN" altLang="en-US" dirty="0" smtClean="0"/>
+              <a:t>无重叠分配方案</a:t>
+            </a:r>
+            <a:endParaRPr lang="en-US" altLang="zh-CN" dirty="0" smtClean="0"/>
+          </a:p>
+          <a:p>
+            <a:pPr lvl="1"/>
+            <a:r>
+              <a:rPr lang="zh-CN" altLang="en-US" dirty="0" smtClean="0"/>
+              <a:t>自由竞争方案</a:t>
+            </a:r>
+            <a:endParaRPr lang="en-US" altLang="zh-CN" dirty="0" smtClean="0"/>
+          </a:p>
+        </p:txBody>
+      </p:sp>
+      <p:sp>
+        <p:nvSpPr>
+          <p:cNvPr id="4" name="日期占位符 3"/>
+          <p:cNvSpPr>
+            <a:spLocks noGrp="1"/>
+          </p:cNvSpPr>
+          <p:nvPr>
+            <p:ph type="dt" sz="half" idx="10"/>
+          </p:nvPr>
+        </p:nvSpPr>
+        <p:spPr/>
+        <p:txBody>
+          <a:bodyPr/>
+          <a:lstStyle/>
+          <a:p>
+            <a:fld id="{05BB47F6-42F0-4CD8-AE47-7A1FD23F1227}" type="datetime1">
+              <a:rPr lang="zh-CN" altLang="en-US" smtClean="0"/>
+              <a:pPr/>
+              <a:t>2017/6/5</a:t>
+            </a:fld>
+            <a:endParaRPr lang="zh-CN" altLang="en-US" sz="1800">
+              <a:latin typeface="Arial" panose="020B0604020202020204" pitchFamily="34" charset="0"/>
+              <a:ea typeface="宋体" panose="02010600030101010101" pitchFamily="2" charset="-122"/>
+            </a:endParaRPr>
+          </a:p>
+        </p:txBody>
+      </p:sp>
+      <p:sp>
+        <p:nvSpPr>
+          <p:cNvPr id="5" name="页脚占位符 4"/>
+          <p:cNvSpPr>
+            <a:spLocks noGrp="1"/>
+          </p:cNvSpPr>
+          <p:nvPr>
+            <p:ph type="ftr" sz="quarter" idx="11"/>
+          </p:nvPr>
+        </p:nvSpPr>
+        <p:spPr/>
+        <p:txBody>
+          <a:bodyPr/>
+          <a:lstStyle/>
+          <a:p>
+            <a:r>
+              <a:rPr lang="zh-CN" altLang="zh-CN" smtClean="0"/>
+              <a:t>http://ncis.pku.edu.cn</a:t>
+            </a:r>
+            <a:endParaRPr lang="zh-CN" altLang="zh-CN" sz="1600">
+              <a:latin typeface="Arial" panose="020B0604020202020204" pitchFamily="34" charset="0"/>
+              <a:ea typeface="宋体" panose="02010600030101010101" pitchFamily="2" charset="-122"/>
+            </a:endParaRPr>
+          </a:p>
+        </p:txBody>
+      </p:sp>
+    </p:spTree>
+    <p:extLst>
+      <p:ext uri="{BB962C8B-B14F-4D97-AF65-F5344CB8AC3E}">
+        <p14:creationId xmlns:p14="http://schemas.microsoft.com/office/powerpoint/2010/main" val="3456149015"/>
+      </p:ext>
+    </p:extLst>
+  </p:cSld>
+  <p:clrMapOvr>
+    <a:masterClrMapping/>
+  </p:clrMapOvr>
+</p:sld>
+</file>
+
+<file path=ppt/slides/slide26.xml><?xml version="1.0" encoding="utf-8"?>
+<p:sld xmlns:a="http://schemas.openxmlformats.org/drawingml/2006/main" xmlns:r="http://schemas.openxmlformats.org/officeDocument/2006/relationships" xmlns:p="http://schemas.openxmlformats.org/presentationml/2006/main">
+  <p:cSld>
+    <p:spTree>
+      <p:nvGrpSpPr>
+        <p:cNvPr id="1" name=""/>
+        <p:cNvGrpSpPr/>
+        <p:nvPr/>
+      </p:nvGrpSpPr>
+      <p:grpSpPr>
+        <a:xfrm>
+          <a:off x="0" y="0"/>
+          <a:ext cx="0" cy="0"/>
+          <a:chOff x="0" y="0"/>
+          <a:chExt cx="0" cy="0"/>
+        </a:xfrm>
+      </p:grpSpPr>
+      <p:sp>
+        <p:nvSpPr>
+          <p:cNvPr id="2" name="标题 1"/>
+          <p:cNvSpPr>
+            <a:spLocks noGrp="1"/>
+          </p:cNvSpPr>
+          <p:nvPr>
+            <p:ph type="title"/>
+          </p:nvPr>
+        </p:nvSpPr>
+        <p:spPr/>
+        <p:txBody>
+          <a:bodyPr/>
+          <a:lstStyle/>
+          <a:p>
+            <a:r>
+              <a:rPr lang="zh-CN" altLang="en-US" dirty="0" smtClean="0"/>
               <a:t>综合评估</a:t>
             </a:r>
             <a:endParaRPr lang="zh-CN" altLang="en-US" dirty="0"/>
@@ -11824,7 +12058,7 @@
             <a:fld id="{05BB47F6-42F0-4CD8-AE47-7A1FD23F1227}" type="datetime1">
               <a:rPr lang="zh-CN" altLang="en-US" smtClean="0"/>
               <a:pPr/>
-              <a:t>2017/6/3</a:t>
+              <a:t>2017/6/5</a:t>
             </a:fld>
             <a:endParaRPr lang="zh-CN" altLang="en-US" sz="1800">
               <a:latin typeface="Arial" panose="020B0604020202020204" pitchFamily="34" charset="0"/>
@@ -12119,7 +12353,7 @@
 </p:sld>
 </file>
 
-<file path=ppt/slides/slide26.xml><?xml version="1.0" encoding="utf-8"?>
+<file path=ppt/slides/slide27.xml><?xml version="1.0" encoding="utf-8"?>
 <p:sld xmlns:a="http://schemas.openxmlformats.org/drawingml/2006/main" xmlns:r="http://schemas.openxmlformats.org/officeDocument/2006/relationships" xmlns:p="http://schemas.openxmlformats.org/presentationml/2006/main">
   <p:cSld>
     <p:spTree>
@@ -12177,7 +12411,7 @@
         </p:blipFill>
         <p:spPr>
           <a:xfrm>
-            <a:off x="1547790" y="2323586"/>
+            <a:off x="395710" y="2238868"/>
             <a:ext cx="5934492" cy="3921639"/>
           </a:xfrm>
           <a:prstGeom prst="rect">
@@ -12203,7 +12437,7 @@
             <a:fld id="{05BB47F6-42F0-4CD8-AE47-7A1FD23F1227}" type="datetime1">
               <a:rPr lang="zh-CN" altLang="en-US" smtClean="0"/>
               <a:pPr/>
-              <a:t>2017/6/3</a:t>
+              <a:t>2017/6/5</a:t>
             </a:fld>
             <a:endParaRPr lang="zh-CN" altLang="en-US" sz="1800">
               <a:latin typeface="Arial" panose="020B0604020202020204" pitchFamily="34" charset="0"/>
@@ -12493,6 +12727,30 @@
           </a:p>
         </p:txBody>
       </p:sp>
+      <p:pic>
+        <p:nvPicPr>
+          <p:cNvPr id="3" name="图片 2"/>
+          <p:cNvPicPr>
+            <a:picLocks noChangeAspect="1"/>
+          </p:cNvPicPr>
+          <p:nvPr/>
+        </p:nvPicPr>
+        <p:blipFill>
+          <a:blip r:embed="rId3"/>
+          <a:stretch>
+            <a:fillRect/>
+          </a:stretch>
+        </p:blipFill>
+        <p:spPr>
+          <a:xfrm>
+            <a:off x="6326046" y="3068975"/>
+            <a:ext cx="2817954" cy="1944135"/>
+          </a:xfrm>
+          <a:prstGeom prst="rect">
+            <a:avLst/>
+          </a:prstGeom>
+        </p:spPr>
+      </p:pic>
     </p:spTree>
     <p:extLst>
       <p:ext uri="{BB962C8B-B14F-4D97-AF65-F5344CB8AC3E}">
@@ -12506,7 +12764,7 @@
 </p:sld>
 </file>
 
-<file path=ppt/slides/slide27.xml><?xml version="1.0" encoding="utf-8"?>
+<file path=ppt/slides/slide28.xml><?xml version="1.0" encoding="utf-8"?>
 <p:sld xmlns:a="http://schemas.openxmlformats.org/drawingml/2006/main" xmlns:r="http://schemas.openxmlformats.org/officeDocument/2006/relationships" xmlns:p="http://schemas.openxmlformats.org/presentationml/2006/main">
   <p:cSld>
     <p:spTree>
@@ -12590,7 +12848,7 @@
             <a:fld id="{05BB47F6-42F0-4CD8-AE47-7A1FD23F1227}" type="datetime1">
               <a:rPr lang="zh-CN" altLang="en-US" smtClean="0"/>
               <a:pPr/>
-              <a:t>2017/6/3</a:t>
+              <a:t>2017/6/5</a:t>
             </a:fld>
             <a:endParaRPr lang="zh-CN" altLang="en-US" sz="1800">
               <a:latin typeface="Arial" panose="020B0604020202020204" pitchFamily="34" charset="0"/>
@@ -13153,7 +13411,7 @@
 </p:sld>
 </file>
 
-<file path=ppt/slides/slide28.xml><?xml version="1.0" encoding="utf-8"?>
+<file path=ppt/slides/slide29.xml><?xml version="1.0" encoding="utf-8"?>
 <p:sld xmlns:a="http://schemas.openxmlformats.org/drawingml/2006/main" xmlns:r="http://schemas.openxmlformats.org/officeDocument/2006/relationships" xmlns:p="http://schemas.openxmlformats.org/presentationml/2006/main">
   <p:cSld>
     <p:spTree>
@@ -13234,7 +13492,7 @@
             <a:fld id="{05BB47F6-42F0-4CD8-AE47-7A1FD23F1227}" type="datetime1">
               <a:rPr lang="zh-CN" altLang="en-US" smtClean="0"/>
               <a:pPr/>
-              <a:t>2017/6/3</a:t>
+              <a:t>2017/6/5</a:t>
             </a:fld>
             <a:endParaRPr lang="zh-CN" altLang="en-US" sz="1800">
               <a:latin typeface="Arial" panose="020B0604020202020204" pitchFamily="34" charset="0"/>
@@ -13541,7 +13799,7 @@
 </p:sld>
 </file>
 
-<file path=ppt/slides/slide29.xml><?xml version="1.0" encoding="utf-8"?>
+<file path=ppt/slides/slide3.xml><?xml version="1.0" encoding="utf-8"?>
 <p:sld xmlns:a="http://schemas.openxmlformats.org/drawingml/2006/main" xmlns:r="http://schemas.openxmlformats.org/officeDocument/2006/relationships" xmlns:p="http://schemas.openxmlformats.org/presentationml/2006/main">
   <p:cSld>
     <p:spTree>
@@ -13575,7 +13833,7 @@
           <a:p>
             <a:r>
               <a:rPr lang="zh-CN" altLang="en-US" dirty="0" smtClean="0"/>
-              <a:t>个案分析</a:t>
+              <a:t>研究问题</a:t>
             </a:r>
             <a:endParaRPr lang="zh-CN" altLang="en-US" dirty="0"/>
           </a:p>
@@ -13598,8 +13856,38 @@
           <a:p>
             <a:r>
               <a:rPr lang="zh-CN" altLang="en-US" dirty="0" smtClean="0"/>
-              <a:t>两种方案的不同点</a:t>
-            </a:r>
+              <a:t>随着越来越多的核被加入单个</a:t>
+            </a:r>
+            <a:r>
+              <a:rPr lang="zh-CN" altLang="en-US" dirty="0" smtClean="0"/>
+              <a:t>处理器</a:t>
+            </a:r>
+            <a:r>
+              <a:rPr lang="zh-CN" altLang="en-US" dirty="0" smtClean="0"/>
+              <a:t>中</a:t>
+            </a:r>
+            <a:r>
+              <a:rPr lang="zh-CN" altLang="en-US" dirty="0" smtClean="0"/>
+              <a:t>，存储的瓶颈问题日益突出，共享缓存的竞争</a:t>
+            </a:r>
+            <a:r>
+              <a:rPr lang="zh-CN" altLang="en-US" dirty="0" smtClean="0"/>
+              <a:t>会</a:t>
+            </a:r>
+            <a:r>
+              <a:rPr lang="zh-CN" altLang="en-US" dirty="0" smtClean="0"/>
+              <a:t>引起严重的性能</a:t>
+            </a:r>
+            <a:r>
+              <a:rPr lang="zh-CN" altLang="en-US" dirty="0" smtClean="0"/>
+              <a:t>下降</a:t>
+            </a:r>
+            <a:endParaRPr lang="en-US" altLang="zh-CN" dirty="0" smtClean="0"/>
+          </a:p>
+          <a:p>
+            <a:pPr marL="0" indent="0">
+              <a:buNone/>
+            </a:pPr>
             <a:endParaRPr lang="zh-CN" altLang="en-US" dirty="0"/>
           </a:p>
         </p:txBody>
@@ -13622,7 +13910,254 @@
             <a:fld id="{05BB47F6-42F0-4CD8-AE47-7A1FD23F1227}" type="datetime1">
               <a:rPr lang="zh-CN" altLang="en-US" smtClean="0"/>
               <a:pPr/>
-              <a:t>2017/6/3</a:t>
+              <a:t>2017/6/5</a:t>
+            </a:fld>
+            <a:endParaRPr lang="zh-CN" altLang="en-US" sz="1800">
+              <a:latin typeface="Arial" panose="020B0604020202020204" pitchFamily="34" charset="0"/>
+              <a:ea typeface="宋体" panose="02010600030101010101" pitchFamily="2" charset="-122"/>
+            </a:endParaRPr>
+          </a:p>
+        </p:txBody>
+      </p:sp>
+      <p:sp>
+        <p:nvSpPr>
+          <p:cNvPr id="5" name="页脚占位符 4"/>
+          <p:cNvSpPr>
+            <a:spLocks noGrp="1"/>
+          </p:cNvSpPr>
+          <p:nvPr>
+            <p:ph type="ftr" sz="quarter" idx="11"/>
+          </p:nvPr>
+        </p:nvSpPr>
+        <p:spPr/>
+        <p:txBody>
+          <a:bodyPr/>
+          <a:lstStyle/>
+          <a:p>
+            <a:r>
+              <a:rPr lang="zh-CN" altLang="zh-CN" smtClean="0"/>
+              <a:t>http://ncis.pku.edu.cn</a:t>
+            </a:r>
+            <a:endParaRPr lang="zh-CN" altLang="zh-CN" sz="1600">
+              <a:latin typeface="Arial" panose="020B0604020202020204" pitchFamily="34" charset="0"/>
+              <a:ea typeface="宋体" panose="02010600030101010101" pitchFamily="2" charset="-122"/>
+            </a:endParaRPr>
+          </a:p>
+        </p:txBody>
+      </p:sp>
+      <p:pic>
+        <p:nvPicPr>
+          <p:cNvPr id="7" name="图片 6"/>
+          <p:cNvPicPr>
+            <a:picLocks noChangeAspect="1"/>
+          </p:cNvPicPr>
+          <p:nvPr/>
+        </p:nvPicPr>
+        <p:blipFill>
+          <a:blip r:embed="rId2">
+            <a:extLst>
+              <a:ext uri="{28A0092B-C50C-407E-A947-70E740481C1C}">
+                <a14:useLocalDpi xmlns:a14="http://schemas.microsoft.com/office/drawing/2010/main" val="0"/>
+              </a:ext>
+            </a:extLst>
+          </a:blip>
+          <a:stretch>
+            <a:fillRect/>
+          </a:stretch>
+        </p:blipFill>
+        <p:spPr>
+          <a:xfrm>
+            <a:off x="429531" y="3061658"/>
+            <a:ext cx="3880353" cy="2021563"/>
+          </a:xfrm>
+          <a:prstGeom prst="rect">
+            <a:avLst/>
+          </a:prstGeom>
+        </p:spPr>
+      </p:pic>
+      <p:pic>
+        <p:nvPicPr>
+          <p:cNvPr id="8" name="Picture 12"/>
+          <p:cNvPicPr>
+            <a:picLocks noChangeAspect="1"/>
+          </p:cNvPicPr>
+          <p:nvPr/>
+        </p:nvPicPr>
+        <p:blipFill>
+          <a:blip r:embed="rId3"/>
+          <a:stretch>
+            <a:fillRect/>
+          </a:stretch>
+        </p:blipFill>
+        <p:spPr>
+          <a:xfrm>
+            <a:off x="4716010" y="2953650"/>
+            <a:ext cx="4218137" cy="2237578"/>
+          </a:xfrm>
+          <a:prstGeom prst="rect">
+            <a:avLst/>
+          </a:prstGeom>
+        </p:spPr>
+      </p:pic>
+      <p:sp>
+        <p:nvSpPr>
+          <p:cNvPr id="6" name="文本框 5"/>
+          <p:cNvSpPr txBox="1"/>
+          <p:nvPr/>
+        </p:nvSpPr>
+        <p:spPr>
+          <a:xfrm>
+            <a:off x="1418168" y="5299236"/>
+            <a:ext cx="2736190" cy="338554"/>
+          </a:xfrm>
+          <a:prstGeom prst="rect">
+            <a:avLst/>
+          </a:prstGeom>
+          <a:noFill/>
+        </p:spPr>
+        <p:txBody>
+          <a:bodyPr wrap="square" rtlCol="0">
+            <a:spAutoFit/>
+          </a:bodyPr>
+          <a:lstStyle/>
+          <a:p>
+            <a:r>
+              <a:rPr lang="zh-CN" altLang="en-US" dirty="0" smtClean="0"/>
+              <a:t>多级缓存典型架构</a:t>
+            </a:r>
+            <a:endParaRPr lang="zh-CN" altLang="en-US" dirty="0"/>
+          </a:p>
+        </p:txBody>
+      </p:sp>
+      <p:sp>
+        <p:nvSpPr>
+          <p:cNvPr id="9" name="文本框 8"/>
+          <p:cNvSpPr txBox="1"/>
+          <p:nvPr/>
+        </p:nvSpPr>
+        <p:spPr>
+          <a:xfrm>
+            <a:off x="5148040" y="5324188"/>
+            <a:ext cx="3600250" cy="338554"/>
+          </a:xfrm>
+          <a:prstGeom prst="rect">
+            <a:avLst/>
+          </a:prstGeom>
+          <a:noFill/>
+        </p:spPr>
+        <p:txBody>
+          <a:bodyPr wrap="square" rtlCol="0">
+            <a:spAutoFit/>
+          </a:bodyPr>
+          <a:lstStyle/>
+          <a:p>
+            <a:r>
+              <a:rPr lang="zh-CN" altLang="en-US" dirty="0" smtClean="0"/>
+              <a:t>多个程序并发执行引起的</a:t>
+            </a:r>
+            <a:r>
+              <a:rPr lang="en-US" altLang="zh-CN" dirty="0" smtClean="0"/>
+              <a:t>Slowdown</a:t>
+            </a:r>
+            <a:endParaRPr lang="zh-CN" altLang="en-US" dirty="0"/>
+          </a:p>
+        </p:txBody>
+      </p:sp>
+    </p:spTree>
+    <p:extLst>
+      <p:ext uri="{BB962C8B-B14F-4D97-AF65-F5344CB8AC3E}">
+        <p14:creationId xmlns:p14="http://schemas.microsoft.com/office/powerpoint/2010/main" val="296339871"/>
+      </p:ext>
+    </p:extLst>
+  </p:cSld>
+  <p:clrMapOvr>
+    <a:masterClrMapping/>
+  </p:clrMapOvr>
+</p:sld>
+</file>
+
+<file path=ppt/slides/slide30.xml><?xml version="1.0" encoding="utf-8"?>
+<p:sld xmlns:a="http://schemas.openxmlformats.org/drawingml/2006/main" xmlns:r="http://schemas.openxmlformats.org/officeDocument/2006/relationships" xmlns:p="http://schemas.openxmlformats.org/presentationml/2006/main">
+  <p:cSld>
+    <p:spTree>
+      <p:nvGrpSpPr>
+        <p:cNvPr id="1" name=""/>
+        <p:cNvGrpSpPr/>
+        <p:nvPr/>
+      </p:nvGrpSpPr>
+      <p:grpSpPr>
+        <a:xfrm>
+          <a:off x="0" y="0"/>
+          <a:ext cx="0" cy="0"/>
+          <a:chOff x="0" y="0"/>
+          <a:chExt cx="0" cy="0"/>
+        </a:xfrm>
+      </p:grpSpPr>
+      <p:sp>
+        <p:nvSpPr>
+          <p:cNvPr id="2" name="标题 1"/>
+          <p:cNvSpPr>
+            <a:spLocks noGrp="1"/>
+          </p:cNvSpPr>
+          <p:nvPr>
+            <p:ph type="title"/>
+          </p:nvPr>
+        </p:nvSpPr>
+        <p:spPr/>
+        <p:txBody>
+          <a:bodyPr/>
+          <a:lstStyle/>
+          <a:p>
+            <a:r>
+              <a:rPr lang="zh-CN" altLang="en-US" dirty="0" smtClean="0"/>
+              <a:t>个案分析</a:t>
+            </a:r>
+            <a:endParaRPr lang="zh-CN" altLang="en-US" dirty="0"/>
+          </a:p>
+        </p:txBody>
+      </p:sp>
+      <p:sp>
+        <p:nvSpPr>
+          <p:cNvPr id="3" name="内容占位符 2"/>
+          <p:cNvSpPr>
+            <a:spLocks noGrp="1"/>
+          </p:cNvSpPr>
+          <p:nvPr>
+            <p:ph idx="1"/>
+          </p:nvPr>
+        </p:nvSpPr>
+        <p:spPr/>
+        <p:txBody>
+          <a:bodyPr/>
+          <a:lstStyle/>
+          <a:p>
+            <a:r>
+              <a:rPr lang="zh-CN" altLang="en-US" dirty="0" smtClean="0"/>
+              <a:t>两种方案的不同点</a:t>
+            </a:r>
+            <a:endParaRPr lang="zh-CN" altLang="en-US" dirty="0"/>
+          </a:p>
+        </p:txBody>
+      </p:sp>
+      <p:sp>
+        <p:nvSpPr>
+          <p:cNvPr id="4" name="日期占位符 3"/>
+          <p:cNvSpPr>
+            <a:spLocks noGrp="1"/>
+          </p:cNvSpPr>
+          <p:nvPr>
+            <p:ph type="dt" sz="half" idx="10"/>
+          </p:nvPr>
+        </p:nvSpPr>
+        <p:spPr/>
+        <p:txBody>
+          <a:bodyPr/>
+          <a:lstStyle/>
+          <a:p>
+            <a:fld id="{05BB47F6-42F0-4CD8-AE47-7A1FD23F1227}" type="datetime1">
+              <a:rPr lang="zh-CN" altLang="en-US" smtClean="0"/>
+              <a:pPr/>
+              <a:t>2017/6/5</a:t>
             </a:fld>
             <a:endParaRPr lang="zh-CN" altLang="en-US" sz="1800">
               <a:latin typeface="Arial" panose="020B0604020202020204" pitchFamily="34" charset="0"/>
@@ -14028,260 +14563,7 @@
 </p:sld>
 </file>
 
-<file path=ppt/slides/slide3.xml><?xml version="1.0" encoding="utf-8"?>
-<p:sld xmlns:a="http://schemas.openxmlformats.org/drawingml/2006/main" xmlns:r="http://schemas.openxmlformats.org/officeDocument/2006/relationships" xmlns:p="http://schemas.openxmlformats.org/presentationml/2006/main">
-  <p:cSld>
-    <p:spTree>
-      <p:nvGrpSpPr>
-        <p:cNvPr id="1" name=""/>
-        <p:cNvGrpSpPr/>
-        <p:nvPr/>
-      </p:nvGrpSpPr>
-      <p:grpSpPr>
-        <a:xfrm>
-          <a:off x="0" y="0"/>
-          <a:ext cx="0" cy="0"/>
-          <a:chOff x="0" y="0"/>
-          <a:chExt cx="0" cy="0"/>
-        </a:xfrm>
-      </p:grpSpPr>
-      <p:sp>
-        <p:nvSpPr>
-          <p:cNvPr id="2" name="标题 1"/>
-          <p:cNvSpPr>
-            <a:spLocks noGrp="1"/>
-          </p:cNvSpPr>
-          <p:nvPr>
-            <p:ph type="title"/>
-          </p:nvPr>
-        </p:nvSpPr>
-        <p:spPr/>
-        <p:txBody>
-          <a:bodyPr/>
-          <a:lstStyle/>
-          <a:p>
-            <a:r>
-              <a:rPr lang="zh-CN" altLang="en-US" dirty="0" smtClean="0"/>
-              <a:t>研究问题</a:t>
-            </a:r>
-            <a:endParaRPr lang="zh-CN" altLang="en-US" dirty="0"/>
-          </a:p>
-        </p:txBody>
-      </p:sp>
-      <p:sp>
-        <p:nvSpPr>
-          <p:cNvPr id="3" name="内容占位符 2"/>
-          <p:cNvSpPr>
-            <a:spLocks noGrp="1"/>
-          </p:cNvSpPr>
-          <p:nvPr>
-            <p:ph idx="1"/>
-          </p:nvPr>
-        </p:nvSpPr>
-        <p:spPr/>
-        <p:txBody>
-          <a:bodyPr/>
-          <a:lstStyle/>
-          <a:p>
-            <a:r>
-              <a:rPr lang="zh-CN" altLang="en-US" dirty="0" smtClean="0"/>
-              <a:t>多核处理器中，共享缓存竞争会引起性能下降</a:t>
-            </a:r>
-            <a:endParaRPr lang="en-US" altLang="zh-CN" dirty="0" smtClean="0"/>
-          </a:p>
-          <a:p>
-            <a:pPr marL="0" indent="0">
-              <a:buNone/>
-            </a:pPr>
-            <a:endParaRPr lang="zh-CN" altLang="en-US" dirty="0"/>
-          </a:p>
-        </p:txBody>
-      </p:sp>
-      <p:sp>
-        <p:nvSpPr>
-          <p:cNvPr id="4" name="日期占位符 3"/>
-          <p:cNvSpPr>
-            <a:spLocks noGrp="1"/>
-          </p:cNvSpPr>
-          <p:nvPr>
-            <p:ph type="dt" sz="half" idx="10"/>
-          </p:nvPr>
-        </p:nvSpPr>
-        <p:spPr/>
-        <p:txBody>
-          <a:bodyPr/>
-          <a:lstStyle/>
-          <a:p>
-            <a:fld id="{05BB47F6-42F0-4CD8-AE47-7A1FD23F1227}" type="datetime1">
-              <a:rPr lang="zh-CN" altLang="en-US" smtClean="0"/>
-              <a:pPr/>
-              <a:t>2017/6/3</a:t>
-            </a:fld>
-            <a:endParaRPr lang="zh-CN" altLang="en-US" sz="1800">
-              <a:latin typeface="Arial" panose="020B0604020202020204" pitchFamily="34" charset="0"/>
-              <a:ea typeface="宋体" panose="02010600030101010101" pitchFamily="2" charset="-122"/>
-            </a:endParaRPr>
-          </a:p>
-        </p:txBody>
-      </p:sp>
-      <p:sp>
-        <p:nvSpPr>
-          <p:cNvPr id="5" name="页脚占位符 4"/>
-          <p:cNvSpPr>
-            <a:spLocks noGrp="1"/>
-          </p:cNvSpPr>
-          <p:nvPr>
-            <p:ph type="ftr" sz="quarter" idx="11"/>
-          </p:nvPr>
-        </p:nvSpPr>
-        <p:spPr/>
-        <p:txBody>
-          <a:bodyPr/>
-          <a:lstStyle/>
-          <a:p>
-            <a:r>
-              <a:rPr lang="zh-CN" altLang="zh-CN" smtClean="0"/>
-              <a:t>http://ncis.pku.edu.cn</a:t>
-            </a:r>
-            <a:endParaRPr lang="zh-CN" altLang="zh-CN" sz="1600">
-              <a:latin typeface="Arial" panose="020B0604020202020204" pitchFamily="34" charset="0"/>
-              <a:ea typeface="宋体" panose="02010600030101010101" pitchFamily="2" charset="-122"/>
-            </a:endParaRPr>
-          </a:p>
-        </p:txBody>
-      </p:sp>
-      <p:pic>
-        <p:nvPicPr>
-          <p:cNvPr id="7" name="图片 6"/>
-          <p:cNvPicPr>
-            <a:picLocks noChangeAspect="1"/>
-          </p:cNvPicPr>
-          <p:nvPr/>
-        </p:nvPicPr>
-        <p:blipFill>
-          <a:blip r:embed="rId2">
-            <a:extLst>
-              <a:ext uri="{28A0092B-C50C-407E-A947-70E740481C1C}">
-                <a14:useLocalDpi xmlns:a14="http://schemas.microsoft.com/office/drawing/2010/main" val="0"/>
-              </a:ext>
-            </a:extLst>
-          </a:blip>
-          <a:stretch>
-            <a:fillRect/>
-          </a:stretch>
-        </p:blipFill>
-        <p:spPr>
-          <a:xfrm>
-            <a:off x="487148" y="2684918"/>
-            <a:ext cx="3880353" cy="2021563"/>
-          </a:xfrm>
-          <a:prstGeom prst="rect">
-            <a:avLst/>
-          </a:prstGeom>
-        </p:spPr>
-      </p:pic>
-      <p:pic>
-        <p:nvPicPr>
-          <p:cNvPr id="8" name="Picture 12"/>
-          <p:cNvPicPr>
-            <a:picLocks noChangeAspect="1"/>
-          </p:cNvPicPr>
-          <p:nvPr/>
-        </p:nvPicPr>
-        <p:blipFill>
-          <a:blip r:embed="rId3"/>
-          <a:stretch>
-            <a:fillRect/>
-          </a:stretch>
-        </p:blipFill>
-        <p:spPr>
-          <a:xfrm>
-            <a:off x="4716010" y="2576910"/>
-            <a:ext cx="4218137" cy="2237578"/>
-          </a:xfrm>
-          <a:prstGeom prst="rect">
-            <a:avLst/>
-          </a:prstGeom>
-        </p:spPr>
-      </p:pic>
-      <p:sp>
-        <p:nvSpPr>
-          <p:cNvPr id="6" name="文本框 5"/>
-          <p:cNvSpPr txBox="1"/>
-          <p:nvPr/>
-        </p:nvSpPr>
-        <p:spPr>
-          <a:xfrm>
-            <a:off x="1475785" y="4922496"/>
-            <a:ext cx="2736190" cy="338554"/>
-          </a:xfrm>
-          <a:prstGeom prst="rect">
-            <a:avLst/>
-          </a:prstGeom>
-          <a:noFill/>
-        </p:spPr>
-        <p:txBody>
-          <a:bodyPr wrap="square" rtlCol="0">
-            <a:spAutoFit/>
-          </a:bodyPr>
-          <a:lstStyle/>
-          <a:p>
-            <a:r>
-              <a:rPr lang="zh-CN" altLang="en-US" dirty="0" smtClean="0"/>
-              <a:t>多级缓存典型架构</a:t>
-            </a:r>
-            <a:endParaRPr lang="zh-CN" altLang="en-US" dirty="0"/>
-          </a:p>
-        </p:txBody>
-      </p:sp>
-      <p:sp>
-        <p:nvSpPr>
-          <p:cNvPr id="9" name="文本框 8"/>
-          <p:cNvSpPr txBox="1"/>
-          <p:nvPr/>
-        </p:nvSpPr>
-        <p:spPr>
-          <a:xfrm>
-            <a:off x="5148040" y="4947413"/>
-            <a:ext cx="3600250" cy="338554"/>
-          </a:xfrm>
-          <a:prstGeom prst="rect">
-            <a:avLst/>
-          </a:prstGeom>
-          <a:noFill/>
-        </p:spPr>
-        <p:txBody>
-          <a:bodyPr wrap="square" rtlCol="0">
-            <a:spAutoFit/>
-          </a:bodyPr>
-          <a:lstStyle/>
-          <a:p>
-            <a:r>
-              <a:rPr lang="zh-CN" altLang="en-US" dirty="0" smtClean="0"/>
-              <a:t>多个程序并发执行引起的</a:t>
-            </a:r>
-            <a:r>
-              <a:rPr lang="en-US" altLang="zh-CN" dirty="0" smtClean="0"/>
-              <a:t>Slowdown</a:t>
-            </a:r>
-            <a:endParaRPr lang="zh-CN" altLang="en-US" dirty="0"/>
-          </a:p>
-        </p:txBody>
-      </p:sp>
-    </p:spTree>
-    <p:extLst>
-      <p:ext uri="{BB962C8B-B14F-4D97-AF65-F5344CB8AC3E}">
-        <p14:creationId xmlns:p14="http://schemas.microsoft.com/office/powerpoint/2010/main" val="296339871"/>
-      </p:ext>
-    </p:extLst>
-  </p:cSld>
-  <p:clrMapOvr>
-    <a:masterClrMapping/>
-  </p:clrMapOvr>
-</p:sld>
-</file>
-
-<file path=ppt/slides/slide30.xml><?xml version="1.0" encoding="utf-8"?>
+<file path=ppt/slides/slide31.xml><?xml version="1.0" encoding="utf-8"?>
 <p:sld xmlns:a="http://schemas.openxmlformats.org/drawingml/2006/main" xmlns:r="http://schemas.openxmlformats.org/officeDocument/2006/relationships" xmlns:p="http://schemas.openxmlformats.org/presentationml/2006/main">
   <p:cSld>
     <p:spTree>
@@ -14365,7 +14647,7 @@
             <a:fld id="{05BB47F6-42F0-4CD8-AE47-7A1FD23F1227}" type="datetime1">
               <a:rPr lang="zh-CN" altLang="en-US" smtClean="0"/>
               <a:pPr/>
-              <a:t>2017/6/3</a:t>
+              <a:t>2017/6/5</a:t>
             </a:fld>
             <a:endParaRPr lang="zh-CN" altLang="en-US" sz="1800">
               <a:latin typeface="Arial" panose="020B0604020202020204" pitchFamily="34" charset="0"/>
@@ -14726,199 +15008,6 @@
 </p:sld>
 </file>
 
-<file path=ppt/slides/slide31.xml><?xml version="1.0" encoding="utf-8"?>
-<p:sld xmlns:a="http://schemas.openxmlformats.org/drawingml/2006/main" xmlns:r="http://schemas.openxmlformats.org/officeDocument/2006/relationships" xmlns:p="http://schemas.openxmlformats.org/presentationml/2006/main">
-  <p:cSld>
-    <p:spTree>
-      <p:nvGrpSpPr>
-        <p:cNvPr id="1" name=""/>
-        <p:cNvGrpSpPr/>
-        <p:nvPr/>
-      </p:nvGrpSpPr>
-      <p:grpSpPr>
-        <a:xfrm>
-          <a:off x="0" y="0"/>
-          <a:ext cx="0" cy="0"/>
-          <a:chOff x="0" y="0"/>
-          <a:chExt cx="0" cy="0"/>
-        </a:xfrm>
-      </p:grpSpPr>
-      <p:sp>
-        <p:nvSpPr>
-          <p:cNvPr id="2" name="标题 1"/>
-          <p:cNvSpPr>
-            <a:spLocks noGrp="1"/>
-          </p:cNvSpPr>
-          <p:nvPr>
-            <p:ph type="title"/>
-          </p:nvPr>
-        </p:nvSpPr>
-        <p:spPr/>
-        <p:txBody>
-          <a:bodyPr/>
-          <a:lstStyle/>
-          <a:p>
-            <a:r>
-              <a:rPr lang="zh-CN" altLang="en-US" dirty="0"/>
-              <a:t>大纲</a:t>
-            </a:r>
-            <a:endParaRPr lang="zh-CN" altLang="en-US" dirty="0"/>
-          </a:p>
-        </p:txBody>
-      </p:sp>
-      <p:sp>
-        <p:nvSpPr>
-          <p:cNvPr id="3" name="内容占位符 2"/>
-          <p:cNvSpPr>
-            <a:spLocks noGrp="1"/>
-          </p:cNvSpPr>
-          <p:nvPr>
-            <p:ph idx="1"/>
-          </p:nvPr>
-        </p:nvSpPr>
-        <p:spPr/>
-        <p:txBody>
-          <a:bodyPr/>
-          <a:lstStyle/>
-          <a:p>
-            <a:r>
-              <a:rPr lang="zh-CN" altLang="en-US" dirty="0" smtClean="0"/>
-              <a:t>研究问题</a:t>
-            </a:r>
-            <a:endParaRPr lang="en-US" altLang="zh-CN" dirty="0" smtClean="0"/>
-          </a:p>
-          <a:p>
-            <a:r>
-              <a:rPr lang="zh-CN" altLang="en-US" dirty="0" smtClean="0"/>
-              <a:t>相关研究</a:t>
-            </a:r>
-            <a:endParaRPr lang="en-US" altLang="zh-CN" dirty="0" smtClean="0"/>
-          </a:p>
-          <a:p>
-            <a:r>
-              <a:rPr lang="en-US" altLang="zh-CN" dirty="0" smtClean="0"/>
-              <a:t>CAPS</a:t>
-            </a:r>
-            <a:r>
-              <a:rPr lang="zh-CN" altLang="en-US" dirty="0" smtClean="0"/>
-              <a:t>解决方案</a:t>
-            </a:r>
-            <a:endParaRPr lang="en-US" altLang="zh-CN" dirty="0" smtClean="0"/>
-          </a:p>
-          <a:p>
-            <a:pPr lvl="1"/>
-            <a:r>
-              <a:rPr lang="zh-CN" altLang="en-US" dirty="0" smtClean="0"/>
-              <a:t>预测</a:t>
-            </a:r>
-            <a:endParaRPr lang="en-US" altLang="zh-CN" dirty="0" smtClean="0"/>
-          </a:p>
-          <a:p>
-            <a:pPr lvl="1"/>
-            <a:r>
-              <a:rPr lang="zh-CN" altLang="en-US" dirty="0" smtClean="0"/>
-              <a:t>策略</a:t>
-            </a:r>
-            <a:endParaRPr lang="en-US" altLang="zh-CN" dirty="0" smtClean="0"/>
-          </a:p>
-          <a:p>
-            <a:pPr lvl="1"/>
-            <a:r>
-              <a:rPr lang="zh-CN" altLang="en-US" dirty="0" smtClean="0"/>
-              <a:t>执行</a:t>
-            </a:r>
-            <a:endParaRPr lang="en-US" altLang="zh-CN" dirty="0" smtClean="0"/>
-          </a:p>
-          <a:p>
-            <a:r>
-              <a:rPr lang="zh-CN" altLang="en-US" dirty="0" smtClean="0"/>
-              <a:t>实验评估</a:t>
-            </a:r>
-            <a:endParaRPr lang="en-US" altLang="zh-CN" dirty="0" smtClean="0"/>
-          </a:p>
-          <a:p>
-            <a:r>
-              <a:rPr lang="zh-CN" altLang="en-US" dirty="0" smtClean="0">
-                <a:solidFill>
-                  <a:srgbClr val="FF0000"/>
-                </a:solidFill>
-              </a:rPr>
-              <a:t>总结与展望</a:t>
-            </a:r>
-            <a:endParaRPr lang="zh-CN" altLang="en-US" dirty="0">
-              <a:solidFill>
-                <a:srgbClr val="FF0000"/>
-              </a:solidFill>
-            </a:endParaRPr>
-          </a:p>
-        </p:txBody>
-      </p:sp>
-      <p:sp>
-        <p:nvSpPr>
-          <p:cNvPr id="4" name="日期占位符 3"/>
-          <p:cNvSpPr>
-            <a:spLocks noGrp="1"/>
-          </p:cNvSpPr>
-          <p:nvPr>
-            <p:ph type="dt" sz="half" idx="10"/>
-          </p:nvPr>
-        </p:nvSpPr>
-        <p:spPr/>
-        <p:txBody>
-          <a:bodyPr/>
-          <a:lstStyle/>
-          <a:p>
-            <a:fld id="{05BB47F6-42F0-4CD8-AE47-7A1FD23F1227}" type="datetime1">
-              <a:rPr lang="zh-CN" altLang="en-US" smtClean="0"/>
-              <a:pPr/>
-              <a:t>2017/6/3</a:t>
-            </a:fld>
-            <a:endParaRPr lang="zh-CN" altLang="en-US" sz="1800">
-              <a:latin typeface="Arial" panose="020B0604020202020204" pitchFamily="34" charset="0"/>
-              <a:ea typeface="宋体" panose="02010600030101010101" pitchFamily="2" charset="-122"/>
-            </a:endParaRPr>
-          </a:p>
-        </p:txBody>
-      </p:sp>
-      <p:sp>
-        <p:nvSpPr>
-          <p:cNvPr id="5" name="页脚占位符 4"/>
-          <p:cNvSpPr>
-            <a:spLocks noGrp="1"/>
-          </p:cNvSpPr>
-          <p:nvPr>
-            <p:ph type="ftr" sz="quarter" idx="11"/>
-          </p:nvPr>
-        </p:nvSpPr>
-        <p:spPr/>
-        <p:txBody>
-          <a:bodyPr/>
-          <a:lstStyle/>
-          <a:p>
-            <a:r>
-              <a:rPr lang="zh-CN" altLang="zh-CN" smtClean="0"/>
-              <a:t>http://ncis.pku.edu.cn</a:t>
-            </a:r>
-            <a:endParaRPr lang="zh-CN" altLang="zh-CN" sz="1600">
-              <a:latin typeface="Arial" panose="020B0604020202020204" pitchFamily="34" charset="0"/>
-              <a:ea typeface="宋体" panose="02010600030101010101" pitchFamily="2" charset="-122"/>
-            </a:endParaRPr>
-          </a:p>
-        </p:txBody>
-      </p:sp>
-    </p:spTree>
-    <p:extLst>
-      <p:ext uri="{BB962C8B-B14F-4D97-AF65-F5344CB8AC3E}">
-        <p14:creationId xmlns:p14="http://schemas.microsoft.com/office/powerpoint/2010/main" val="868949341"/>
-      </p:ext>
-    </p:extLst>
-  </p:cSld>
-  <p:clrMapOvr>
-    <a:masterClrMapping/>
-  </p:clrMapOvr>
-</p:sld>
-</file>
-
 <file path=ppt/slides/slide32.xml><?xml version="1.0" encoding="utf-8"?>
 <p:sld xmlns:a="http://schemas.openxmlformats.org/drawingml/2006/main" xmlns:r="http://schemas.openxmlformats.org/officeDocument/2006/relationships" xmlns:p="http://schemas.openxmlformats.org/presentationml/2006/main">
   <p:cSld>
@@ -14952,10 +15041,9 @@
           <a:lstStyle/>
           <a:p>
             <a:r>
-              <a:rPr lang="zh-CN" altLang="en-US" dirty="0" smtClean="0"/>
-              <a:t>总结与展望</a:t>
-            </a:r>
-            <a:endParaRPr lang="zh-CN" altLang="en-US" dirty="0"/>
+              <a:rPr lang="zh-CN" altLang="en-US" dirty="0"/>
+              <a:t>大纲</a:t>
+            </a:r>
           </a:p>
         </p:txBody>
       </p:sp>
@@ -14975,118 +15063,74 @@
           <a:lstStyle/>
           <a:p>
             <a:r>
-              <a:rPr lang="zh-CN" altLang="en-US" dirty="0"/>
-              <a:t>实现了</a:t>
-            </a:r>
-            <a:r>
-              <a:rPr lang="zh-CN" altLang="en-US" dirty="0" smtClean="0"/>
-              <a:t>一</a:t>
-            </a:r>
-            <a:r>
-              <a:rPr lang="zh-CN" altLang="en-US" dirty="0" smtClean="0"/>
-              <a:t>个纯软件的缓存</a:t>
-            </a:r>
-            <a:r>
-              <a:rPr lang="zh-CN" altLang="en-US" dirty="0" smtClean="0"/>
-              <a:t>优化</a:t>
-            </a:r>
-            <a:r>
-              <a:rPr lang="zh-CN" altLang="en-US" dirty="0" smtClean="0"/>
-              <a:t>原型</a:t>
-            </a:r>
+              <a:rPr lang="zh-CN" altLang="en-US" dirty="0" smtClean="0"/>
+              <a:t>研究问题</a:t>
+            </a:r>
+            <a:endParaRPr lang="en-US" altLang="zh-CN" dirty="0" smtClean="0"/>
+          </a:p>
+          <a:p>
+            <a:r>
+              <a:rPr lang="zh-CN" altLang="en-US" dirty="0" smtClean="0"/>
+              <a:t>相关研究</a:t>
+            </a:r>
+            <a:endParaRPr lang="en-US" altLang="zh-CN" dirty="0" smtClean="0"/>
+          </a:p>
+          <a:p>
             <a:r>
               <a:rPr lang="en-US" altLang="zh-CN" dirty="0" smtClean="0"/>
               <a:t>CAPS</a:t>
             </a:r>
+            <a:r>
+              <a:rPr lang="zh-CN" altLang="en-US" dirty="0" smtClean="0"/>
+              <a:t>解决方案</a:t>
+            </a:r>
             <a:endParaRPr lang="en-US" altLang="zh-CN" dirty="0" smtClean="0"/>
           </a:p>
           <a:p>
             <a:pPr lvl="1"/>
             <a:r>
               <a:rPr lang="zh-CN" altLang="en-US" dirty="0" smtClean="0"/>
-              <a:t>可</a:t>
-            </a:r>
-            <a:r>
-              <a:rPr lang="en-US" altLang="zh-CN" dirty="0" smtClean="0"/>
-              <a:t>	</a:t>
-            </a:r>
-            <a:r>
-              <a:rPr lang="zh-CN" altLang="en-US" dirty="0" smtClean="0"/>
-              <a:t>以</a:t>
-            </a:r>
+              <a:t>预测</a:t>
+            </a:r>
+            <a:endParaRPr lang="en-US" altLang="zh-CN" dirty="0" smtClean="0"/>
+          </a:p>
+          <a:p>
+            <a:pPr lvl="1"/>
             <a:r>
               <a:rPr lang="zh-CN" altLang="en-US" dirty="0"/>
-              <a:t>在较细粒度层面实现对缓存占用的控制和管理</a:t>
-            </a:r>
+              <a:t>决策</a:t>
+            </a:r>
+            <a:endParaRPr lang="en-US" altLang="zh-CN" dirty="0" smtClean="0"/>
           </a:p>
           <a:p>
             <a:pPr lvl="1"/>
             <a:r>
-              <a:rPr lang="en-US" altLang="zh-CN" dirty="0" smtClean="0"/>
-              <a:t>	</a:t>
-            </a:r>
-            <a:r>
-              <a:rPr lang="zh-CN" altLang="en-US" dirty="0" smtClean="0"/>
-              <a:t>具有</a:t>
-            </a:r>
-            <a:r>
-              <a:rPr lang="zh-CN" altLang="en-US" dirty="0"/>
-              <a:t>策略灵活性，可以支持多种优化目标</a:t>
-            </a:r>
-          </a:p>
-          <a:p>
-            <a:pPr lvl="1"/>
-            <a:r>
-              <a:rPr lang="zh-CN" altLang="en-US" dirty="0" smtClean="0"/>
-              <a:t>具有</a:t>
-            </a:r>
-            <a:r>
-              <a:rPr lang="zh-CN" altLang="en-US" dirty="0"/>
-              <a:t>良好的可扩展性，在核数较多的情况下也同样适用</a:t>
-            </a:r>
-          </a:p>
-          <a:p>
-            <a:pPr lvl="1"/>
-            <a:r>
-              <a:rPr lang="zh-CN" altLang="en-US" dirty="0" smtClean="0"/>
-              <a:t>可以</a:t>
-            </a:r>
-            <a:r>
-              <a:rPr lang="zh-CN" altLang="en-US" dirty="0"/>
-              <a:t>在真实机器上</a:t>
-            </a:r>
-            <a:r>
-              <a:rPr lang="zh-CN" altLang="en-US" dirty="0" smtClean="0"/>
-              <a:t>运行</a:t>
+              <a:rPr lang="zh-CN" altLang="en-US" dirty="0" smtClean="0"/>
+              <a:t>执行</a:t>
             </a:r>
             <a:endParaRPr lang="en-US" altLang="zh-CN" dirty="0" smtClean="0"/>
           </a:p>
           <a:p>
             <a:r>
               <a:rPr lang="zh-CN" altLang="en-US" dirty="0" smtClean="0"/>
-              <a:t>目前离线生成一个优化方案大约需要</a:t>
-            </a:r>
-            <a:r>
-              <a:rPr lang="en-US" altLang="zh-CN" dirty="0" smtClean="0"/>
-              <a:t>20</a:t>
-            </a:r>
-            <a:r>
-              <a:rPr lang="zh-CN" altLang="en-US" dirty="0" smtClean="0"/>
-              <a:t>秒，</a:t>
-            </a:r>
-            <a:r>
-              <a:rPr lang="zh-CN" altLang="en-US" dirty="0" smtClean="0"/>
-              <a:t>未来</a:t>
-            </a:r>
-            <a:r>
-              <a:rPr lang="zh-CN" altLang="en-US" dirty="0" smtClean="0"/>
-              <a:t>希望拓展到在线场景</a:t>
-            </a:r>
-            <a:r>
-              <a:rPr lang="zh-CN" altLang="en-US" dirty="0" smtClean="0"/>
-              <a:t>中，可以实时调整分配方案</a:t>
-            </a:r>
-            <a:endParaRPr lang="zh-CN" altLang="en-US" dirty="0"/>
+              <a:t>实验评估</a:t>
+            </a:r>
+            <a:endParaRPr lang="en-US" altLang="zh-CN" dirty="0" smtClean="0"/>
+          </a:p>
+          <a:p>
+            <a:r>
+              <a:rPr lang="zh-CN" altLang="en-US" dirty="0" smtClean="0">
+                <a:solidFill>
+                  <a:srgbClr val="FF0000"/>
+                </a:solidFill>
+              </a:rPr>
+              <a:t>总结与展望</a:t>
+            </a:r>
+            <a:endParaRPr lang="zh-CN" altLang="en-US" dirty="0">
+              <a:solidFill>
+                <a:srgbClr val="FF0000"/>
+              </a:solidFill>
+            </a:endParaRPr>
           </a:p>
         </p:txBody>
       </p:sp>
@@ -15108,7 +15152,7 @@
             <a:fld id="{05BB47F6-42F0-4CD8-AE47-7A1FD23F1227}" type="datetime1">
               <a:rPr lang="zh-CN" altLang="en-US" smtClean="0"/>
               <a:pPr/>
-              <a:t>2017/6/3</a:t>
+              <a:t>2017/6/5</a:t>
             </a:fld>
             <a:endParaRPr lang="zh-CN" altLang="en-US" sz="1800">
               <a:latin typeface="Arial" panose="020B0604020202020204" pitchFamily="34" charset="0"/>
@@ -15146,7 +15190,7 @@
     </p:spTree>
     <p:extLst>
       <p:ext uri="{BB962C8B-B14F-4D97-AF65-F5344CB8AC3E}">
-        <p14:creationId xmlns:p14="http://schemas.microsoft.com/office/powerpoint/2010/main" val="438306633"/>
+        <p14:creationId xmlns:p14="http://schemas.microsoft.com/office/powerpoint/2010/main" val="868949341"/>
       </p:ext>
     </p:extLst>
   </p:cSld>
@@ -15190,7 +15234,7 @@
           <a:p>
             <a:r>
               <a:rPr lang="zh-CN" altLang="en-US" dirty="0" smtClean="0"/>
-              <a:t>谢谢！</a:t>
+              <a:t>总结与展望</a:t>
             </a:r>
             <a:endParaRPr lang="zh-CN" altLang="en-US" dirty="0"/>
           </a:p>
@@ -15211,7 +15255,99 @@
           <a:bodyPr/>
           <a:lstStyle/>
           <a:p>
-            <a:endParaRPr lang="zh-CN" altLang="en-US"/>
+            <a:r>
+              <a:rPr lang="zh-CN" altLang="en-US" dirty="0"/>
+              <a:t>实现了</a:t>
+            </a:r>
+            <a:r>
+              <a:rPr lang="zh-CN" altLang="en-US" dirty="0" smtClean="0"/>
+              <a:t>一个纯软件的缓存</a:t>
+            </a:r>
+            <a:r>
+              <a:rPr lang="zh-CN" altLang="en-US" dirty="0" smtClean="0"/>
+              <a:t>优化框架</a:t>
+            </a:r>
+            <a:r>
+              <a:rPr lang="en-US" altLang="zh-CN" dirty="0" smtClean="0"/>
+              <a:t>CAPS</a:t>
+            </a:r>
+            <a:endParaRPr lang="en-US" altLang="zh-CN" dirty="0" smtClean="0"/>
+          </a:p>
+          <a:p>
+            <a:pPr lvl="1"/>
+            <a:r>
+              <a:rPr lang="zh-CN" altLang="en-US" dirty="0"/>
+              <a:t>可以在真实机器上</a:t>
+            </a:r>
+            <a:r>
+              <a:rPr lang="zh-CN" altLang="en-US" dirty="0" smtClean="0"/>
+              <a:t>运行</a:t>
+            </a:r>
+            <a:endParaRPr lang="en-US" altLang="zh-CN" dirty="0" smtClean="0"/>
+          </a:p>
+          <a:p>
+            <a:pPr lvl="1"/>
+            <a:r>
+              <a:rPr lang="zh-CN" altLang="en-US" dirty="0" smtClean="0"/>
+              <a:t>可</a:t>
+            </a:r>
+            <a:r>
+              <a:rPr lang="en-US" altLang="zh-CN" dirty="0" smtClean="0"/>
+              <a:t>	</a:t>
+            </a:r>
+            <a:r>
+              <a:rPr lang="zh-CN" altLang="en-US" dirty="0" smtClean="0"/>
+              <a:t>以</a:t>
+            </a:r>
+            <a:r>
+              <a:rPr lang="zh-CN" altLang="en-US" dirty="0"/>
+              <a:t>在较细粒度层面实现对缓存占用的控制和管理</a:t>
+            </a:r>
+          </a:p>
+          <a:p>
+            <a:pPr lvl="1"/>
+            <a:r>
+              <a:rPr lang="en-US" altLang="zh-CN" dirty="0" smtClean="0"/>
+              <a:t>	</a:t>
+            </a:r>
+            <a:r>
+              <a:rPr lang="zh-CN" altLang="en-US" dirty="0" smtClean="0"/>
+              <a:t>具有</a:t>
+            </a:r>
+            <a:r>
+              <a:rPr lang="zh-CN" altLang="en-US" dirty="0"/>
+              <a:t>策略灵活性，可以支持多种优化目标</a:t>
+            </a:r>
+          </a:p>
+          <a:p>
+            <a:pPr lvl="1"/>
+            <a:r>
+              <a:rPr lang="zh-CN" altLang="en-US" dirty="0" smtClean="0"/>
+              <a:t>具有</a:t>
+            </a:r>
+            <a:r>
+              <a:rPr lang="zh-CN" altLang="en-US" dirty="0"/>
+              <a:t>良好的可扩展性，在核数较多的情况下也同样适用</a:t>
+            </a:r>
+          </a:p>
+          <a:p>
+            <a:r>
+              <a:rPr lang="zh-CN" altLang="en-US" dirty="0" smtClean="0"/>
+              <a:t>目前</a:t>
+            </a:r>
+            <a:r>
+              <a:rPr lang="zh-CN" altLang="en-US" dirty="0" smtClean="0"/>
+              <a:t>离线生成一个优化方案大约需要</a:t>
+            </a:r>
+            <a:r>
+              <a:rPr lang="en-US" altLang="zh-CN" dirty="0" smtClean="0"/>
+              <a:t>20</a:t>
+            </a:r>
+            <a:r>
+              <a:rPr lang="zh-CN" altLang="en-US" dirty="0" smtClean="0"/>
+              <a:t>秒，未来希望拓展到在线场景中，可以实时调整分配方案</a:t>
+            </a:r>
+            <a:endParaRPr lang="zh-CN" altLang="en-US" dirty="0"/>
           </a:p>
         </p:txBody>
       </p:sp>
@@ -15233,7 +15369,132 @@
             <a:fld id="{05BB47F6-42F0-4CD8-AE47-7A1FD23F1227}" type="datetime1">
               <a:rPr lang="zh-CN" altLang="en-US" smtClean="0"/>
               <a:pPr/>
-              <a:t>2017/6/3</a:t>
+              <a:t>2017/6/5</a:t>
+            </a:fld>
+            <a:endParaRPr lang="zh-CN" altLang="en-US" sz="1800">
+              <a:latin typeface="Arial" panose="020B0604020202020204" pitchFamily="34" charset="0"/>
+              <a:ea typeface="宋体" panose="02010600030101010101" pitchFamily="2" charset="-122"/>
+            </a:endParaRPr>
+          </a:p>
+        </p:txBody>
+      </p:sp>
+      <p:sp>
+        <p:nvSpPr>
+          <p:cNvPr id="5" name="页脚占位符 4"/>
+          <p:cNvSpPr>
+            <a:spLocks noGrp="1"/>
+          </p:cNvSpPr>
+          <p:nvPr>
+            <p:ph type="ftr" sz="quarter" idx="11"/>
+          </p:nvPr>
+        </p:nvSpPr>
+        <p:spPr/>
+        <p:txBody>
+          <a:bodyPr/>
+          <a:lstStyle/>
+          <a:p>
+            <a:r>
+              <a:rPr lang="zh-CN" altLang="zh-CN" smtClean="0"/>
+              <a:t>http://ncis.pku.edu.cn</a:t>
+            </a:r>
+            <a:endParaRPr lang="zh-CN" altLang="zh-CN" sz="1600">
+              <a:latin typeface="Arial" panose="020B0604020202020204" pitchFamily="34" charset="0"/>
+              <a:ea typeface="宋体" panose="02010600030101010101" pitchFamily="2" charset="-122"/>
+            </a:endParaRPr>
+          </a:p>
+        </p:txBody>
+      </p:sp>
+    </p:spTree>
+    <p:extLst>
+      <p:ext uri="{BB962C8B-B14F-4D97-AF65-F5344CB8AC3E}">
+        <p14:creationId xmlns:p14="http://schemas.microsoft.com/office/powerpoint/2010/main" val="438306633"/>
+      </p:ext>
+    </p:extLst>
+  </p:cSld>
+  <p:clrMapOvr>
+    <a:masterClrMapping/>
+  </p:clrMapOvr>
+</p:sld>
+</file>
+
+<file path=ppt/slides/slide34.xml><?xml version="1.0" encoding="utf-8"?>
+<p:sld xmlns:a="http://schemas.openxmlformats.org/drawingml/2006/main" xmlns:r="http://schemas.openxmlformats.org/officeDocument/2006/relationships" xmlns:p="http://schemas.openxmlformats.org/presentationml/2006/main">
+  <p:cSld>
+    <p:spTree>
+      <p:nvGrpSpPr>
+        <p:cNvPr id="1" name=""/>
+        <p:cNvGrpSpPr/>
+        <p:nvPr/>
+      </p:nvGrpSpPr>
+      <p:grpSpPr>
+        <a:xfrm>
+          <a:off x="0" y="0"/>
+          <a:ext cx="0" cy="0"/>
+          <a:chOff x="0" y="0"/>
+          <a:chExt cx="0" cy="0"/>
+        </a:xfrm>
+      </p:grpSpPr>
+      <p:sp>
+        <p:nvSpPr>
+          <p:cNvPr id="2" name="标题 1"/>
+          <p:cNvSpPr>
+            <a:spLocks noGrp="1"/>
+          </p:cNvSpPr>
+          <p:nvPr>
+            <p:ph type="title"/>
+          </p:nvPr>
+        </p:nvSpPr>
+        <p:spPr/>
+        <p:txBody>
+          <a:bodyPr/>
+          <a:lstStyle/>
+          <a:p>
+            <a:r>
+              <a:rPr lang="zh-CN" altLang="en-US" dirty="0" smtClean="0"/>
+              <a:t>谢谢！</a:t>
+            </a:r>
+            <a:endParaRPr lang="zh-CN" altLang="en-US" dirty="0"/>
+          </a:p>
+        </p:txBody>
+      </p:sp>
+      <p:sp>
+        <p:nvSpPr>
+          <p:cNvPr id="3" name="内容占位符 2"/>
+          <p:cNvSpPr>
+            <a:spLocks noGrp="1"/>
+          </p:cNvSpPr>
+          <p:nvPr>
+            <p:ph idx="1"/>
+          </p:nvPr>
+        </p:nvSpPr>
+        <p:spPr/>
+        <p:txBody>
+          <a:bodyPr/>
+          <a:lstStyle/>
+          <a:p>
+            <a:endParaRPr lang="zh-CN" altLang="en-US"/>
+          </a:p>
+        </p:txBody>
+      </p:sp>
+      <p:sp>
+        <p:nvSpPr>
+          <p:cNvPr id="4" name="日期占位符 3"/>
+          <p:cNvSpPr>
+            <a:spLocks noGrp="1"/>
+          </p:cNvSpPr>
+          <p:nvPr>
+            <p:ph type="dt" sz="half" idx="10"/>
+          </p:nvPr>
+        </p:nvSpPr>
+        <p:spPr/>
+        <p:txBody>
+          <a:bodyPr/>
+          <a:lstStyle/>
+          <a:p>
+            <a:fld id="{05BB47F6-42F0-4CD8-AE47-7A1FD23F1227}" type="datetime1">
+              <a:rPr lang="zh-CN" altLang="en-US" smtClean="0"/>
+              <a:pPr/>
+              <a:t>2017/6/5</a:t>
             </a:fld>
             <a:endParaRPr lang="zh-CN" altLang="en-US" sz="1800">
               <a:latin typeface="Arial" panose="020B0604020202020204" pitchFamily="34" charset="0"/>
@@ -15317,7 +15578,6 @@
               <a:rPr lang="zh-CN" altLang="en-US" dirty="0"/>
               <a:t>大纲</a:t>
             </a:r>
-            <a:endParaRPr lang="zh-CN" altLang="en-US" dirty="0"/>
           </a:p>
         </p:txBody>
       </p:sp>
@@ -15380,7 +15640,7 @@
             <a:pPr lvl="1"/>
             <a:r>
               <a:rPr lang="zh-CN" altLang="en-US" dirty="0" smtClean="0"/>
-              <a:t>策略</a:t>
+              <a:t>决策</a:t>
             </a:r>
             <a:endParaRPr lang="en-US" altLang="zh-CN" dirty="0" smtClean="0"/>
           </a:p>
@@ -15426,7 +15686,7 @@
             <a:fld id="{05BB47F6-42F0-4CD8-AE47-7A1FD23F1227}" type="datetime1">
               <a:rPr lang="zh-CN" altLang="en-US" smtClean="0"/>
               <a:pPr/>
-              <a:t>2017/6/3</a:t>
+              <a:t>2017/6/5</a:t>
             </a:fld>
             <a:endParaRPr lang="zh-CN" altLang="en-US" sz="1800">
               <a:latin typeface="Arial" panose="020B0604020202020204" pitchFamily="34" charset="0"/>
@@ -15539,31 +15799,15 @@
                   <a:srgbClr val="FF0000"/>
                 </a:solidFill>
               </a:rPr>
-              <a:t>对共享缓存进行</a:t>
-            </a:r>
-            <a:r>
-              <a:rPr lang="zh-CN" altLang="en-US" dirty="0" smtClean="0">
-                <a:solidFill>
-                  <a:srgbClr val="FF0000"/>
-                </a:solidFill>
-              </a:rPr>
-              <a:t>划分</a:t>
-            </a:r>
-            <a:r>
-              <a:rPr lang="zh-CN" altLang="en-US" dirty="0" smtClean="0"/>
-              <a:t>可以有效</a:t>
-            </a:r>
-            <a:r>
-              <a:rPr lang="zh-CN" altLang="en-US" dirty="0" smtClean="0"/>
-              <a:t>改善</a:t>
-            </a:r>
-            <a:r>
-              <a:rPr lang="zh-CN" altLang="en-US" dirty="0" smtClean="0"/>
-              <a:t>系统整体性</a:t>
-            </a:r>
-            <a:r>
-              <a:rPr lang="zh-CN" altLang="en-US" dirty="0" smtClean="0"/>
-              <a:t>能。</a:t>
+              <a:t>对共享缓存进行划分</a:t>
+            </a:r>
+            <a:r>
+              <a:rPr lang="zh-CN" altLang="en-US" dirty="0" smtClean="0"/>
+              <a:t>可以有效改善系统整体性</a:t>
+            </a:r>
+            <a:r>
+              <a:rPr lang="zh-CN" altLang="en-US" dirty="0" smtClean="0"/>
+              <a:t>能</a:t>
             </a:r>
             <a:endParaRPr lang="en-US" altLang="zh-CN" dirty="0" smtClean="0"/>
           </a:p>
@@ -15608,7 +15852,15 @@
             <a:pPr lvl="1"/>
             <a:r>
               <a:rPr lang="zh-CN" altLang="en-US" dirty="0" smtClean="0"/>
-              <a:t>不需要修改硬件，可在真实系统上实现</a:t>
+              <a:t>不需要修改硬件</a:t>
+            </a:r>
+            <a:r>
+              <a:rPr lang="zh-CN" altLang="en-US" dirty="0" smtClean="0"/>
+              <a:t>，曾经可</a:t>
+            </a:r>
+            <a:r>
+              <a:rPr lang="zh-CN" altLang="en-US" dirty="0" smtClean="0"/>
+              <a:t>在真实系统上实现</a:t>
             </a:r>
             <a:endParaRPr lang="en-US" altLang="zh-CN" dirty="0" smtClean="0"/>
           </a:p>
@@ -15626,9 +15878,11 @@
               <a:rPr lang="en-US" altLang="zh-CN" dirty="0" smtClean="0"/>
               <a:t>Coloring</a:t>
             </a:r>
-            <a:r>
-              <a:rPr lang="zh-CN" altLang="en-US" dirty="0" smtClean="0"/>
-              <a:t>（目前已不在适用）</a:t>
+          </a:p>
+          <a:p>
+            <a:r>
+              <a:rPr lang="zh-CN" altLang="en-US" dirty="0" smtClean="0"/>
+              <a:t>问题：目前都无法直接应用在真实环境中</a:t>
             </a:r>
             <a:endParaRPr lang="en-US" altLang="zh-CN" dirty="0"/>
           </a:p>
@@ -15652,7 +15906,7 @@
             <a:fld id="{05BB47F6-42F0-4CD8-AE47-7A1FD23F1227}" type="datetime1">
               <a:rPr lang="zh-CN" altLang="en-US" smtClean="0"/>
               <a:pPr/>
-              <a:t>2017/6/3</a:t>
+              <a:t>2017/6/5</a:t>
             </a:fld>
             <a:endParaRPr lang="zh-CN" altLang="en-US" sz="1800">
               <a:latin typeface="Arial" panose="020B0604020202020204" pitchFamily="34" charset="0"/>
@@ -15765,7 +16019,43 @@
           <a:p>
             <a:r>
               <a:rPr lang="zh-CN" altLang="en-US" dirty="0" smtClean="0"/>
-              <a:t>首次商用处理器上实现的缓存分配技术</a:t>
+              <a:t>首次商用处理器上</a:t>
+            </a:r>
+            <a:r>
+              <a:rPr lang="zh-CN" altLang="en-US" dirty="0" smtClean="0"/>
+              <a:t>实现了缓存</a:t>
+            </a:r>
+            <a:r>
+              <a:rPr lang="zh-CN" altLang="en-US" dirty="0" smtClean="0"/>
+              <a:t>分配</a:t>
+            </a:r>
+            <a:r>
+              <a:rPr lang="zh-CN" altLang="en-US" dirty="0" smtClean="0"/>
+              <a:t>技术</a:t>
+            </a:r>
+            <a:endParaRPr lang="en-US" altLang="zh-CN" dirty="0" smtClean="0"/>
+          </a:p>
+          <a:p>
+            <a:pPr lvl="1"/>
+            <a:r>
+              <a:rPr lang="zh-CN" altLang="en-US" dirty="0" smtClean="0"/>
+              <a:t>基于</a:t>
+            </a:r>
+            <a:r>
+              <a:rPr lang="en-US" altLang="zh-CN" dirty="0" smtClean="0"/>
+              <a:t>Way Partitioning</a:t>
+            </a:r>
+            <a:r>
+              <a:rPr lang="zh-CN" altLang="en-US" dirty="0" smtClean="0"/>
+              <a:t>技术，</a:t>
+            </a:r>
+            <a:r>
+              <a:rPr lang="zh-CN" altLang="en-US" dirty="0"/>
+              <a:t>分配粒度</a:t>
+            </a:r>
+            <a:r>
+              <a:rPr lang="zh-CN" altLang="en-US" dirty="0" smtClean="0"/>
+              <a:t>较大</a:t>
             </a:r>
             <a:endParaRPr lang="en-US" altLang="zh-CN" dirty="0" smtClean="0"/>
           </a:p>
@@ -15793,19 +16083,11 @@
             <a:pPr lvl="1"/>
             <a:r>
               <a:rPr lang="zh-CN" altLang="en-US" dirty="0" smtClean="0"/>
-              <a:t>分配粒度</a:t>
-            </a:r>
-            <a:r>
-              <a:rPr lang="zh-CN" altLang="en-US" dirty="0" smtClean="0"/>
-              <a:t>较大</a:t>
-            </a:r>
-            <a:endParaRPr lang="en-US" altLang="zh-CN" dirty="0" smtClean="0"/>
-          </a:p>
-          <a:p>
-            <a:pPr lvl="1"/>
-            <a:r>
-              <a:rPr lang="zh-CN" altLang="en-US" dirty="0" smtClean="0"/>
-              <a:t>可分配路数较少</a:t>
+              <a:t>可</a:t>
+            </a:r>
+            <a:r>
+              <a:rPr lang="zh-CN" altLang="en-US" dirty="0" smtClean="0"/>
+              <a:t>分配路数较少</a:t>
             </a:r>
             <a:endParaRPr lang="zh-CN" altLang="en-US" dirty="0"/>
           </a:p>
@@ -15829,7 +16111,7 @@
             <a:fld id="{05BB47F6-42F0-4CD8-AE47-7A1FD23F1227}" type="datetime1">
               <a:rPr lang="zh-CN" altLang="en-US" smtClean="0"/>
               <a:pPr/>
-              <a:t>2017/6/3</a:t>
+              <a:t>2017/6/5</a:t>
             </a:fld>
             <a:endParaRPr lang="zh-CN" altLang="en-US" sz="1800">
               <a:latin typeface="Arial" panose="020B0604020202020204" pitchFamily="34" charset="0"/>
@@ -15886,7 +16168,7 @@
         </p:blipFill>
         <p:spPr>
           <a:xfrm>
-            <a:off x="1835810" y="3933035"/>
+            <a:off x="1723040" y="3861030"/>
             <a:ext cx="5688395" cy="1701300"/>
           </a:xfrm>
           <a:prstGeom prst="rect">
@@ -15940,8 +16222,8 @@
           <a:lstStyle/>
           <a:p>
             <a:r>
-              <a:rPr lang="zh-CN" altLang="en-US" dirty="0"/>
-              <a:t>大纲</a:t>
+              <a:rPr lang="zh-CN" altLang="en-US" dirty="0" smtClean="0"/>
+              <a:t>研究动机</a:t>
             </a:r>
             <a:endParaRPr lang="zh-CN" altLang="en-US" dirty="0"/>
           </a:p>
@@ -15963,78 +16245,51 @@
           <a:lstStyle/>
           <a:p>
             <a:r>
-              <a:rPr lang="zh-CN" altLang="en-US" dirty="0" smtClean="0"/>
-              <a:t>研究问题</a:t>
+              <a:rPr lang="en-US" altLang="zh-CN" dirty="0" smtClean="0"/>
+              <a:t>CAT</a:t>
+            </a:r>
+            <a:r>
+              <a:rPr lang="zh-CN" altLang="en-US" dirty="0" smtClean="0"/>
+              <a:t>技术的应用目前局限于</a:t>
+            </a:r>
+            <a:r>
+              <a:rPr lang="en-US" altLang="zh-CN" dirty="0" err="1" smtClean="0"/>
+              <a:t>QoS</a:t>
             </a:r>
             <a:endParaRPr lang="en-US" altLang="zh-CN" dirty="0" smtClean="0"/>
           </a:p>
           <a:p>
             <a:r>
               <a:rPr lang="zh-CN" altLang="en-US" dirty="0" smtClean="0"/>
-              <a:t>相关研究</a:t>
+              <a:t>目前还没有一个可以在真实系统上运行的普适性缓存优化框架</a:t>
             </a:r>
             <a:endParaRPr lang="en-US" altLang="zh-CN" dirty="0" smtClean="0"/>
           </a:p>
           <a:p>
-            <a:r>
-              <a:rPr lang="en-US" altLang="zh-CN" dirty="0" smtClean="0">
-                <a:solidFill>
-                  <a:srgbClr val="FF0000"/>
-                </a:solidFill>
-              </a:rPr>
-              <a:t>CAPS</a:t>
-            </a:r>
-            <a:r>
-              <a:rPr lang="zh-CN" altLang="en-US" dirty="0" smtClean="0">
-                <a:solidFill>
-                  <a:srgbClr val="FF0000"/>
-                </a:solidFill>
-              </a:rPr>
-              <a:t>解决方案</a:t>
-            </a:r>
-            <a:endParaRPr lang="en-US" altLang="zh-CN" dirty="0" smtClean="0">
-              <a:solidFill>
-                <a:srgbClr val="FF0000"/>
-              </a:solidFill>
-            </a:endParaRPr>
-          </a:p>
-          <a:p>
-            <a:pPr lvl="1"/>
-            <a:r>
-              <a:rPr lang="zh-CN" altLang="en-US" dirty="0" smtClean="0"/>
-              <a:t>预测</a:t>
+            <a:endParaRPr lang="en-US" altLang="zh-CN" dirty="0"/>
+          </a:p>
+          <a:p>
+            <a:r>
+              <a:rPr lang="zh-CN" altLang="en-US" dirty="0" smtClean="0"/>
+              <a:t>是否可以借助</a:t>
+            </a:r>
+            <a:r>
+              <a:rPr lang="en-US" altLang="zh-CN" dirty="0" smtClean="0"/>
+              <a:t>CAT</a:t>
+            </a:r>
+            <a:r>
+              <a:rPr lang="zh-CN" altLang="en-US" dirty="0" smtClean="0"/>
+              <a:t>技术实现一个这样的框架？关键：突破</a:t>
+            </a:r>
+            <a:r>
+              <a:rPr lang="en-US" altLang="zh-CN" dirty="0" smtClean="0"/>
+              <a:t>CAT</a:t>
+            </a:r>
+            <a:r>
+              <a:rPr lang="zh-CN" altLang="en-US" dirty="0" smtClean="0"/>
+              <a:t>技术本身的限制</a:t>
             </a:r>
             <a:endParaRPr lang="en-US" altLang="zh-CN" dirty="0" smtClean="0"/>
-          </a:p>
-          <a:p>
-            <a:pPr lvl="1"/>
-            <a:r>
-              <a:rPr lang="zh-CN" altLang="en-US" dirty="0" smtClean="0"/>
-              <a:t>策略</a:t>
-            </a:r>
-            <a:endParaRPr lang="en-US" altLang="zh-CN" dirty="0" smtClean="0"/>
-          </a:p>
-          <a:p>
-            <a:pPr lvl="1"/>
-            <a:r>
-              <a:rPr lang="zh-CN" altLang="en-US" dirty="0" smtClean="0"/>
-              <a:t>执行</a:t>
-            </a:r>
-            <a:endParaRPr lang="en-US" altLang="zh-CN" dirty="0" smtClean="0"/>
-          </a:p>
-          <a:p>
-            <a:r>
-              <a:rPr lang="zh-CN" altLang="en-US" dirty="0" smtClean="0"/>
-              <a:t>实验评估</a:t>
-            </a:r>
-            <a:endParaRPr lang="en-US" altLang="zh-CN" dirty="0" smtClean="0"/>
-          </a:p>
-          <a:p>
-            <a:r>
-              <a:rPr lang="zh-CN" altLang="en-US" dirty="0" smtClean="0"/>
-              <a:t>总结与展望</a:t>
-            </a:r>
-            <a:endParaRPr lang="zh-CN" altLang="en-US" dirty="0"/>
           </a:p>
         </p:txBody>
       </p:sp>
@@ -16056,7 +16311,7 @@
             <a:fld id="{05BB47F6-42F0-4CD8-AE47-7A1FD23F1227}" type="datetime1">
               <a:rPr lang="zh-CN" altLang="en-US" smtClean="0"/>
               <a:pPr/>
-              <a:t>2017/6/3</a:t>
+              <a:t>2017/6/5</a:t>
             </a:fld>
             <a:endParaRPr lang="zh-CN" altLang="en-US" sz="1800">
               <a:latin typeface="Arial" panose="020B0604020202020204" pitchFamily="34" charset="0"/>
@@ -16094,7 +16349,7 @@
     </p:spTree>
     <p:extLst>
       <p:ext uri="{BB962C8B-B14F-4D97-AF65-F5344CB8AC3E}">
-        <p14:creationId xmlns:p14="http://schemas.microsoft.com/office/powerpoint/2010/main" val="3947229767"/>
+        <p14:creationId xmlns:p14="http://schemas.microsoft.com/office/powerpoint/2010/main" val="1426623723"/>
       </p:ext>
     </p:extLst>
   </p:cSld>
@@ -16137,82 +16392,100 @@
           <a:lstStyle/>
           <a:p>
             <a:r>
-              <a:rPr lang="zh-CN" altLang="en-US" dirty="0" smtClean="0"/>
-              <a:t>研究动机</a:t>
+              <a:rPr lang="zh-CN" altLang="en-US" dirty="0"/>
+              <a:t>大纲</a:t>
+            </a:r>
+          </a:p>
+        </p:txBody>
+      </p:sp>
+      <p:sp>
+        <p:nvSpPr>
+          <p:cNvPr id="3" name="内容占位符 2"/>
+          <p:cNvSpPr>
+            <a:spLocks noGrp="1"/>
+          </p:cNvSpPr>
+          <p:nvPr>
+            <p:ph idx="1"/>
+          </p:nvPr>
+        </p:nvSpPr>
+        <p:spPr/>
+        <p:txBody>
+          <a:bodyPr/>
+          <a:lstStyle/>
+          <a:p>
+            <a:r>
+              <a:rPr lang="zh-CN" altLang="en-US" dirty="0" smtClean="0"/>
+              <a:t>研究问题</a:t>
+            </a:r>
+            <a:endParaRPr lang="en-US" altLang="zh-CN" dirty="0" smtClean="0"/>
+          </a:p>
+          <a:p>
+            <a:r>
+              <a:rPr lang="zh-CN" altLang="en-US" dirty="0" smtClean="0"/>
+              <a:t>相关研究</a:t>
+            </a:r>
+            <a:endParaRPr lang="en-US" altLang="zh-CN" dirty="0" smtClean="0"/>
+          </a:p>
+          <a:p>
+            <a:r>
+              <a:rPr lang="en-US" altLang="zh-CN" dirty="0" smtClean="0">
+                <a:solidFill>
+                  <a:srgbClr val="FF0000"/>
+                </a:solidFill>
+              </a:rPr>
+              <a:t>CAPS</a:t>
+            </a:r>
+            <a:r>
+              <a:rPr lang="zh-CN" altLang="en-US" dirty="0" smtClean="0">
+                <a:solidFill>
+                  <a:srgbClr val="FF0000"/>
+                </a:solidFill>
+              </a:rPr>
+              <a:t>解决方案</a:t>
+            </a:r>
+            <a:endParaRPr lang="en-US" altLang="zh-CN" dirty="0" smtClean="0">
+              <a:solidFill>
+                <a:srgbClr val="FF0000"/>
+              </a:solidFill>
+            </a:endParaRPr>
+          </a:p>
+          <a:p>
+            <a:pPr lvl="1"/>
+            <a:r>
+              <a:rPr lang="zh-CN" altLang="en-US" dirty="0" smtClean="0"/>
+              <a:t>预测</a:t>
+            </a:r>
+            <a:endParaRPr lang="en-US" altLang="zh-CN" dirty="0" smtClean="0"/>
+          </a:p>
+          <a:p>
+            <a:pPr lvl="1"/>
+            <a:r>
+              <a:rPr lang="zh-CN" altLang="en-US" dirty="0"/>
+              <a:t>决策</a:t>
+            </a:r>
+            <a:endParaRPr lang="en-US" altLang="zh-CN" dirty="0" smtClean="0"/>
+          </a:p>
+          <a:p>
+            <a:pPr lvl="1"/>
+            <a:r>
+              <a:rPr lang="zh-CN" altLang="en-US" dirty="0" smtClean="0"/>
+              <a:t>执行</a:t>
+            </a:r>
+            <a:endParaRPr lang="en-US" altLang="zh-CN" dirty="0" smtClean="0"/>
+          </a:p>
+          <a:p>
+            <a:r>
+              <a:rPr lang="zh-CN" altLang="en-US" dirty="0" smtClean="0"/>
+              <a:t>实验评估</a:t>
+            </a:r>
+            <a:endParaRPr lang="en-US" altLang="zh-CN" dirty="0" smtClean="0"/>
+          </a:p>
+          <a:p>
+            <a:r>
+              <a:rPr lang="zh-CN" altLang="en-US" dirty="0" smtClean="0"/>
+              <a:t>总结与展望</a:t>
             </a:r>
             <a:endParaRPr lang="zh-CN" altLang="en-US" dirty="0"/>
-          </a:p>
-        </p:txBody>
-      </p:sp>
-      <p:sp>
-        <p:nvSpPr>
-          <p:cNvPr id="3" name="内容占位符 2"/>
-          <p:cNvSpPr>
-            <a:spLocks noGrp="1"/>
-          </p:cNvSpPr>
-          <p:nvPr>
-            <p:ph idx="1"/>
-          </p:nvPr>
-        </p:nvSpPr>
-        <p:spPr/>
-        <p:txBody>
-          <a:bodyPr/>
-          <a:lstStyle/>
-          <a:p>
-            <a:r>
-              <a:rPr lang="en-US" altLang="zh-CN" dirty="0" smtClean="0"/>
-              <a:t>CAT</a:t>
-            </a:r>
-            <a:r>
-              <a:rPr lang="zh-CN" altLang="en-US" dirty="0" smtClean="0"/>
-              <a:t>技术</a:t>
-            </a:r>
-            <a:r>
-              <a:rPr lang="zh-CN" altLang="en-US" dirty="0" smtClean="0"/>
-              <a:t>的应用目前局限</a:t>
-            </a:r>
-            <a:r>
-              <a:rPr lang="zh-CN" altLang="en-US" dirty="0" smtClean="0"/>
-              <a:t>于</a:t>
-            </a:r>
-            <a:r>
-              <a:rPr lang="en-US" altLang="zh-CN" dirty="0" err="1" smtClean="0"/>
-              <a:t>QoS</a:t>
-            </a:r>
-            <a:endParaRPr lang="en-US" altLang="zh-CN" dirty="0" smtClean="0"/>
-          </a:p>
-          <a:p>
-            <a:r>
-              <a:rPr lang="zh-CN" altLang="en-US" dirty="0" smtClean="0"/>
-              <a:t>目前还没有一个可以在真实系统上运行的普适性缓存优化框架</a:t>
-            </a:r>
-            <a:endParaRPr lang="en-US" altLang="zh-CN" dirty="0" smtClean="0"/>
-          </a:p>
-          <a:p>
-            <a:endParaRPr lang="en-US" altLang="zh-CN" dirty="0"/>
-          </a:p>
-          <a:p>
-            <a:r>
-              <a:rPr lang="zh-CN" altLang="en-US" dirty="0" smtClean="0"/>
-              <a:t>是否可以借助</a:t>
-            </a:r>
-            <a:r>
-              <a:rPr lang="en-US" altLang="zh-CN" dirty="0" smtClean="0"/>
-              <a:t>CAT</a:t>
-            </a:r>
-            <a:r>
-              <a:rPr lang="zh-CN" altLang="en-US" dirty="0" smtClean="0"/>
-              <a:t>技术实现一个这样的框架？关键：突破</a:t>
-            </a:r>
-            <a:r>
-              <a:rPr lang="en-US" altLang="zh-CN" dirty="0" smtClean="0"/>
-              <a:t>CAT</a:t>
-            </a:r>
-            <a:r>
-              <a:rPr lang="zh-CN" altLang="en-US" dirty="0" smtClean="0"/>
-              <a:t>技术本身的限制</a:t>
-            </a:r>
-            <a:endParaRPr lang="en-US" altLang="zh-CN" dirty="0" smtClean="0"/>
           </a:p>
         </p:txBody>
       </p:sp>
@@ -16234,7 +16507,7 @@
             <a:fld id="{05BB47F6-42F0-4CD8-AE47-7A1FD23F1227}" type="datetime1">
               <a:rPr lang="zh-CN" altLang="en-US" smtClean="0"/>
               <a:pPr/>
-              <a:t>2017/6/3</a:t>
+              <a:t>2017/6/5</a:t>
             </a:fld>
             <a:endParaRPr lang="zh-CN" altLang="en-US" sz="1800">
               <a:latin typeface="Arial" panose="020B0604020202020204" pitchFamily="34" charset="0"/>
@@ -16272,7 +16545,7 @@
     </p:spTree>
     <p:extLst>
       <p:ext uri="{BB962C8B-B14F-4D97-AF65-F5344CB8AC3E}">
-        <p14:creationId xmlns:p14="http://schemas.microsoft.com/office/powerpoint/2010/main" val="1426623723"/>
+        <p14:creationId xmlns:p14="http://schemas.microsoft.com/office/powerpoint/2010/main" val="3947229767"/>
       </p:ext>
     </p:extLst>
   </p:cSld>
@@ -16351,11 +16624,7 @@
             </a:r>
             <a:r>
               <a:rPr lang="zh-CN" altLang="en-US" dirty="0" smtClean="0"/>
-              <a:t>细化分配</a:t>
-            </a:r>
-            <a:r>
-              <a:rPr lang="zh-CN" altLang="en-US" dirty="0" smtClean="0"/>
-              <a:t>粒度</a:t>
+              <a:t>细化分配粒度</a:t>
             </a:r>
             <a:endParaRPr lang="en-US" altLang="zh-CN" dirty="0" smtClean="0"/>
           </a:p>
@@ -16382,7 +16651,7 @@
             <a:fld id="{05BB47F6-42F0-4CD8-AE47-7A1FD23F1227}" type="datetime1">
               <a:rPr lang="zh-CN" altLang="en-US" smtClean="0"/>
               <a:pPr/>
-              <a:t>2017/6/3</a:t>
+              <a:t>2017/6/5</a:t>
             </a:fld>
             <a:endParaRPr lang="zh-CN" altLang="en-US" sz="1800">
               <a:latin typeface="Arial" panose="020B0604020202020204" pitchFamily="34" charset="0"/>

--- a/黄子翚答辩.pptx
+++ b/黄子翚答辩.pptx
@@ -12,25 +12,25 @@
     <p:sldId id="256" r:id="rId3"/>
     <p:sldId id="779" r:id="rId4"/>
     <p:sldId id="759" r:id="rId5"/>
-    <p:sldId id="786" r:id="rId6"/>
+    <p:sldId id="799" r:id="rId6"/>
     <p:sldId id="760" r:id="rId7"/>
     <p:sldId id="761" r:id="rId8"/>
     <p:sldId id="764" r:id="rId9"/>
-    <p:sldId id="791" r:id="rId10"/>
+    <p:sldId id="800" r:id="rId10"/>
     <p:sldId id="763" r:id="rId11"/>
     <p:sldId id="762" r:id="rId12"/>
     <p:sldId id="780" r:id="rId13"/>
-    <p:sldId id="792" r:id="rId14"/>
+    <p:sldId id="798" r:id="rId14"/>
     <p:sldId id="765" r:id="rId15"/>
     <p:sldId id="781" r:id="rId16"/>
     <p:sldId id="766" r:id="rId17"/>
     <p:sldId id="767" r:id="rId18"/>
     <p:sldId id="768" r:id="rId19"/>
-    <p:sldId id="793" r:id="rId20"/>
+    <p:sldId id="801" r:id="rId20"/>
     <p:sldId id="769" r:id="rId21"/>
     <p:sldId id="797" r:id="rId22"/>
     <p:sldId id="770" r:id="rId23"/>
-    <p:sldId id="794" r:id="rId24"/>
+    <p:sldId id="802" r:id="rId24"/>
     <p:sldId id="785" r:id="rId25"/>
     <p:sldId id="795" r:id="rId26"/>
     <p:sldId id="772" r:id="rId27"/>
@@ -8825,7 +8825,7 @@
       </p:grpSpPr>
       <p:sp>
         <p:nvSpPr>
-          <p:cNvPr id="2" name="标题 1"/>
+          <p:cNvPr id="2" name="Title 1"/>
           <p:cNvSpPr>
             <a:spLocks noGrp="1"/>
           </p:cNvSpPr>
@@ -8837,42 +8837,6 @@
         <p:txBody>
           <a:bodyPr/>
           <a:lstStyle/>
-          <a:p>
-            <a:r>
-              <a:rPr lang="zh-CN" altLang="en-US" dirty="0"/>
-              <a:t>大纲</a:t>
-            </a:r>
-          </a:p>
-        </p:txBody>
-      </p:sp>
-      <p:sp>
-        <p:nvSpPr>
-          <p:cNvPr id="3" name="内容占位符 2"/>
-          <p:cNvSpPr>
-            <a:spLocks noGrp="1"/>
-          </p:cNvSpPr>
-          <p:nvPr>
-            <p:ph idx="1"/>
-          </p:nvPr>
-        </p:nvSpPr>
-        <p:spPr/>
-        <p:txBody>
-          <a:bodyPr/>
-          <a:lstStyle/>
-          <a:p>
-            <a:r>
-              <a:rPr lang="zh-CN" altLang="en-US" dirty="0" smtClean="0"/>
-              <a:t>研究问题</a:t>
-            </a:r>
-            <a:endParaRPr lang="en-US" altLang="zh-CN" dirty="0" smtClean="0"/>
-          </a:p>
-          <a:p>
-            <a:r>
-              <a:rPr lang="zh-CN" altLang="en-US" dirty="0" smtClean="0"/>
-              <a:t>相关研究</a:t>
-            </a:r>
-            <a:endParaRPr lang="en-US" altLang="zh-CN" dirty="0" smtClean="0"/>
-          </a:p>
           <a:p>
             <a:r>
               <a:rPr lang="en-US" altLang="zh-CN" dirty="0" smtClean="0"/>
@@ -8880,61 +8844,34 @@
             </a:r>
             <a:r>
               <a:rPr lang="zh-CN" altLang="en-US" dirty="0" smtClean="0"/>
-              <a:t>解决方案</a:t>
-            </a:r>
-            <a:endParaRPr lang="en-US" altLang="zh-CN" dirty="0" smtClean="0"/>
-          </a:p>
-          <a:p>
-            <a:pPr lvl="1"/>
-            <a:r>
-              <a:rPr lang="zh-CN" altLang="en-US" dirty="0" smtClean="0">
-                <a:solidFill>
-                  <a:srgbClr val="FF0000"/>
-                </a:solidFill>
-              </a:rPr>
-              <a:t>预测</a:t>
-            </a:r>
-            <a:endParaRPr lang="en-US" altLang="zh-CN" dirty="0" smtClean="0">
-              <a:solidFill>
-                <a:srgbClr val="FF0000"/>
-              </a:solidFill>
-            </a:endParaRPr>
-          </a:p>
-          <a:p>
-            <a:pPr lvl="1"/>
-            <a:r>
-              <a:rPr lang="zh-CN" altLang="en-US" dirty="0"/>
-              <a:t>决策</a:t>
-            </a:r>
-            <a:endParaRPr lang="en-US" altLang="zh-CN" dirty="0" smtClean="0"/>
-          </a:p>
-          <a:p>
-            <a:pPr lvl="1"/>
-            <a:r>
-              <a:rPr lang="zh-CN" altLang="en-US" dirty="0" smtClean="0"/>
-              <a:t>执行</a:t>
-            </a:r>
-            <a:endParaRPr lang="en-US" altLang="zh-CN" dirty="0" smtClean="0"/>
-          </a:p>
-          <a:p>
-            <a:r>
-              <a:rPr lang="zh-CN" altLang="en-US" dirty="0" smtClean="0"/>
-              <a:t>实验评估</a:t>
-            </a:r>
-            <a:endParaRPr lang="en-US" altLang="zh-CN" dirty="0" smtClean="0"/>
-          </a:p>
-          <a:p>
-            <a:r>
-              <a:rPr lang="zh-CN" altLang="en-US" dirty="0" smtClean="0"/>
-              <a:t>总结与展望</a:t>
-            </a:r>
-            <a:endParaRPr lang="zh-CN" altLang="en-US" dirty="0"/>
-          </a:p>
-        </p:txBody>
-      </p:sp>
-      <p:sp>
-        <p:nvSpPr>
-          <p:cNvPr id="4" name="日期占位符 3"/>
+              <a:t>架构</a:t>
+            </a:r>
+            <a:endParaRPr lang="en-US" dirty="0"/>
+          </a:p>
+        </p:txBody>
+      </p:sp>
+      <p:sp>
+        <p:nvSpPr>
+          <p:cNvPr id="3" name="Content Placeholder 2"/>
+          <p:cNvSpPr>
+            <a:spLocks noGrp="1"/>
+          </p:cNvSpPr>
+          <p:nvPr>
+            <p:ph idx="1"/>
+          </p:nvPr>
+        </p:nvSpPr>
+        <p:spPr/>
+        <p:txBody>
+          <a:bodyPr/>
+          <a:lstStyle/>
+          <a:p>
+            <a:endParaRPr lang="en-US" dirty="0"/>
+          </a:p>
+        </p:txBody>
+      </p:sp>
+      <p:sp>
+        <p:nvSpPr>
+          <p:cNvPr id="4" name="Date Placeholder 3"/>
           <p:cNvSpPr>
             <a:spLocks noGrp="1"/>
           </p:cNvSpPr>
@@ -8961,7 +8898,7 @@
       </p:sp>
       <p:sp>
         <p:nvSpPr>
-          <p:cNvPr id="5" name="页脚占位符 4"/>
+          <p:cNvPr id="5" name="Footer Placeholder 4"/>
           <p:cNvSpPr>
             <a:spLocks noGrp="1"/>
           </p:cNvSpPr>
@@ -8985,10 +8922,103 @@
           </a:p>
         </p:txBody>
       </p:sp>
+      <p:pic>
+        <p:nvPicPr>
+          <p:cNvPr id="6" name="图片 6"/>
+          <p:cNvPicPr>
+            <a:picLocks noChangeAspect="1"/>
+          </p:cNvPicPr>
+          <p:nvPr/>
+        </p:nvPicPr>
+        <p:blipFill>
+          <a:blip r:embed="rId2"/>
+          <a:stretch>
+            <a:fillRect/>
+          </a:stretch>
+        </p:blipFill>
+        <p:spPr>
+          <a:xfrm>
+            <a:off x="1905836" y="2282341"/>
+            <a:ext cx="5322804" cy="2592181"/>
+          </a:xfrm>
+          <a:prstGeom prst="rect">
+            <a:avLst/>
+          </a:prstGeom>
+        </p:spPr>
+      </p:pic>
+      <p:sp>
+        <p:nvSpPr>
+          <p:cNvPr id="7" name="Rectangle 6"/>
+          <p:cNvSpPr/>
+          <p:nvPr/>
+        </p:nvSpPr>
+        <p:spPr bwMode="auto">
+          <a:xfrm>
+            <a:off x="1763805" y="1988900"/>
+            <a:ext cx="2304160" cy="3240225"/>
+          </a:xfrm>
+          <a:prstGeom prst="rect">
+            <a:avLst/>
+          </a:prstGeom>
+          <a:solidFill>
+            <a:srgbClr val="FF0000">
+              <a:alpha val="18824"/>
+            </a:srgbClr>
+          </a:solidFill>
+          <a:ln w="38100" cap="flat" cmpd="sng" algn="ctr">
+            <a:solidFill>
+              <a:srgbClr val="C00000"/>
+            </a:solidFill>
+            <a:prstDash val="solid"/>
+            <a:round/>
+            <a:headEnd type="none" w="med" len="med"/>
+            <a:tailEnd type="none" w="med" len="med"/>
+          </a:ln>
+          <a:effectLst/>
+          <a:extLst/>
+        </p:spPr>
+        <p:txBody>
+          <a:bodyPr vert="horz" wrap="square" lIns="91440" tIns="45720" rIns="91440" bIns="45720" numCol="1" rtlCol="0" anchor="t" anchorCtr="0" compatLnSpc="1">
+            <a:prstTxWarp prst="textNoShape">
+              <a:avLst/>
+            </a:prstTxWarp>
+          </a:bodyPr>
+          <a:lstStyle/>
+          <a:p>
+            <a:pPr marL="0" marR="0" indent="0" algn="l" defTabSz="914400" rtl="0" eaLnBrk="0" fontAlgn="base" latinLnBrk="0" hangingPunct="0">
+              <a:lnSpc>
+                <a:spcPct val="100000"/>
+              </a:lnSpc>
+              <a:spcBef>
+                <a:spcPct val="0"/>
+              </a:spcBef>
+              <a:spcAft>
+                <a:spcPct val="0"/>
+              </a:spcAft>
+              <a:buClrTx/>
+              <a:buSzTx/>
+              <a:buFont typeface="Arial" panose="020B0604020202020204" pitchFamily="34" charset="0"/>
+              <a:buNone/>
+              <a:tabLst/>
+            </a:pPr>
+            <a:endParaRPr kumimoji="0" lang="en-US" sz="1600" b="1" i="0" u="none" strike="noStrike" cap="none" normalizeH="0" baseline="0" smtClean="0">
+              <a:ln>
+                <a:noFill/>
+              </a:ln>
+              <a:solidFill>
+                <a:schemeClr val="tx1"/>
+              </a:solidFill>
+              <a:effectLst/>
+              <a:latin typeface="Arial" panose="020B0604020202020204" pitchFamily="34" charset="0"/>
+              <a:ea typeface="宋体" panose="02010600030101010101" pitchFamily="2" charset="-122"/>
+            </a:endParaRPr>
+          </a:p>
+        </p:txBody>
+      </p:sp>
     </p:spTree>
     <p:extLst>
       <p:ext uri="{BB962C8B-B14F-4D97-AF65-F5344CB8AC3E}">
-        <p14:creationId xmlns:p14="http://schemas.microsoft.com/office/powerpoint/2010/main" val="4256729437"/>
+        <p14:creationId xmlns:p14="http://schemas.microsoft.com/office/powerpoint/2010/main" val="1667041079"/>
       </p:ext>
     </p:extLst>
   </p:cSld>
@@ -9238,11 +9268,7 @@
           <a:p>
             <a:r>
               <a:rPr lang="zh-CN" altLang="en-US" dirty="0" smtClean="0"/>
-              <a:t>解决预测</a:t>
-            </a:r>
-            <a:r>
-              <a:rPr lang="zh-CN" altLang="en-US" dirty="0" smtClean="0"/>
-              <a:t>问题的基本思路</a:t>
+              <a:t>解决预测问题的基本思路</a:t>
             </a:r>
             <a:endParaRPr lang="zh-CN" altLang="en-US" dirty="0"/>
           </a:p>
@@ -9494,7 +9520,6 @@
               <a:rPr lang="en-US" altLang="zh-CN" dirty="0" smtClean="0"/>
               <a:t>Occupancy</a:t>
             </a:r>
-            <a:endParaRPr lang="en-US" altLang="zh-CN" dirty="0" smtClean="0"/>
           </a:p>
           <a:p>
             <a:r>
@@ -10078,7 +10103,7 @@
       </p:grpSpPr>
       <p:sp>
         <p:nvSpPr>
-          <p:cNvPr id="2" name="标题 1"/>
+          <p:cNvPr id="2" name="Title 1"/>
           <p:cNvSpPr>
             <a:spLocks noGrp="1"/>
           </p:cNvSpPr>
@@ -10090,42 +10115,6 @@
         <p:txBody>
           <a:bodyPr/>
           <a:lstStyle/>
-          <a:p>
-            <a:r>
-              <a:rPr lang="zh-CN" altLang="en-US" dirty="0"/>
-              <a:t>大纲</a:t>
-            </a:r>
-          </a:p>
-        </p:txBody>
-      </p:sp>
-      <p:sp>
-        <p:nvSpPr>
-          <p:cNvPr id="3" name="内容占位符 2"/>
-          <p:cNvSpPr>
-            <a:spLocks noGrp="1"/>
-          </p:cNvSpPr>
-          <p:nvPr>
-            <p:ph idx="1"/>
-          </p:nvPr>
-        </p:nvSpPr>
-        <p:spPr/>
-        <p:txBody>
-          <a:bodyPr/>
-          <a:lstStyle/>
-          <a:p>
-            <a:r>
-              <a:rPr lang="zh-CN" altLang="en-US" dirty="0" smtClean="0"/>
-              <a:t>研究问题</a:t>
-            </a:r>
-            <a:endParaRPr lang="en-US" altLang="zh-CN" dirty="0" smtClean="0"/>
-          </a:p>
-          <a:p>
-            <a:r>
-              <a:rPr lang="zh-CN" altLang="en-US" dirty="0" smtClean="0"/>
-              <a:t>相关研究</a:t>
-            </a:r>
-            <a:endParaRPr lang="en-US" altLang="zh-CN" dirty="0" smtClean="0"/>
-          </a:p>
           <a:p>
             <a:r>
               <a:rPr lang="en-US" altLang="zh-CN" dirty="0" smtClean="0"/>
@@ -10133,61 +10122,34 @@
             </a:r>
             <a:r>
               <a:rPr lang="zh-CN" altLang="en-US" dirty="0" smtClean="0"/>
-              <a:t>解决方案</a:t>
-            </a:r>
-            <a:endParaRPr lang="en-US" altLang="zh-CN" dirty="0" smtClean="0"/>
-          </a:p>
-          <a:p>
-            <a:pPr lvl="1"/>
-            <a:r>
-              <a:rPr lang="zh-CN" altLang="en-US" dirty="0" smtClean="0"/>
-              <a:t>预测</a:t>
-            </a:r>
-            <a:endParaRPr lang="en-US" altLang="zh-CN" dirty="0" smtClean="0"/>
-          </a:p>
-          <a:p>
-            <a:pPr lvl="1"/>
-            <a:r>
-              <a:rPr lang="zh-CN" altLang="en-US" dirty="0">
-                <a:solidFill>
-                  <a:srgbClr val="FF0000"/>
-                </a:solidFill>
-              </a:rPr>
-              <a:t>决策</a:t>
-            </a:r>
-            <a:endParaRPr lang="en-US" altLang="zh-CN" dirty="0" smtClean="0">
-              <a:solidFill>
-                <a:srgbClr val="FF0000"/>
-              </a:solidFill>
-            </a:endParaRPr>
-          </a:p>
-          <a:p>
-            <a:pPr lvl="1"/>
-            <a:r>
-              <a:rPr lang="zh-CN" altLang="en-US" dirty="0" smtClean="0"/>
-              <a:t>执行</a:t>
-            </a:r>
-            <a:endParaRPr lang="en-US" altLang="zh-CN" dirty="0" smtClean="0"/>
-          </a:p>
-          <a:p>
-            <a:r>
-              <a:rPr lang="zh-CN" altLang="en-US" dirty="0" smtClean="0"/>
-              <a:t>实验评估</a:t>
-            </a:r>
-            <a:endParaRPr lang="en-US" altLang="zh-CN" dirty="0" smtClean="0"/>
-          </a:p>
-          <a:p>
-            <a:r>
-              <a:rPr lang="zh-CN" altLang="en-US" dirty="0" smtClean="0"/>
-              <a:t>总结与展望</a:t>
-            </a:r>
-            <a:endParaRPr lang="zh-CN" altLang="en-US" dirty="0"/>
-          </a:p>
-        </p:txBody>
-      </p:sp>
-      <p:sp>
-        <p:nvSpPr>
-          <p:cNvPr id="4" name="日期占位符 3"/>
+              <a:t>架构</a:t>
+            </a:r>
+            <a:endParaRPr lang="en-US" dirty="0"/>
+          </a:p>
+        </p:txBody>
+      </p:sp>
+      <p:sp>
+        <p:nvSpPr>
+          <p:cNvPr id="3" name="Content Placeholder 2"/>
+          <p:cNvSpPr>
+            <a:spLocks noGrp="1"/>
+          </p:cNvSpPr>
+          <p:nvPr>
+            <p:ph idx="1"/>
+          </p:nvPr>
+        </p:nvSpPr>
+        <p:spPr/>
+        <p:txBody>
+          <a:bodyPr/>
+          <a:lstStyle/>
+          <a:p>
+            <a:endParaRPr lang="en-US" dirty="0"/>
+          </a:p>
+        </p:txBody>
+      </p:sp>
+      <p:sp>
+        <p:nvSpPr>
+          <p:cNvPr id="4" name="Date Placeholder 3"/>
           <p:cNvSpPr>
             <a:spLocks noGrp="1"/>
           </p:cNvSpPr>
@@ -10214,7 +10176,7 @@
       </p:sp>
       <p:sp>
         <p:nvSpPr>
-          <p:cNvPr id="5" name="页脚占位符 4"/>
+          <p:cNvPr id="5" name="Footer Placeholder 4"/>
           <p:cNvSpPr>
             <a:spLocks noGrp="1"/>
           </p:cNvSpPr>
@@ -10238,10 +10200,103 @@
           </a:p>
         </p:txBody>
       </p:sp>
+      <p:pic>
+        <p:nvPicPr>
+          <p:cNvPr id="6" name="图片 6"/>
+          <p:cNvPicPr>
+            <a:picLocks noChangeAspect="1"/>
+          </p:cNvPicPr>
+          <p:nvPr/>
+        </p:nvPicPr>
+        <p:blipFill>
+          <a:blip r:embed="rId2"/>
+          <a:stretch>
+            <a:fillRect/>
+          </a:stretch>
+        </p:blipFill>
+        <p:spPr>
+          <a:xfrm>
+            <a:off x="1905836" y="2282341"/>
+            <a:ext cx="5322804" cy="2592181"/>
+          </a:xfrm>
+          <a:prstGeom prst="rect">
+            <a:avLst/>
+          </a:prstGeom>
+        </p:spPr>
+      </p:pic>
+      <p:sp>
+        <p:nvSpPr>
+          <p:cNvPr id="7" name="Rectangle 6"/>
+          <p:cNvSpPr/>
+          <p:nvPr/>
+        </p:nvSpPr>
+        <p:spPr bwMode="auto">
+          <a:xfrm>
+            <a:off x="5148041" y="2197768"/>
+            <a:ext cx="2167160" cy="1026696"/>
+          </a:xfrm>
+          <a:prstGeom prst="rect">
+            <a:avLst/>
+          </a:prstGeom>
+          <a:solidFill>
+            <a:srgbClr val="FF0000">
+              <a:alpha val="18824"/>
+            </a:srgbClr>
+          </a:solidFill>
+          <a:ln w="38100" cap="flat" cmpd="sng" algn="ctr">
+            <a:solidFill>
+              <a:srgbClr val="C00000"/>
+            </a:solidFill>
+            <a:prstDash val="solid"/>
+            <a:round/>
+            <a:headEnd type="none" w="med" len="med"/>
+            <a:tailEnd type="none" w="med" len="med"/>
+          </a:ln>
+          <a:effectLst/>
+          <a:extLst/>
+        </p:spPr>
+        <p:txBody>
+          <a:bodyPr vert="horz" wrap="square" lIns="91440" tIns="45720" rIns="91440" bIns="45720" numCol="1" rtlCol="0" anchor="t" anchorCtr="0" compatLnSpc="1">
+            <a:prstTxWarp prst="textNoShape">
+              <a:avLst/>
+            </a:prstTxWarp>
+          </a:bodyPr>
+          <a:lstStyle/>
+          <a:p>
+            <a:pPr marL="0" marR="0" indent="0" algn="l" defTabSz="914400" rtl="0" eaLnBrk="0" fontAlgn="base" latinLnBrk="0" hangingPunct="0">
+              <a:lnSpc>
+                <a:spcPct val="100000"/>
+              </a:lnSpc>
+              <a:spcBef>
+                <a:spcPct val="0"/>
+              </a:spcBef>
+              <a:spcAft>
+                <a:spcPct val="0"/>
+              </a:spcAft>
+              <a:buClrTx/>
+              <a:buSzTx/>
+              <a:buFont typeface="Arial" panose="020B0604020202020204" pitchFamily="34" charset="0"/>
+              <a:buNone/>
+              <a:tabLst/>
+            </a:pPr>
+            <a:endParaRPr kumimoji="0" lang="en-US" sz="1600" b="1" i="0" u="none" strike="noStrike" cap="none" normalizeH="0" baseline="0" smtClean="0">
+              <a:ln>
+                <a:noFill/>
+              </a:ln>
+              <a:solidFill>
+                <a:schemeClr val="tx1"/>
+              </a:solidFill>
+              <a:effectLst/>
+              <a:latin typeface="Arial" panose="020B0604020202020204" pitchFamily="34" charset="0"/>
+              <a:ea typeface="宋体" panose="02010600030101010101" pitchFamily="2" charset="-122"/>
+            </a:endParaRPr>
+          </a:p>
+        </p:txBody>
+      </p:sp>
     </p:spTree>
     <p:extLst>
       <p:ext uri="{BB962C8B-B14F-4D97-AF65-F5344CB8AC3E}">
-        <p14:creationId xmlns:p14="http://schemas.microsoft.com/office/powerpoint/2010/main" val="2544293027"/>
+        <p14:creationId xmlns:p14="http://schemas.microsoft.com/office/powerpoint/2010/main" val="51746366"/>
       </p:ext>
     </p:extLst>
   </p:cSld>
@@ -10638,43 +10693,34 @@
           </a:p>
           <a:p>
             <a:r>
+              <a:rPr lang="zh-CN" altLang="en-US" dirty="0" smtClean="0"/>
+              <a:t>基于部分共享的缓存分配优化框架（</a:t>
+            </a:r>
+            <a:r>
               <a:rPr lang="en-US" altLang="zh-CN" dirty="0" smtClean="0"/>
               <a:t>CAPS</a:t>
             </a:r>
             <a:r>
               <a:rPr lang="zh-CN" altLang="en-US" dirty="0" smtClean="0"/>
-              <a:t>解决方案</a:t>
-            </a:r>
-            <a:endParaRPr lang="en-US" altLang="zh-CN" dirty="0" smtClean="0"/>
-          </a:p>
-          <a:p>
-            <a:pPr lvl="1"/>
-            <a:r>
-              <a:rPr lang="zh-CN" altLang="en-US" dirty="0" smtClean="0"/>
-              <a:t>预测</a:t>
-            </a:r>
-            <a:endParaRPr lang="en-US" altLang="zh-CN" dirty="0" smtClean="0"/>
-          </a:p>
-          <a:p>
-            <a:pPr lvl="1"/>
-            <a:r>
-              <a:rPr lang="zh-CN" altLang="en-US" dirty="0" smtClean="0"/>
-              <a:t>决策</a:t>
-            </a:r>
-            <a:endParaRPr lang="en-US" altLang="zh-CN" dirty="0" smtClean="0"/>
-          </a:p>
-          <a:p>
-            <a:pPr lvl="1"/>
-            <a:r>
-              <a:rPr lang="zh-CN" altLang="en-US" dirty="0" smtClean="0"/>
-              <a:t>执行</a:t>
-            </a:r>
-            <a:endParaRPr lang="en-US" altLang="zh-CN" dirty="0" smtClean="0"/>
+              <a:t>）</a:t>
+            </a:r>
+            <a:endParaRPr lang="en-US" altLang="zh-CN" dirty="0"/>
           </a:p>
           <a:p>
             <a:r>
               <a:rPr lang="zh-CN" altLang="en-US" dirty="0" smtClean="0"/>
               <a:t>实验评估</a:t>
+            </a:r>
+            <a:endParaRPr lang="en-US" altLang="zh-CN" dirty="0" smtClean="0"/>
+          </a:p>
+          <a:p>
+            <a:r>
+              <a:rPr lang="zh-CN" altLang="en-US" dirty="0"/>
+              <a:t>总结与</a:t>
+            </a:r>
+            <a:r>
+              <a:rPr lang="zh-CN" altLang="en-US" dirty="0" smtClean="0"/>
+              <a:t>展望</a:t>
             </a:r>
             <a:endParaRPr lang="zh-CN" altLang="en-US" dirty="0"/>
           </a:p>
@@ -10786,8 +10832,8 @@
           </a:p>
         </p:txBody>
       </p:sp>
-      <mc:AlternateContent xmlns:mc="http://schemas.openxmlformats.org/markup-compatibility/2006">
-        <mc:Choice xmlns:a14="http://schemas.microsoft.com/office/drawing/2010/main" Requires="a14">
+      <mc:AlternateContent xmlns:mc="http://schemas.openxmlformats.org/markup-compatibility/2006" xmlns:a14="http://schemas.microsoft.com/office/drawing/2010/main">
+        <mc:Choice Requires="a14">
           <p:sp>
             <p:nvSpPr>
               <p:cNvPr id="3" name="内容占位符 2"/>
@@ -10868,7 +10914,7 @@
                       <m:sSupPr>
                         <m:ctrlPr>
                           <a:rPr lang="en-US" altLang="zh-CN" b="0" i="1" smtClean="0">
-                            <a:latin typeface="Cambria Math" panose="02040503050406030204" pitchFamily="18" charset="0"/>
+                            <a:latin typeface="Cambria Math" charset="0"/>
                           </a:rPr>
                         </m:ctrlPr>
                       </m:sSupPr>
@@ -10932,7 +10978,7 @@
             </p:txBody>
           </p:sp>
         </mc:Choice>
-        <mc:Fallback>
+        <mc:Fallback xmlns="">
           <p:sp>
             <p:nvSpPr>
               <p:cNvPr id="3" name="内容占位符 2"/>
@@ -11204,7 +11250,7 @@
       </p:grpSpPr>
       <p:sp>
         <p:nvSpPr>
-          <p:cNvPr id="2" name="标题 1"/>
+          <p:cNvPr id="2" name="Title 1"/>
           <p:cNvSpPr>
             <a:spLocks noGrp="1"/>
           </p:cNvSpPr>
@@ -11216,42 +11262,6 @@
         <p:txBody>
           <a:bodyPr/>
           <a:lstStyle/>
-          <a:p>
-            <a:r>
-              <a:rPr lang="zh-CN" altLang="en-US" dirty="0"/>
-              <a:t>大纲</a:t>
-            </a:r>
-          </a:p>
-        </p:txBody>
-      </p:sp>
-      <p:sp>
-        <p:nvSpPr>
-          <p:cNvPr id="3" name="内容占位符 2"/>
-          <p:cNvSpPr>
-            <a:spLocks noGrp="1"/>
-          </p:cNvSpPr>
-          <p:nvPr>
-            <p:ph idx="1"/>
-          </p:nvPr>
-        </p:nvSpPr>
-        <p:spPr/>
-        <p:txBody>
-          <a:bodyPr/>
-          <a:lstStyle/>
-          <a:p>
-            <a:r>
-              <a:rPr lang="zh-CN" altLang="en-US" dirty="0" smtClean="0"/>
-              <a:t>研究问题</a:t>
-            </a:r>
-            <a:endParaRPr lang="en-US" altLang="zh-CN" dirty="0" smtClean="0"/>
-          </a:p>
-          <a:p>
-            <a:r>
-              <a:rPr lang="zh-CN" altLang="en-US" dirty="0" smtClean="0"/>
-              <a:t>相关研究</a:t>
-            </a:r>
-            <a:endParaRPr lang="en-US" altLang="zh-CN" dirty="0" smtClean="0"/>
-          </a:p>
           <a:p>
             <a:r>
               <a:rPr lang="en-US" altLang="zh-CN" dirty="0" smtClean="0"/>
@@ -11259,61 +11269,34 @@
             </a:r>
             <a:r>
               <a:rPr lang="zh-CN" altLang="en-US" dirty="0" smtClean="0"/>
-              <a:t>解决方案</a:t>
-            </a:r>
-            <a:endParaRPr lang="en-US" altLang="zh-CN" dirty="0" smtClean="0"/>
-          </a:p>
-          <a:p>
-            <a:pPr lvl="1"/>
-            <a:r>
-              <a:rPr lang="zh-CN" altLang="en-US" dirty="0" smtClean="0"/>
-              <a:t>预测</a:t>
-            </a:r>
-            <a:endParaRPr lang="en-US" altLang="zh-CN" dirty="0" smtClean="0"/>
-          </a:p>
-          <a:p>
-            <a:pPr lvl="1"/>
-            <a:r>
-              <a:rPr lang="zh-CN" altLang="en-US" dirty="0"/>
-              <a:t>决策</a:t>
-            </a:r>
-            <a:endParaRPr lang="en-US" altLang="zh-CN" dirty="0" smtClean="0"/>
-          </a:p>
-          <a:p>
-            <a:pPr lvl="1"/>
-            <a:r>
-              <a:rPr lang="zh-CN" altLang="en-US" dirty="0" smtClean="0">
-                <a:solidFill>
-                  <a:srgbClr val="FF0000"/>
-                </a:solidFill>
-              </a:rPr>
-              <a:t>执行</a:t>
-            </a:r>
-            <a:endParaRPr lang="en-US" altLang="zh-CN" dirty="0" smtClean="0">
-              <a:solidFill>
-                <a:srgbClr val="FF0000"/>
-              </a:solidFill>
-            </a:endParaRPr>
-          </a:p>
-          <a:p>
-            <a:r>
-              <a:rPr lang="zh-CN" altLang="en-US" dirty="0" smtClean="0"/>
-              <a:t>实验评估</a:t>
-            </a:r>
-            <a:endParaRPr lang="en-US" altLang="zh-CN" dirty="0" smtClean="0"/>
-          </a:p>
-          <a:p>
-            <a:r>
-              <a:rPr lang="zh-CN" altLang="en-US" dirty="0" smtClean="0"/>
-              <a:t>总结与展望</a:t>
-            </a:r>
-            <a:endParaRPr lang="zh-CN" altLang="en-US" dirty="0"/>
-          </a:p>
-        </p:txBody>
-      </p:sp>
-      <p:sp>
-        <p:nvSpPr>
-          <p:cNvPr id="4" name="日期占位符 3"/>
+              <a:t>架构</a:t>
+            </a:r>
+            <a:endParaRPr lang="en-US" dirty="0"/>
+          </a:p>
+        </p:txBody>
+      </p:sp>
+      <p:sp>
+        <p:nvSpPr>
+          <p:cNvPr id="3" name="Content Placeholder 2"/>
+          <p:cNvSpPr>
+            <a:spLocks noGrp="1"/>
+          </p:cNvSpPr>
+          <p:nvPr>
+            <p:ph idx="1"/>
+          </p:nvPr>
+        </p:nvSpPr>
+        <p:spPr/>
+        <p:txBody>
+          <a:bodyPr/>
+          <a:lstStyle/>
+          <a:p>
+            <a:endParaRPr lang="en-US" dirty="0"/>
+          </a:p>
+        </p:txBody>
+      </p:sp>
+      <p:sp>
+        <p:nvSpPr>
+          <p:cNvPr id="4" name="Date Placeholder 3"/>
           <p:cNvSpPr>
             <a:spLocks noGrp="1"/>
           </p:cNvSpPr>
@@ -11340,7 +11323,7 @@
       </p:sp>
       <p:sp>
         <p:nvSpPr>
-          <p:cNvPr id="5" name="页脚占位符 4"/>
+          <p:cNvPr id="5" name="Footer Placeholder 4"/>
           <p:cNvSpPr>
             <a:spLocks noGrp="1"/>
           </p:cNvSpPr>
@@ -11364,10 +11347,103 @@
           </a:p>
         </p:txBody>
       </p:sp>
+      <p:pic>
+        <p:nvPicPr>
+          <p:cNvPr id="6" name="图片 6"/>
+          <p:cNvPicPr>
+            <a:picLocks noChangeAspect="1"/>
+          </p:cNvPicPr>
+          <p:nvPr/>
+        </p:nvPicPr>
+        <p:blipFill>
+          <a:blip r:embed="rId2"/>
+          <a:stretch>
+            <a:fillRect/>
+          </a:stretch>
+        </p:blipFill>
+        <p:spPr>
+          <a:xfrm>
+            <a:off x="1905836" y="2282341"/>
+            <a:ext cx="5322804" cy="2592181"/>
+          </a:xfrm>
+          <a:prstGeom prst="rect">
+            <a:avLst/>
+          </a:prstGeom>
+        </p:spPr>
+      </p:pic>
+      <p:sp>
+        <p:nvSpPr>
+          <p:cNvPr id="7" name="Rectangle 6"/>
+          <p:cNvSpPr/>
+          <p:nvPr/>
+        </p:nvSpPr>
+        <p:spPr bwMode="auto">
+          <a:xfrm>
+            <a:off x="5148040" y="3945217"/>
+            <a:ext cx="2167160" cy="1026696"/>
+          </a:xfrm>
+          <a:prstGeom prst="rect">
+            <a:avLst/>
+          </a:prstGeom>
+          <a:solidFill>
+            <a:srgbClr val="FF0000">
+              <a:alpha val="18824"/>
+            </a:srgbClr>
+          </a:solidFill>
+          <a:ln w="38100" cap="flat" cmpd="sng" algn="ctr">
+            <a:solidFill>
+              <a:srgbClr val="C00000"/>
+            </a:solidFill>
+            <a:prstDash val="solid"/>
+            <a:round/>
+            <a:headEnd type="none" w="med" len="med"/>
+            <a:tailEnd type="none" w="med" len="med"/>
+          </a:ln>
+          <a:effectLst/>
+          <a:extLst/>
+        </p:spPr>
+        <p:txBody>
+          <a:bodyPr vert="horz" wrap="square" lIns="91440" tIns="45720" rIns="91440" bIns="45720" numCol="1" rtlCol="0" anchor="t" anchorCtr="0" compatLnSpc="1">
+            <a:prstTxWarp prst="textNoShape">
+              <a:avLst/>
+            </a:prstTxWarp>
+          </a:bodyPr>
+          <a:lstStyle/>
+          <a:p>
+            <a:pPr marL="0" marR="0" indent="0" algn="l" defTabSz="914400" rtl="0" eaLnBrk="0" fontAlgn="base" latinLnBrk="0" hangingPunct="0">
+              <a:lnSpc>
+                <a:spcPct val="100000"/>
+              </a:lnSpc>
+              <a:spcBef>
+                <a:spcPct val="0"/>
+              </a:spcBef>
+              <a:spcAft>
+                <a:spcPct val="0"/>
+              </a:spcAft>
+              <a:buClrTx/>
+              <a:buSzTx/>
+              <a:buFont typeface="Arial" panose="020B0604020202020204" pitchFamily="34" charset="0"/>
+              <a:buNone/>
+              <a:tabLst/>
+            </a:pPr>
+            <a:endParaRPr kumimoji="0" lang="en-US" sz="1600" b="1" i="0" u="none" strike="noStrike" cap="none" normalizeH="0" baseline="0" smtClean="0">
+              <a:ln>
+                <a:noFill/>
+              </a:ln>
+              <a:solidFill>
+                <a:schemeClr val="tx1"/>
+              </a:solidFill>
+              <a:effectLst/>
+              <a:latin typeface="Arial" panose="020B0604020202020204" pitchFamily="34" charset="0"/>
+              <a:ea typeface="宋体" panose="02010600030101010101" pitchFamily="2" charset="-122"/>
+            </a:endParaRPr>
+          </a:p>
+        </p:txBody>
+      </p:sp>
     </p:spTree>
     <p:extLst>
       <p:ext uri="{BB962C8B-B14F-4D97-AF65-F5344CB8AC3E}">
-        <p14:creationId xmlns:p14="http://schemas.microsoft.com/office/powerpoint/2010/main" val="1289340655"/>
+        <p14:creationId xmlns:p14="http://schemas.microsoft.com/office/powerpoint/2010/main" val="181991665"/>
       </p:ext>
     </p:extLst>
   </p:cSld>
@@ -13856,31 +13932,7 @@
           <a:p>
             <a:r>
               <a:rPr lang="zh-CN" altLang="en-US" dirty="0" smtClean="0"/>
-              <a:t>随着越来越多的核被加入单个</a:t>
-            </a:r>
-            <a:r>
-              <a:rPr lang="zh-CN" altLang="en-US" dirty="0" smtClean="0"/>
-              <a:t>处理器</a:t>
-            </a:r>
-            <a:r>
-              <a:rPr lang="zh-CN" altLang="en-US" dirty="0" smtClean="0"/>
-              <a:t>中</a:t>
-            </a:r>
-            <a:r>
-              <a:rPr lang="zh-CN" altLang="en-US" dirty="0" smtClean="0"/>
-              <a:t>，存储的瓶颈问题日益突出，共享缓存的竞争</a:t>
-            </a:r>
-            <a:r>
-              <a:rPr lang="zh-CN" altLang="en-US" dirty="0" smtClean="0"/>
-              <a:t>会</a:t>
-            </a:r>
-            <a:r>
-              <a:rPr lang="zh-CN" altLang="en-US" dirty="0" smtClean="0"/>
-              <a:t>引起严重的性能</a:t>
-            </a:r>
-            <a:r>
-              <a:rPr lang="zh-CN" altLang="en-US" dirty="0" smtClean="0"/>
-              <a:t>下降</a:t>
+              <a:t>随着越来越多的核被加入单个处理器中，存储的瓶颈问题日益突出，共享缓存的竞争会引起严重的性能下降</a:t>
             </a:r>
             <a:endParaRPr lang="en-US" altLang="zh-CN" dirty="0" smtClean="0"/>
           </a:p>
@@ -15261,17 +15313,12 @@
             </a:r>
             <a:r>
               <a:rPr lang="zh-CN" altLang="en-US" dirty="0" smtClean="0"/>
-              <a:t>一个纯软件的缓存</a:t>
-            </a:r>
-            <a:r>
-              <a:rPr lang="zh-CN" altLang="en-US" dirty="0" smtClean="0"/>
-              <a:t>优化框架</a:t>
+              <a:t>一个纯软件的缓存优化框架</a:t>
             </a:r>
             <a:r>
               <a:rPr lang="en-US" altLang="zh-CN" dirty="0" smtClean="0"/>
               <a:t>CAPS</a:t>
             </a:r>
-            <a:endParaRPr lang="en-US" altLang="zh-CN" dirty="0" smtClean="0"/>
           </a:p>
           <a:p>
             <a:pPr lvl="1"/>
@@ -15333,11 +15380,7 @@
           <a:p>
             <a:r>
               <a:rPr lang="zh-CN" altLang="en-US" dirty="0" smtClean="0"/>
-              <a:t>目前</a:t>
-            </a:r>
-            <a:r>
-              <a:rPr lang="zh-CN" altLang="en-US" dirty="0" smtClean="0"/>
-              <a:t>离线生成一个优化方案大约需要</a:t>
+              <a:t>目前离线生成一个优化方案大约需要</a:t>
             </a:r>
             <a:r>
               <a:rPr lang="en-US" altLang="zh-CN" dirty="0" smtClean="0"/>
@@ -15619,38 +15662,18 @@
           </a:p>
           <a:p>
             <a:r>
+              <a:rPr lang="zh-CN" altLang="en-US" dirty="0" smtClean="0"/>
+              <a:t>基于部分共享的缓存分配优化框架（</a:t>
+            </a:r>
+            <a:r>
               <a:rPr lang="en-US" altLang="zh-CN" dirty="0" smtClean="0"/>
               <a:t>CAPS</a:t>
             </a:r>
             <a:r>
               <a:rPr lang="zh-CN" altLang="en-US" dirty="0" smtClean="0"/>
-              <a:t>解决方案</a:t>
-            </a:r>
-            <a:endParaRPr lang="en-US" altLang="zh-CN" dirty="0" smtClean="0"/>
-          </a:p>
-          <a:p>
-            <a:pPr lvl="1"/>
-            <a:r>
-              <a:rPr lang="zh-CN" altLang="en-US" dirty="0" smtClean="0"/>
-              <a:t>预测</a:t>
-            </a:r>
-            <a:endParaRPr lang="en-US" altLang="zh-CN" dirty="0" smtClean="0"/>
-          </a:p>
-          <a:p>
-            <a:pPr lvl="1"/>
-            <a:r>
-              <a:rPr lang="zh-CN" altLang="en-US" dirty="0" smtClean="0"/>
-              <a:t>决策</a:t>
-            </a:r>
-            <a:endParaRPr lang="en-US" altLang="zh-CN" dirty="0" smtClean="0"/>
-          </a:p>
-          <a:p>
-            <a:pPr lvl="1"/>
-            <a:r>
-              <a:rPr lang="zh-CN" altLang="en-US" dirty="0" smtClean="0"/>
-              <a:t>执行</a:t>
-            </a:r>
-            <a:endParaRPr lang="en-US" altLang="zh-CN" dirty="0" smtClean="0"/>
+              <a:t>）</a:t>
+            </a:r>
+            <a:endParaRPr lang="en-US" altLang="zh-CN" dirty="0"/>
           </a:p>
           <a:p>
             <a:r>
@@ -15661,8 +15684,12 @@
           </a:p>
           <a:p>
             <a:r>
+              <a:rPr lang="zh-CN" altLang="en-US" dirty="0"/>
+              <a:t>总结与</a:t>
+            </a:r>
+            <a:r>
               <a:rPr lang="zh-CN" altLang="en-US" dirty="0" smtClean="0"/>
-              <a:t>总结与展望</a:t>
+              <a:t>展望</a:t>
             </a:r>
             <a:endParaRPr lang="zh-CN" altLang="en-US" dirty="0"/>
           </a:p>
@@ -15724,7 +15751,7 @@
     </p:spTree>
     <p:extLst>
       <p:ext uri="{BB962C8B-B14F-4D97-AF65-F5344CB8AC3E}">
-        <p14:creationId xmlns:p14="http://schemas.microsoft.com/office/powerpoint/2010/main" val="953900883"/>
+        <p14:creationId xmlns:p14="http://schemas.microsoft.com/office/powerpoint/2010/main" val="931723559"/>
       </p:ext>
     </p:extLst>
   </p:cSld>
@@ -15803,11 +15830,7 @@
             </a:r>
             <a:r>
               <a:rPr lang="zh-CN" altLang="en-US" dirty="0" smtClean="0"/>
-              <a:t>可以有效改善系统整体性</a:t>
-            </a:r>
-            <a:r>
-              <a:rPr lang="zh-CN" altLang="en-US" dirty="0" smtClean="0"/>
-              <a:t>能</a:t>
+              <a:t>可以有效改善系统整体性能</a:t>
             </a:r>
             <a:endParaRPr lang="en-US" altLang="zh-CN" dirty="0" smtClean="0"/>
           </a:p>
@@ -15852,15 +15875,7 @@
             <a:pPr lvl="1"/>
             <a:r>
               <a:rPr lang="zh-CN" altLang="en-US" dirty="0" smtClean="0"/>
-              <a:t>不需要修改硬件</a:t>
-            </a:r>
-            <a:r>
-              <a:rPr lang="zh-CN" altLang="en-US" dirty="0" smtClean="0"/>
-              <a:t>，曾经可</a:t>
-            </a:r>
-            <a:r>
-              <a:rPr lang="zh-CN" altLang="en-US" dirty="0" smtClean="0"/>
-              <a:t>在真实系统上实现</a:t>
+              <a:t>不需要修改硬件，曾经可在真实系统上实现</a:t>
             </a:r>
             <a:endParaRPr lang="en-US" altLang="zh-CN" dirty="0" smtClean="0"/>
           </a:p>
@@ -16019,19 +16034,7 @@
           <a:p>
             <a:r>
               <a:rPr lang="zh-CN" altLang="en-US" dirty="0" smtClean="0"/>
-              <a:t>首次商用处理器上</a:t>
-            </a:r>
-            <a:r>
-              <a:rPr lang="zh-CN" altLang="en-US" dirty="0" smtClean="0"/>
-              <a:t>实现了缓存</a:t>
-            </a:r>
-            <a:r>
-              <a:rPr lang="zh-CN" altLang="en-US" dirty="0" smtClean="0"/>
-              <a:t>分配</a:t>
-            </a:r>
-            <a:r>
-              <a:rPr lang="zh-CN" altLang="en-US" dirty="0" smtClean="0"/>
-              <a:t>技术</a:t>
+              <a:t>首次商用处理器上实现了缓存分配技术</a:t>
             </a:r>
             <a:endParaRPr lang="en-US" altLang="zh-CN" dirty="0" smtClean="0"/>
           </a:p>
@@ -16083,11 +16086,7 @@
             <a:pPr lvl="1"/>
             <a:r>
               <a:rPr lang="zh-CN" altLang="en-US" dirty="0" smtClean="0"/>
-              <a:t>可</a:t>
-            </a:r>
-            <a:r>
-              <a:rPr lang="zh-CN" altLang="en-US" dirty="0" smtClean="0"/>
-              <a:t>分配路数较少</a:t>
+              <a:t>可分配路数较少</a:t>
             </a:r>
             <a:endParaRPr lang="zh-CN" altLang="en-US" dirty="0"/>
           </a:p>
@@ -16428,6 +16427,14 @@
           </a:p>
           <a:p>
             <a:r>
+              <a:rPr lang="zh-CN" altLang="en-US" dirty="0" smtClean="0">
+                <a:solidFill>
+                  <a:srgbClr val="FF0000"/>
+                </a:solidFill>
+              </a:rPr>
+              <a:t>基于部分共享的缓存分配优化框架（</a:t>
+            </a:r>
+            <a:r>
               <a:rPr lang="en-US" altLang="zh-CN" dirty="0" smtClean="0">
                 <a:solidFill>
                   <a:srgbClr val="FF0000"/>
@@ -16441,39 +16448,15 @@
                   <a:srgbClr val="FF0000"/>
                 </a:solidFill>
               </a:rPr>
-              <a:t>解决方案</a:t>
-            </a:r>
-            <a:endParaRPr lang="en-US" altLang="zh-CN" dirty="0" smtClean="0">
+              <a:t>）</a:t>
+            </a:r>
+            <a:endParaRPr lang="en-US" altLang="zh-CN" dirty="0">
               <a:solidFill>
                 <a:srgbClr val="FF0000"/>
               </a:solidFill>
             </a:endParaRPr>
           </a:p>
           <a:p>
-            <a:pPr lvl="1"/>
-            <a:r>
-              <a:rPr lang="zh-CN" altLang="en-US" dirty="0" smtClean="0"/>
-              <a:t>预测</a:t>
-            </a:r>
-            <a:endParaRPr lang="en-US" altLang="zh-CN" dirty="0" smtClean="0"/>
-          </a:p>
-          <a:p>
-            <a:pPr lvl="1"/>
-            <a:r>
-              <a:rPr lang="zh-CN" altLang="en-US" dirty="0"/>
-              <a:t>决策</a:t>
-            </a:r>
-            <a:endParaRPr lang="en-US" altLang="zh-CN" dirty="0" smtClean="0"/>
-          </a:p>
-          <a:p>
-            <a:pPr lvl="1"/>
-            <a:r>
-              <a:rPr lang="zh-CN" altLang="en-US" dirty="0" smtClean="0"/>
-              <a:t>执行</a:t>
-            </a:r>
-            <a:endParaRPr lang="en-US" altLang="zh-CN" dirty="0" smtClean="0"/>
-          </a:p>
-          <a:p>
             <a:r>
               <a:rPr lang="zh-CN" altLang="en-US" dirty="0" smtClean="0"/>
               <a:t>实验评估</a:t>
@@ -16482,8 +16465,12 @@
           </a:p>
           <a:p>
             <a:r>
+              <a:rPr lang="zh-CN" altLang="en-US" dirty="0"/>
+              <a:t>总结与</a:t>
+            </a:r>
+            <a:r>
               <a:rPr lang="zh-CN" altLang="en-US" dirty="0" smtClean="0"/>
-              <a:t>总结与展望</a:t>
+              <a:t>展望</a:t>
             </a:r>
             <a:endParaRPr lang="zh-CN" altLang="en-US" dirty="0"/>
           </a:p>
@@ -16545,7 +16532,7 @@
     </p:spTree>
     <p:extLst>
       <p:ext uri="{BB962C8B-B14F-4D97-AF65-F5344CB8AC3E}">
-        <p14:creationId xmlns:p14="http://schemas.microsoft.com/office/powerpoint/2010/main" val="3947229767"/>
+        <p14:creationId xmlns:p14="http://schemas.microsoft.com/office/powerpoint/2010/main" val="539340777"/>
       </p:ext>
     </p:extLst>
   </p:cSld>

--- a/黄子翚答辩.pptx
+++ b/黄子翚答辩.pptx
@@ -8471,8 +8471,8 @@
               <a:t>CAPS</a:t>
             </a:r>
             <a:r>
-              <a:rPr lang="zh-CN" altLang="en-US" dirty="0" smtClean="0"/>
-              <a:t>的优势</a:t>
+              <a:rPr lang="zh-CN" altLang="en-US" smtClean="0"/>
+              <a:t>设计目标</a:t>
             </a:r>
             <a:endParaRPr lang="zh-CN" altLang="en-US" dirty="0"/>
           </a:p>
@@ -8624,6 +8624,13 @@
   <p:clrMapOvr>
     <a:masterClrMapping/>
   </p:clrMapOvr>
+  <p:timing>
+    <p:tnLst>
+      <p:par>
+        <p:cTn id="1" dur="indefinite" restart="never" nodeType="tmRoot"/>
+      </p:par>
+    </p:tnLst>
+  </p:timing>
 </p:sld>
 </file>
 
@@ -8803,6 +8810,13 @@
   <p:clrMapOvr>
     <a:masterClrMapping/>
   </p:clrMapOvr>
+  <p:timing>
+    <p:tnLst>
+      <p:par>
+        <p:cTn id="1" dur="indefinite" restart="never" nodeType="tmRoot"/>
+      </p:par>
+    </p:tnLst>
+  </p:timing>
 </p:sld>
 </file>
 
@@ -9025,6 +9039,13 @@
   <p:clrMapOvr>
     <a:masterClrMapping/>
   </p:clrMapOvr>
+  <p:timing>
+    <p:tnLst>
+      <p:par>
+        <p:cTn id="1" dur="indefinite" restart="never" nodeType="tmRoot"/>
+      </p:par>
+    </p:tnLst>
+  </p:timing>
 </p:sld>
 </file>
 
@@ -9231,6 +9252,13 @@
   <p:clrMapOvr>
     <a:masterClrMapping/>
   </p:clrMapOvr>
+  <p:timing>
+    <p:tnLst>
+      <p:par>
+        <p:cTn id="1" dur="indefinite" restart="never" nodeType="tmRoot"/>
+      </p:par>
+    </p:tnLst>
+  </p:timing>
 </p:sld>
 </file>
 
@@ -9446,6 +9474,13 @@
   <p:clrMapOvr>
     <a:masterClrMapping/>
   </p:clrMapOvr>
+  <p:timing>
+    <p:tnLst>
+      <p:par>
+        <p:cTn id="1" dur="indefinite" restart="never" nodeType="tmRoot"/>
+      </p:par>
+    </p:tnLst>
+  </p:timing>
 </p:sld>
 </file>
 
@@ -9650,6 +9685,13 @@
   <p:clrMapOvr>
     <a:masterClrMapping/>
   </p:clrMapOvr>
+  <p:timing>
+    <p:tnLst>
+      <p:par>
+        <p:cTn id="1" dur="indefinite" restart="never" nodeType="tmRoot"/>
+      </p:par>
+    </p:tnLst>
+  </p:timing>
 </p:sld>
 </file>
 
@@ -9866,6 +9908,13 @@
   <p:clrMapOvr>
     <a:masterClrMapping/>
   </p:clrMapOvr>
+  <p:timing>
+    <p:tnLst>
+      <p:par>
+        <p:cTn id="1" dur="indefinite" restart="never" nodeType="tmRoot"/>
+      </p:par>
+    </p:tnLst>
+  </p:timing>
 </p:sld>
 </file>
 
@@ -10081,6 +10130,13 @@
   <p:clrMapOvr>
     <a:masterClrMapping/>
   </p:clrMapOvr>
+  <p:timing>
+    <p:tnLst>
+      <p:par>
+        <p:cTn id="1" dur="indefinite" restart="never" nodeType="tmRoot"/>
+      </p:par>
+    </p:tnLst>
+  </p:timing>
 </p:sld>
 </file>
 
@@ -10303,6 +10359,13 @@
   <p:clrMapOvr>
     <a:masterClrMapping/>
   </p:clrMapOvr>
+  <p:timing>
+    <p:tnLst>
+      <p:par>
+        <p:cTn id="1" dur="indefinite" restart="never" nodeType="tmRoot"/>
+      </p:par>
+    </p:tnLst>
+  </p:timing>
 </p:sld>
 </file>
 
@@ -10613,6 +10676,13 @@
   <p:clrMapOvr>
     <a:masterClrMapping/>
   </p:clrMapOvr>
+  <p:timing>
+    <p:tnLst>
+      <p:par>
+        <p:cTn id="1" dur="indefinite" restart="never" nodeType="tmRoot"/>
+      </p:par>
+    </p:tnLst>
+  </p:timing>
 </p:sld>
 </file>
 
@@ -10789,6 +10859,13 @@
   <p:clrMapOvr>
     <a:masterClrMapping/>
   </p:clrMapOvr>
+  <p:timing>
+    <p:tnLst>
+      <p:par>
+        <p:cTn id="1" dur="indefinite" restart="never" nodeType="tmRoot"/>
+      </p:par>
+    </p:tnLst>
+  </p:timing>
 </p:sld>
 </file>
 
@@ -11075,6 +11152,13 @@
   <p:clrMapOvr>
     <a:masterClrMapping/>
   </p:clrMapOvr>
+  <p:timing>
+    <p:tnLst>
+      <p:par>
+        <p:cTn id="1" dur="indefinite" restart="never" nodeType="tmRoot"/>
+      </p:par>
+    </p:tnLst>
+  </p:timing>
 </p:sld>
 </file>
 
@@ -11228,6 +11312,13 @@
   <p:clrMapOvr>
     <a:masterClrMapping/>
   </p:clrMapOvr>
+  <p:timing>
+    <p:tnLst>
+      <p:par>
+        <p:cTn id="1" dur="indefinite" restart="never" nodeType="tmRoot"/>
+      </p:par>
+    </p:tnLst>
+  </p:timing>
 </p:sld>
 </file>
 
@@ -11450,6 +11541,13 @@
   <p:clrMapOvr>
     <a:masterClrMapping/>
   </p:clrMapOvr>
+  <p:timing>
+    <p:tnLst>
+      <p:par>
+        <p:cTn id="1" dur="indefinite" restart="never" nodeType="tmRoot"/>
+      </p:par>
+    </p:tnLst>
+  </p:timing>
 </p:sld>
 </file>
 
@@ -11644,6 +11742,13 @@
   <p:clrMapOvr>
     <a:masterClrMapping/>
   </p:clrMapOvr>
+  <p:timing>
+    <p:tnLst>
+      <p:par>
+        <p:cTn id="1" dur="indefinite" restart="never" nodeType="tmRoot"/>
+      </p:par>
+    </p:tnLst>
+  </p:timing>
 </p:sld>
 </file>
 
@@ -11836,6 +11941,13 @@
   <p:clrMapOvr>
     <a:masterClrMapping/>
   </p:clrMapOvr>
+  <p:timing>
+    <p:tnLst>
+      <p:par>
+        <p:cTn id="1" dur="indefinite" restart="never" nodeType="tmRoot"/>
+      </p:par>
+    </p:tnLst>
+  </p:timing>
 </p:sld>
 </file>
 
@@ -12047,6 +12159,13 @@
   <p:clrMapOvr>
     <a:masterClrMapping/>
   </p:clrMapOvr>
+  <p:timing>
+    <p:tnLst>
+      <p:par>
+        <p:cTn id="1" dur="indefinite" restart="never" nodeType="tmRoot"/>
+      </p:par>
+    </p:tnLst>
+  </p:timing>
 </p:sld>
 </file>
 
@@ -12426,6 +12545,13 @@
   <p:clrMapOvr>
     <a:masterClrMapping/>
   </p:clrMapOvr>
+  <p:timing>
+    <p:tnLst>
+      <p:par>
+        <p:cTn id="1" dur="indefinite" restart="never" nodeType="tmRoot"/>
+      </p:par>
+    </p:tnLst>
+  </p:timing>
 </p:sld>
 </file>
 
@@ -12837,6 +12963,13 @@
   <p:clrMapOvr>
     <a:masterClrMapping/>
   </p:clrMapOvr>
+  <p:timing>
+    <p:tnLst>
+      <p:par>
+        <p:cTn id="1" dur="indefinite" restart="never" nodeType="tmRoot"/>
+      </p:par>
+    </p:tnLst>
+  </p:timing>
 </p:sld>
 </file>
 
@@ -13484,6 +13617,13 @@
   <p:clrMapOvr>
     <a:masterClrMapping/>
   </p:clrMapOvr>
+  <p:timing>
+    <p:tnLst>
+      <p:par>
+        <p:cTn id="1" dur="indefinite" restart="never" nodeType="tmRoot"/>
+      </p:par>
+    </p:tnLst>
+  </p:timing>
 </p:sld>
 </file>
 
@@ -13872,6 +14012,13 @@
   <p:clrMapOvr>
     <a:masterClrMapping/>
   </p:clrMapOvr>
+  <p:timing>
+    <p:tnLst>
+      <p:par>
+        <p:cTn id="1" dur="indefinite" restart="never" nodeType="tmRoot"/>
+      </p:par>
+    </p:tnLst>
+  </p:timing>
 </p:sld>
 </file>
 
@@ -14125,6 +14272,13 @@
   <p:clrMapOvr>
     <a:masterClrMapping/>
   </p:clrMapOvr>
+  <p:timing>
+    <p:tnLst>
+      <p:par>
+        <p:cTn id="1" dur="indefinite" restart="never" nodeType="tmRoot"/>
+      </p:par>
+    </p:tnLst>
+  </p:timing>
 </p:sld>
 </file>
 
@@ -14612,6 +14766,13 @@
   <p:clrMapOvr>
     <a:masterClrMapping/>
   </p:clrMapOvr>
+  <p:timing>
+    <p:tnLst>
+      <p:par>
+        <p:cTn id="1" dur="indefinite" restart="never" nodeType="tmRoot"/>
+      </p:par>
+    </p:tnLst>
+  </p:timing>
 </p:sld>
 </file>
 
@@ -15057,6 +15218,13 @@
   <p:clrMapOvr>
     <a:masterClrMapping/>
   </p:clrMapOvr>
+  <p:timing>
+    <p:tnLst>
+      <p:par>
+        <p:cTn id="1" dur="indefinite" restart="never" nodeType="tmRoot"/>
+      </p:par>
+    </p:tnLst>
+  </p:timing>
 </p:sld>
 </file>
 
@@ -15249,6 +15417,13 @@
   <p:clrMapOvr>
     <a:masterClrMapping/>
   </p:clrMapOvr>
+  <p:timing>
+    <p:tnLst>
+      <p:par>
+        <p:cTn id="1" dur="indefinite" restart="never" nodeType="tmRoot"/>
+      </p:par>
+    </p:tnLst>
+  </p:timing>
 </p:sld>
 </file>
 
@@ -15457,6 +15632,13 @@
   <p:clrMapOvr>
     <a:masterClrMapping/>
   </p:clrMapOvr>
+  <p:timing>
+    <p:tnLst>
+      <p:par>
+        <p:cTn id="1" dur="indefinite" restart="never" nodeType="tmRoot"/>
+      </p:par>
+    </p:tnLst>
+  </p:timing>
 </p:sld>
 </file>
 
@@ -15582,6 +15764,13 @@
   <p:clrMapOvr>
     <a:masterClrMapping/>
   </p:clrMapOvr>
+  <p:timing>
+    <p:tnLst>
+      <p:par>
+        <p:cTn id="1" dur="indefinite" restart="never" nodeType="tmRoot"/>
+      </p:par>
+    </p:tnLst>
+  </p:timing>
 </p:sld>
 </file>
 
@@ -15758,6 +15947,13 @@
   <p:clrMapOvr>
     <a:masterClrMapping/>
   </p:clrMapOvr>
+  <p:timing>
+    <p:tnLst>
+      <p:par>
+        <p:cTn id="1" dur="indefinite" restart="never" nodeType="tmRoot"/>
+      </p:par>
+    </p:tnLst>
+  </p:timing>
 </p:sld>
 </file>
 
@@ -15966,6 +16162,13 @@
   <p:clrMapOvr>
     <a:masterClrMapping/>
   </p:clrMapOvr>
+  <p:timing>
+    <p:tnLst>
+      <p:par>
+        <p:cTn id="1" dur="indefinite" restart="never" nodeType="tmRoot"/>
+      </p:par>
+    </p:tnLst>
+  </p:timing>
 </p:sld>
 </file>
 
@@ -16185,6 +16388,13 @@
   <p:clrMapOvr>
     <a:masterClrMapping/>
   </p:clrMapOvr>
+  <p:timing>
+    <p:tnLst>
+      <p:par>
+        <p:cTn id="1" dur="indefinite" restart="never" nodeType="tmRoot"/>
+      </p:par>
+    </p:tnLst>
+  </p:timing>
 </p:sld>
 </file>
 
@@ -16355,6 +16565,13 @@
   <p:clrMapOvr>
     <a:masterClrMapping/>
   </p:clrMapOvr>
+  <p:timing>
+    <p:tnLst>
+      <p:par>
+        <p:cTn id="1" dur="indefinite" restart="never" nodeType="tmRoot"/>
+      </p:par>
+    </p:tnLst>
+  </p:timing>
 </p:sld>
 </file>
 
@@ -16539,6 +16756,13 @@
   <p:clrMapOvr>
     <a:masterClrMapping/>
   </p:clrMapOvr>
+  <p:timing>
+    <p:tnLst>
+      <p:par>
+        <p:cTn id="1" dur="indefinite" restart="never" nodeType="tmRoot"/>
+      </p:par>
+    </p:tnLst>
+  </p:timing>
 </p:sld>
 </file>
 
@@ -16707,6 +16931,13 @@
   <p:clrMapOvr>
     <a:masterClrMapping/>
   </p:clrMapOvr>
+  <p:timing>
+    <p:tnLst>
+      <p:par>
+        <p:cTn id="1" dur="indefinite" restart="never" nodeType="tmRoot"/>
+      </p:par>
+    </p:tnLst>
+  </p:timing>
 </p:sld>
 </file>
 
